--- a/hw04.pptx
+++ b/hw04.pptx
@@ -2,8 +2,11 @@
 <file path=ppt/presentation.xml><?xml version="1.0" encoding="utf-8"?>
 <p:presentation xmlns:a="http://schemas.openxmlformats.org/drawingml/2006/main" xmlns:r="http://schemas.openxmlformats.org/officeDocument/2006/relationships" xmlns:p="http://schemas.openxmlformats.org/presentationml/2006/main" saveSubsetFonts="1">
   <p:sldMasterIdLst>
-    <p:sldMasterId id="2147483660" r:id="rId1"/>
+    <p:sldMasterId id="2147483732" r:id="rId1"/>
   </p:sldMasterIdLst>
+  <p:notesMasterIdLst>
+    <p:notesMasterId r:id="rId10"/>
+  </p:notesMasterIdLst>
   <p:sldIdLst>
     <p:sldId id="256" r:id="rId2"/>
     <p:sldId id="257" r:id="rId3"/>
@@ -111,21 +114,21 @@
       </a:defRPr>
     </a:lvl9pPr>
   </p:defaultTextStyle>
+  <p:extLst>
+    <p:ext uri="{EFAFB233-063F-42B5-8137-9DF3F51BA10A}">
+      <p15:sldGuideLst xmlns:p15="http://schemas.microsoft.com/office/powerpoint/2012/main"/>
+    </p:ext>
+  </p:extLst>
 </p:presentation>
 </file>
 
-<file path=ppt/slideLayouts/slideLayout1.xml><?xml version="1.0" encoding="utf-8"?>
-<p:sldLayout xmlns:a="http://schemas.openxmlformats.org/drawingml/2006/main" xmlns:r="http://schemas.openxmlformats.org/officeDocument/2006/relationships" xmlns:p="http://schemas.openxmlformats.org/presentationml/2006/main" showMasterSp="0" type="title" preserve="1">
-  <p:cSld name="標題投影片">
+<file path=ppt/notesMasters/notesMaster1.xml><?xml version="1.0" encoding="utf-8"?>
+<p:notesMaster xmlns:a="http://schemas.openxmlformats.org/drawingml/2006/main" xmlns:r="http://schemas.openxmlformats.org/officeDocument/2006/relationships" xmlns:p="http://schemas.openxmlformats.org/presentationml/2006/main">
+  <p:cSld>
     <p:bg>
-      <p:bgPr>
-        <a:solidFill>
-          <a:schemeClr val="bg2">
-            <a:lumMod val="75000"/>
-          </a:schemeClr>
-        </a:solidFill>
-        <a:effectLst/>
-      </p:bgPr>
+      <p:bgRef idx="1001">
+        <a:schemeClr val="bg1"/>
+      </p:bgRef>
     </p:bg>
     <p:spTree>
       <p:nvGrpSpPr>
@@ -143,34 +146,996 @@
       </p:grpSpPr>
       <p:sp>
         <p:nvSpPr>
-          <p:cNvPr id="2" name="Title 1"/>
-          <p:cNvSpPr>
-            <a:spLocks noGrp="1"/>
-          </p:cNvSpPr>
-          <p:nvPr>
-            <p:ph type="ctrTitle"/>
+          <p:cNvPr id="2" name="頁首版面配置區 1"/>
+          <p:cNvSpPr>
+            <a:spLocks noGrp="1"/>
+          </p:cNvSpPr>
+          <p:nvPr>
+            <p:ph type="hdr" sz="quarter"/>
           </p:nvPr>
         </p:nvSpPr>
         <p:spPr>
           <a:xfrm>
-            <a:off x="1261872" y="758952"/>
-            <a:ext cx="9418320" cy="4041648"/>
+            <a:off x="0" y="0"/>
+            <a:ext cx="2971800" cy="458788"/>
+          </a:xfrm>
+          <a:prstGeom prst="rect">
+            <a:avLst/>
+          </a:prstGeom>
+        </p:spPr>
+        <p:txBody>
+          <a:bodyPr vert="horz" lIns="91440" tIns="45720" rIns="91440" bIns="45720" rtlCol="0"/>
+          <a:lstStyle>
+            <a:lvl1pPr algn="l">
+              <a:defRPr sz="1200"/>
+            </a:lvl1pPr>
+          </a:lstStyle>
+          <a:p>
+            <a:endParaRPr lang="zh-TW" altLang="en-US"/>
+          </a:p>
+        </p:txBody>
+      </p:sp>
+      <p:sp>
+        <p:nvSpPr>
+          <p:cNvPr id="3" name="日期版面配置區 2"/>
+          <p:cNvSpPr>
+            <a:spLocks noGrp="1"/>
+          </p:cNvSpPr>
+          <p:nvPr>
+            <p:ph type="dt" idx="1"/>
+          </p:nvPr>
+        </p:nvSpPr>
+        <p:spPr>
+          <a:xfrm>
+            <a:off x="3884613" y="0"/>
+            <a:ext cx="2971800" cy="458788"/>
+          </a:xfrm>
+          <a:prstGeom prst="rect">
+            <a:avLst/>
+          </a:prstGeom>
+        </p:spPr>
+        <p:txBody>
+          <a:bodyPr vert="horz" lIns="91440" tIns="45720" rIns="91440" bIns="45720" rtlCol="0"/>
+          <a:lstStyle>
+            <a:lvl1pPr algn="r">
+              <a:defRPr sz="1200"/>
+            </a:lvl1pPr>
+          </a:lstStyle>
+          <a:p>
+            <a:fld id="{C67AF8E6-C0F5-4094-96F5-CEA12AE500DA}" type="datetimeFigureOut">
+              <a:rPr lang="zh-TW" altLang="en-US" smtClean="0"/>
+              <a:t>2024/11/5</a:t>
+            </a:fld>
+            <a:endParaRPr lang="zh-TW" altLang="en-US"/>
+          </a:p>
+        </p:txBody>
+      </p:sp>
+      <p:sp>
+        <p:nvSpPr>
+          <p:cNvPr id="4" name="投影片影像版面配置區 3"/>
+          <p:cNvSpPr>
+            <a:spLocks noGrp="1" noRot="1" noChangeAspect="1"/>
+          </p:cNvSpPr>
+          <p:nvPr>
+            <p:ph type="sldImg" idx="2"/>
+          </p:nvPr>
+        </p:nvSpPr>
+        <p:spPr>
+          <a:xfrm>
+            <a:off x="685800" y="1143000"/>
+            <a:ext cx="5486400" cy="3086100"/>
+          </a:xfrm>
+          <a:prstGeom prst="rect">
+            <a:avLst/>
+          </a:prstGeom>
+          <a:noFill/>
+          <a:ln w="12700">
+            <a:solidFill>
+              <a:prstClr val="black"/>
+            </a:solidFill>
+          </a:ln>
+        </p:spPr>
+        <p:txBody>
+          <a:bodyPr vert="horz" lIns="91440" tIns="45720" rIns="91440" bIns="45720" rtlCol="0" anchor="ctr"/>
+          <a:lstStyle/>
+          <a:p>
+            <a:endParaRPr lang="zh-TW" altLang="en-US"/>
+          </a:p>
+        </p:txBody>
+      </p:sp>
+      <p:sp>
+        <p:nvSpPr>
+          <p:cNvPr id="5" name="備忘稿版面配置區 4"/>
+          <p:cNvSpPr>
+            <a:spLocks noGrp="1"/>
+          </p:cNvSpPr>
+          <p:nvPr>
+            <p:ph type="body" sz="quarter" idx="3"/>
+          </p:nvPr>
+        </p:nvSpPr>
+        <p:spPr>
+          <a:xfrm>
+            <a:off x="685800" y="4400550"/>
+            <a:ext cx="5486400" cy="3600450"/>
+          </a:xfrm>
+          <a:prstGeom prst="rect">
+            <a:avLst/>
+          </a:prstGeom>
+        </p:spPr>
+        <p:txBody>
+          <a:bodyPr vert="horz" lIns="91440" tIns="45720" rIns="91440" bIns="45720" rtlCol="0"/>
+          <a:lstStyle/>
+          <a:p>
+            <a:pPr lvl="0"/>
+            <a:r>
+              <a:rPr lang="zh-TW" altLang="en-US"/>
+              <a:t>編輯母片文字樣式</a:t>
+            </a:r>
+          </a:p>
+          <a:p>
+            <a:pPr lvl="1"/>
+            <a:r>
+              <a:rPr lang="zh-TW" altLang="en-US"/>
+              <a:t>第二層</a:t>
+            </a:r>
+          </a:p>
+          <a:p>
+            <a:pPr lvl="2"/>
+            <a:r>
+              <a:rPr lang="zh-TW" altLang="en-US"/>
+              <a:t>第三層</a:t>
+            </a:r>
+          </a:p>
+          <a:p>
+            <a:pPr lvl="3"/>
+            <a:r>
+              <a:rPr lang="zh-TW" altLang="en-US"/>
+              <a:t>第四層</a:t>
+            </a:r>
+          </a:p>
+          <a:p>
+            <a:pPr lvl="4"/>
+            <a:r>
+              <a:rPr lang="zh-TW" altLang="en-US"/>
+              <a:t>第五層</a:t>
+            </a:r>
+          </a:p>
+        </p:txBody>
+      </p:sp>
+      <p:sp>
+        <p:nvSpPr>
+          <p:cNvPr id="6" name="頁尾版面配置區 5"/>
+          <p:cNvSpPr>
+            <a:spLocks noGrp="1"/>
+          </p:cNvSpPr>
+          <p:nvPr>
+            <p:ph type="ftr" sz="quarter" idx="4"/>
+          </p:nvPr>
+        </p:nvSpPr>
+        <p:spPr>
+          <a:xfrm>
+            <a:off x="0" y="8685213"/>
+            <a:ext cx="2971800" cy="458787"/>
+          </a:xfrm>
+          <a:prstGeom prst="rect">
+            <a:avLst/>
+          </a:prstGeom>
+        </p:spPr>
+        <p:txBody>
+          <a:bodyPr vert="horz" lIns="91440" tIns="45720" rIns="91440" bIns="45720" rtlCol="0" anchor="b"/>
+          <a:lstStyle>
+            <a:lvl1pPr algn="l">
+              <a:defRPr sz="1200"/>
+            </a:lvl1pPr>
+          </a:lstStyle>
+          <a:p>
+            <a:endParaRPr lang="zh-TW" altLang="en-US"/>
+          </a:p>
+        </p:txBody>
+      </p:sp>
+      <p:sp>
+        <p:nvSpPr>
+          <p:cNvPr id="7" name="投影片編號版面配置區 6"/>
+          <p:cNvSpPr>
+            <a:spLocks noGrp="1"/>
+          </p:cNvSpPr>
+          <p:nvPr>
+            <p:ph type="sldNum" sz="quarter" idx="5"/>
+          </p:nvPr>
+        </p:nvSpPr>
+        <p:spPr>
+          <a:xfrm>
+            <a:off x="3884613" y="8685213"/>
+            <a:ext cx="2971800" cy="458787"/>
+          </a:xfrm>
+          <a:prstGeom prst="rect">
+            <a:avLst/>
+          </a:prstGeom>
+        </p:spPr>
+        <p:txBody>
+          <a:bodyPr vert="horz" lIns="91440" tIns="45720" rIns="91440" bIns="45720" rtlCol="0" anchor="b"/>
+          <a:lstStyle>
+            <a:lvl1pPr algn="r">
+              <a:defRPr sz="1200"/>
+            </a:lvl1pPr>
+          </a:lstStyle>
+          <a:p>
+            <a:fld id="{DAC823D7-07D0-4420-8141-637EB619D991}" type="slidenum">
+              <a:rPr lang="zh-TW" altLang="en-US" smtClean="0"/>
+              <a:t>‹#›</a:t>
+            </a:fld>
+            <a:endParaRPr lang="zh-TW" altLang="en-US"/>
+          </a:p>
+        </p:txBody>
+      </p:sp>
+    </p:spTree>
+    <p:extLst>
+      <p:ext uri="{BB962C8B-B14F-4D97-AF65-F5344CB8AC3E}">
+        <p14:creationId xmlns:p14="http://schemas.microsoft.com/office/powerpoint/2010/main" val="2352097460"/>
+      </p:ext>
+    </p:extLst>
+  </p:cSld>
+  <p:clrMap bg1="lt1" tx1="dk1" bg2="lt2" tx2="dk2" accent1="accent1" accent2="accent2" accent3="accent3" accent4="accent4" accent5="accent5" accent6="accent6" hlink="hlink" folHlink="folHlink"/>
+  <p:notesStyle>
+    <a:lvl1pPr marL="0" algn="l" defTabSz="914400" rtl="0" eaLnBrk="1" latinLnBrk="0" hangingPunct="1">
+      <a:defRPr sz="1200" kern="1200">
+        <a:solidFill>
+          <a:schemeClr val="tx1"/>
+        </a:solidFill>
+        <a:latin typeface="+mn-lt"/>
+        <a:ea typeface="+mn-ea"/>
+        <a:cs typeface="+mn-cs"/>
+      </a:defRPr>
+    </a:lvl1pPr>
+    <a:lvl2pPr marL="457200" algn="l" defTabSz="914400" rtl="0" eaLnBrk="1" latinLnBrk="0" hangingPunct="1">
+      <a:defRPr sz="1200" kern="1200">
+        <a:solidFill>
+          <a:schemeClr val="tx1"/>
+        </a:solidFill>
+        <a:latin typeface="+mn-lt"/>
+        <a:ea typeface="+mn-ea"/>
+        <a:cs typeface="+mn-cs"/>
+      </a:defRPr>
+    </a:lvl2pPr>
+    <a:lvl3pPr marL="914400" algn="l" defTabSz="914400" rtl="0" eaLnBrk="1" latinLnBrk="0" hangingPunct="1">
+      <a:defRPr sz="1200" kern="1200">
+        <a:solidFill>
+          <a:schemeClr val="tx1"/>
+        </a:solidFill>
+        <a:latin typeface="+mn-lt"/>
+        <a:ea typeface="+mn-ea"/>
+        <a:cs typeface="+mn-cs"/>
+      </a:defRPr>
+    </a:lvl3pPr>
+    <a:lvl4pPr marL="1371600" algn="l" defTabSz="914400" rtl="0" eaLnBrk="1" latinLnBrk="0" hangingPunct="1">
+      <a:defRPr sz="1200" kern="1200">
+        <a:solidFill>
+          <a:schemeClr val="tx1"/>
+        </a:solidFill>
+        <a:latin typeface="+mn-lt"/>
+        <a:ea typeface="+mn-ea"/>
+        <a:cs typeface="+mn-cs"/>
+      </a:defRPr>
+    </a:lvl4pPr>
+    <a:lvl5pPr marL="1828800" algn="l" defTabSz="914400" rtl="0" eaLnBrk="1" latinLnBrk="0" hangingPunct="1">
+      <a:defRPr sz="1200" kern="1200">
+        <a:solidFill>
+          <a:schemeClr val="tx1"/>
+        </a:solidFill>
+        <a:latin typeface="+mn-lt"/>
+        <a:ea typeface="+mn-ea"/>
+        <a:cs typeface="+mn-cs"/>
+      </a:defRPr>
+    </a:lvl5pPr>
+    <a:lvl6pPr marL="2286000" algn="l" defTabSz="914400" rtl="0" eaLnBrk="1" latinLnBrk="0" hangingPunct="1">
+      <a:defRPr sz="1200" kern="1200">
+        <a:solidFill>
+          <a:schemeClr val="tx1"/>
+        </a:solidFill>
+        <a:latin typeface="+mn-lt"/>
+        <a:ea typeface="+mn-ea"/>
+        <a:cs typeface="+mn-cs"/>
+      </a:defRPr>
+    </a:lvl6pPr>
+    <a:lvl7pPr marL="2743200" algn="l" defTabSz="914400" rtl="0" eaLnBrk="1" latinLnBrk="0" hangingPunct="1">
+      <a:defRPr sz="1200" kern="1200">
+        <a:solidFill>
+          <a:schemeClr val="tx1"/>
+        </a:solidFill>
+        <a:latin typeface="+mn-lt"/>
+        <a:ea typeface="+mn-ea"/>
+        <a:cs typeface="+mn-cs"/>
+      </a:defRPr>
+    </a:lvl7pPr>
+    <a:lvl8pPr marL="3200400" algn="l" defTabSz="914400" rtl="0" eaLnBrk="1" latinLnBrk="0" hangingPunct="1">
+      <a:defRPr sz="1200" kern="1200">
+        <a:solidFill>
+          <a:schemeClr val="tx1"/>
+        </a:solidFill>
+        <a:latin typeface="+mn-lt"/>
+        <a:ea typeface="+mn-ea"/>
+        <a:cs typeface="+mn-cs"/>
+      </a:defRPr>
+    </a:lvl8pPr>
+    <a:lvl9pPr marL="3657600" algn="l" defTabSz="914400" rtl="0" eaLnBrk="1" latinLnBrk="0" hangingPunct="1">
+      <a:defRPr sz="1200" kern="1200">
+        <a:solidFill>
+          <a:schemeClr val="tx1"/>
+        </a:solidFill>
+        <a:latin typeface="+mn-lt"/>
+        <a:ea typeface="+mn-ea"/>
+        <a:cs typeface="+mn-cs"/>
+      </a:defRPr>
+    </a:lvl9pPr>
+  </p:notesStyle>
+</p:notesMaster>
+</file>
+
+<file path=ppt/notesSlides/notesSlide1.xml><?xml version="1.0" encoding="utf-8"?>
+<p:notes xmlns:a="http://schemas.openxmlformats.org/drawingml/2006/main" xmlns:r="http://schemas.openxmlformats.org/officeDocument/2006/relationships" xmlns:p="http://schemas.openxmlformats.org/presentationml/2006/main">
+  <p:cSld>
+    <p:spTree>
+      <p:nvGrpSpPr>
+        <p:cNvPr id="1" name=""/>
+        <p:cNvGrpSpPr/>
+        <p:nvPr/>
+      </p:nvGrpSpPr>
+      <p:grpSpPr>
+        <a:xfrm>
+          <a:off x="0" y="0"/>
+          <a:ext cx="0" cy="0"/>
+          <a:chOff x="0" y="0"/>
+          <a:chExt cx="0" cy="0"/>
+        </a:xfrm>
+      </p:grpSpPr>
+      <p:sp>
+        <p:nvSpPr>
+          <p:cNvPr id="2" name="投影片影像版面配置區 1"/>
+          <p:cNvSpPr>
+            <a:spLocks noGrp="1" noRot="1" noChangeAspect="1"/>
+          </p:cNvSpPr>
+          <p:nvPr>
+            <p:ph type="sldImg"/>
+          </p:nvPr>
+        </p:nvSpPr>
+        <p:spPr/>
+      </p:sp>
+      <p:sp>
+        <p:nvSpPr>
+          <p:cNvPr id="3" name="備忘稿版面配置區 2"/>
+          <p:cNvSpPr>
+            <a:spLocks noGrp="1"/>
+          </p:cNvSpPr>
+          <p:nvPr>
+            <p:ph type="body" idx="1"/>
+          </p:nvPr>
+        </p:nvSpPr>
+        <p:spPr/>
+        <p:txBody>
+          <a:bodyPr/>
+          <a:lstStyle/>
+          <a:p>
+            <a:r>
+              <a:rPr lang="zh-TW" altLang="en-US" dirty="0"/>
+              <a:t>離開邪惡實驗室後，我加入了一家自駕車公司，希望能將無人機研發的經驗應用於自駕技術，提升交通安全，同時在新領域實現自我成長。</a:t>
+            </a:r>
+          </a:p>
+          <a:p>
+            <a:endParaRPr lang="zh-TW" altLang="en-US" dirty="0"/>
+          </a:p>
+        </p:txBody>
+      </p:sp>
+      <p:sp>
+        <p:nvSpPr>
+          <p:cNvPr id="4" name="投影片編號版面配置區 3"/>
+          <p:cNvSpPr>
+            <a:spLocks noGrp="1"/>
+          </p:cNvSpPr>
+          <p:nvPr>
+            <p:ph type="sldNum" sz="quarter" idx="5"/>
+          </p:nvPr>
+        </p:nvSpPr>
+        <p:spPr/>
+        <p:txBody>
+          <a:bodyPr/>
+          <a:lstStyle/>
+          <a:p>
+            <a:fld id="{DAC823D7-07D0-4420-8141-637EB619D991}" type="slidenum">
+              <a:rPr lang="zh-TW" altLang="en-US" smtClean="0"/>
+              <a:t>2</a:t>
+            </a:fld>
+            <a:endParaRPr lang="zh-TW" altLang="en-US"/>
+          </a:p>
+        </p:txBody>
+      </p:sp>
+    </p:spTree>
+    <p:extLst>
+      <p:ext uri="{BB962C8B-B14F-4D97-AF65-F5344CB8AC3E}">
+        <p14:creationId xmlns:p14="http://schemas.microsoft.com/office/powerpoint/2010/main" val="528882751"/>
+      </p:ext>
+    </p:extLst>
+  </p:cSld>
+  <p:clrMapOvr>
+    <a:masterClrMapping/>
+  </p:clrMapOvr>
+</p:notes>
+</file>
+
+<file path=ppt/notesSlides/notesSlide2.xml><?xml version="1.0" encoding="utf-8"?>
+<p:notes xmlns:a="http://schemas.openxmlformats.org/drawingml/2006/main" xmlns:r="http://schemas.openxmlformats.org/officeDocument/2006/relationships" xmlns:p="http://schemas.openxmlformats.org/presentationml/2006/main">
+  <p:cSld>
+    <p:spTree>
+      <p:nvGrpSpPr>
+        <p:cNvPr id="1" name=""/>
+        <p:cNvGrpSpPr/>
+        <p:nvPr/>
+      </p:nvGrpSpPr>
+      <p:grpSpPr>
+        <a:xfrm>
+          <a:off x="0" y="0"/>
+          <a:ext cx="0" cy="0"/>
+          <a:chOff x="0" y="0"/>
+          <a:chExt cx="0" cy="0"/>
+        </a:xfrm>
+      </p:grpSpPr>
+      <p:sp>
+        <p:nvSpPr>
+          <p:cNvPr id="2" name="投影片影像版面配置區 1"/>
+          <p:cNvSpPr>
+            <a:spLocks noGrp="1" noRot="1" noChangeAspect="1"/>
+          </p:cNvSpPr>
+          <p:nvPr>
+            <p:ph type="sldImg"/>
+          </p:nvPr>
+        </p:nvSpPr>
+        <p:spPr/>
+      </p:sp>
+      <p:sp>
+        <p:nvSpPr>
+          <p:cNvPr id="3" name="備忘稿版面配置區 2"/>
+          <p:cNvSpPr>
+            <a:spLocks noGrp="1"/>
+          </p:cNvSpPr>
+          <p:nvPr>
+            <p:ph type="body" idx="1"/>
+          </p:nvPr>
+        </p:nvSpPr>
+        <p:spPr/>
+        <p:txBody>
+          <a:bodyPr/>
+          <a:lstStyle/>
+          <a:p>
+            <a:r>
+              <a:rPr lang="zh-TW" altLang="en-US" dirty="0"/>
+              <a:t>由於我過去的經歷與無人機相關，團隊質疑我的能力，認為我的技術無法完全適應自駕車的需求。我在團隊中被冷落，提案也頻頻遭到駁回。</a:t>
+            </a:r>
+          </a:p>
+          <a:p>
+            <a:endParaRPr lang="zh-TW" altLang="en-US" dirty="0"/>
+          </a:p>
+        </p:txBody>
+      </p:sp>
+      <p:sp>
+        <p:nvSpPr>
+          <p:cNvPr id="4" name="投影片編號版面配置區 3"/>
+          <p:cNvSpPr>
+            <a:spLocks noGrp="1"/>
+          </p:cNvSpPr>
+          <p:nvPr>
+            <p:ph type="sldNum" sz="quarter" idx="5"/>
+          </p:nvPr>
+        </p:nvSpPr>
+        <p:spPr/>
+        <p:txBody>
+          <a:bodyPr/>
+          <a:lstStyle/>
+          <a:p>
+            <a:fld id="{DAC823D7-07D0-4420-8141-637EB619D991}" type="slidenum">
+              <a:rPr lang="zh-TW" altLang="en-US" smtClean="0"/>
+              <a:t>3</a:t>
+            </a:fld>
+            <a:endParaRPr lang="zh-TW" altLang="en-US"/>
+          </a:p>
+        </p:txBody>
+      </p:sp>
+    </p:spTree>
+    <p:extLst>
+      <p:ext uri="{BB962C8B-B14F-4D97-AF65-F5344CB8AC3E}">
+        <p14:creationId xmlns:p14="http://schemas.microsoft.com/office/powerpoint/2010/main" val="2448667284"/>
+      </p:ext>
+    </p:extLst>
+  </p:cSld>
+  <p:clrMapOvr>
+    <a:masterClrMapping/>
+  </p:clrMapOvr>
+</p:notes>
+</file>
+
+<file path=ppt/notesSlides/notesSlide3.xml><?xml version="1.0" encoding="utf-8"?>
+<p:notes xmlns:a="http://schemas.openxmlformats.org/drawingml/2006/main" xmlns:r="http://schemas.openxmlformats.org/officeDocument/2006/relationships" xmlns:p="http://schemas.openxmlformats.org/presentationml/2006/main">
+  <p:cSld>
+    <p:spTree>
+      <p:nvGrpSpPr>
+        <p:cNvPr id="1" name=""/>
+        <p:cNvGrpSpPr/>
+        <p:nvPr/>
+      </p:nvGrpSpPr>
+      <p:grpSpPr>
+        <a:xfrm>
+          <a:off x="0" y="0"/>
+          <a:ext cx="0" cy="0"/>
+          <a:chOff x="0" y="0"/>
+          <a:chExt cx="0" cy="0"/>
+        </a:xfrm>
+      </p:grpSpPr>
+      <p:sp>
+        <p:nvSpPr>
+          <p:cNvPr id="2" name="投影片影像版面配置區 1"/>
+          <p:cNvSpPr>
+            <a:spLocks noGrp="1" noRot="1" noChangeAspect="1"/>
+          </p:cNvSpPr>
+          <p:nvPr>
+            <p:ph type="sldImg"/>
+          </p:nvPr>
+        </p:nvSpPr>
+        <p:spPr/>
+      </p:sp>
+      <p:sp>
+        <p:nvSpPr>
+          <p:cNvPr id="3" name="備忘稿版面配置區 2"/>
+          <p:cNvSpPr>
+            <a:spLocks noGrp="1"/>
+          </p:cNvSpPr>
+          <p:nvPr>
+            <p:ph type="body" idx="1"/>
+          </p:nvPr>
+        </p:nvSpPr>
+        <p:spPr/>
+        <p:txBody>
+          <a:bodyPr/>
+          <a:lstStyle/>
+          <a:p>
+            <a:r>
+              <a:rPr lang="zh-TW" altLang="en-US" dirty="0"/>
+              <a:t>為了獲得認可，我努力學習自駕車技術，並將無人機的精準反應和避障技術融入自駕車系統。我加班加點開發出一個自駕車緊急避障系統的原型，展示了該技術在防碰撞方面的潛力。</a:t>
+            </a:r>
+          </a:p>
+          <a:p>
+            <a:endParaRPr lang="zh-TW" altLang="en-US" dirty="0"/>
+          </a:p>
+        </p:txBody>
+      </p:sp>
+      <p:sp>
+        <p:nvSpPr>
+          <p:cNvPr id="4" name="投影片編號版面配置區 3"/>
+          <p:cNvSpPr>
+            <a:spLocks noGrp="1"/>
+          </p:cNvSpPr>
+          <p:nvPr>
+            <p:ph type="sldNum" sz="quarter" idx="5"/>
+          </p:nvPr>
+        </p:nvSpPr>
+        <p:spPr/>
+        <p:txBody>
+          <a:bodyPr/>
+          <a:lstStyle/>
+          <a:p>
+            <a:fld id="{DAC823D7-07D0-4420-8141-637EB619D991}" type="slidenum">
+              <a:rPr lang="zh-TW" altLang="en-US" smtClean="0"/>
+              <a:t>4</a:t>
+            </a:fld>
+            <a:endParaRPr lang="zh-TW" altLang="en-US"/>
+          </a:p>
+        </p:txBody>
+      </p:sp>
+    </p:spTree>
+    <p:extLst>
+      <p:ext uri="{BB962C8B-B14F-4D97-AF65-F5344CB8AC3E}">
+        <p14:creationId xmlns:p14="http://schemas.microsoft.com/office/powerpoint/2010/main" val="1526566398"/>
+      </p:ext>
+    </p:extLst>
+  </p:cSld>
+  <p:clrMapOvr>
+    <a:masterClrMapping/>
+  </p:clrMapOvr>
+</p:notes>
+</file>
+
+<file path=ppt/notesSlides/notesSlide4.xml><?xml version="1.0" encoding="utf-8"?>
+<p:notes xmlns:a="http://schemas.openxmlformats.org/drawingml/2006/main" xmlns:r="http://schemas.openxmlformats.org/officeDocument/2006/relationships" xmlns:p="http://schemas.openxmlformats.org/presentationml/2006/main">
+  <p:cSld>
+    <p:spTree>
+      <p:nvGrpSpPr>
+        <p:cNvPr id="1" name=""/>
+        <p:cNvGrpSpPr/>
+        <p:nvPr/>
+      </p:nvGrpSpPr>
+      <p:grpSpPr>
+        <a:xfrm>
+          <a:off x="0" y="0"/>
+          <a:ext cx="0" cy="0"/>
+          <a:chOff x="0" y="0"/>
+          <a:chExt cx="0" cy="0"/>
+        </a:xfrm>
+      </p:grpSpPr>
+      <p:sp>
+        <p:nvSpPr>
+          <p:cNvPr id="2" name="投影片影像版面配置區 1"/>
+          <p:cNvSpPr>
+            <a:spLocks noGrp="1" noRot="1" noChangeAspect="1"/>
+          </p:cNvSpPr>
+          <p:nvPr>
+            <p:ph type="sldImg"/>
+          </p:nvPr>
+        </p:nvSpPr>
+        <p:spPr/>
+      </p:sp>
+      <p:sp>
+        <p:nvSpPr>
+          <p:cNvPr id="3" name="備忘稿版面配置區 2"/>
+          <p:cNvSpPr>
+            <a:spLocks noGrp="1"/>
+          </p:cNvSpPr>
+          <p:nvPr>
+            <p:ph type="body" idx="1"/>
+          </p:nvPr>
+        </p:nvSpPr>
+        <p:spPr/>
+        <p:txBody>
+          <a:bodyPr/>
+          <a:lstStyle/>
+          <a:p>
+            <a:r>
+              <a:rPr lang="zh-TW" altLang="en-US" dirty="0"/>
+              <a:t>我的原型在測試中表現出色，成功降低了緊急情況下的碰撞風險，公司開始認可我的技術，並將我納入核心的自駕技術團隊。</a:t>
+            </a:r>
+          </a:p>
+          <a:p>
+            <a:endParaRPr lang="zh-TW" altLang="en-US" dirty="0"/>
+          </a:p>
+        </p:txBody>
+      </p:sp>
+      <p:sp>
+        <p:nvSpPr>
+          <p:cNvPr id="4" name="投影片編號版面配置區 3"/>
+          <p:cNvSpPr>
+            <a:spLocks noGrp="1"/>
+          </p:cNvSpPr>
+          <p:nvPr>
+            <p:ph type="sldNum" sz="quarter" idx="5"/>
+          </p:nvPr>
+        </p:nvSpPr>
+        <p:spPr/>
+        <p:txBody>
+          <a:bodyPr/>
+          <a:lstStyle/>
+          <a:p>
+            <a:fld id="{DAC823D7-07D0-4420-8141-637EB619D991}" type="slidenum">
+              <a:rPr lang="zh-TW" altLang="en-US" smtClean="0"/>
+              <a:t>5</a:t>
+            </a:fld>
+            <a:endParaRPr lang="zh-TW" altLang="en-US"/>
+          </a:p>
+        </p:txBody>
+      </p:sp>
+    </p:spTree>
+    <p:extLst>
+      <p:ext uri="{BB962C8B-B14F-4D97-AF65-F5344CB8AC3E}">
+        <p14:creationId xmlns:p14="http://schemas.microsoft.com/office/powerpoint/2010/main" val="1533142378"/>
+      </p:ext>
+    </p:extLst>
+  </p:cSld>
+  <p:clrMapOvr>
+    <a:masterClrMapping/>
+  </p:clrMapOvr>
+</p:notes>
+</file>
+
+<file path=ppt/notesSlides/notesSlide5.xml><?xml version="1.0" encoding="utf-8"?>
+<p:notes xmlns:a="http://schemas.openxmlformats.org/drawingml/2006/main" xmlns:r="http://schemas.openxmlformats.org/officeDocument/2006/relationships" xmlns:p="http://schemas.openxmlformats.org/presentationml/2006/main">
+  <p:cSld>
+    <p:spTree>
+      <p:nvGrpSpPr>
+        <p:cNvPr id="1" name=""/>
+        <p:cNvGrpSpPr/>
+        <p:nvPr/>
+      </p:nvGrpSpPr>
+      <p:grpSpPr>
+        <a:xfrm>
+          <a:off x="0" y="0"/>
+          <a:ext cx="0" cy="0"/>
+          <a:chOff x="0" y="0"/>
+          <a:chExt cx="0" cy="0"/>
+        </a:xfrm>
+      </p:grpSpPr>
+      <p:sp>
+        <p:nvSpPr>
+          <p:cNvPr id="2" name="投影片影像版面配置區 1"/>
+          <p:cNvSpPr>
+            <a:spLocks noGrp="1" noRot="1" noChangeAspect="1"/>
+          </p:cNvSpPr>
+          <p:nvPr>
+            <p:ph type="sldImg"/>
+          </p:nvPr>
+        </p:nvSpPr>
+        <p:spPr/>
+      </p:sp>
+      <p:sp>
+        <p:nvSpPr>
+          <p:cNvPr id="3" name="備忘稿版面配置區 2"/>
+          <p:cNvSpPr>
+            <a:spLocks noGrp="1"/>
+          </p:cNvSpPr>
+          <p:nvPr>
+            <p:ph type="body" idx="1"/>
+          </p:nvPr>
+        </p:nvSpPr>
+        <p:spPr/>
+        <p:txBody>
+          <a:bodyPr/>
+          <a:lstStyle/>
+          <a:p>
+            <a:r>
+              <a:rPr lang="zh-TW" altLang="en-US" dirty="0"/>
+              <a:t>在深入開發過程中，我發現公司利用自駕車數據來追蹤用戶行為，並將數據售予廣告商，這讓我對公司是否重視用戶隱私產生了質疑。</a:t>
+            </a:r>
+          </a:p>
+          <a:p>
+            <a:endParaRPr lang="zh-TW" altLang="en-US" dirty="0"/>
+          </a:p>
+        </p:txBody>
+      </p:sp>
+      <p:sp>
+        <p:nvSpPr>
+          <p:cNvPr id="4" name="投影片編號版面配置區 3"/>
+          <p:cNvSpPr>
+            <a:spLocks noGrp="1"/>
+          </p:cNvSpPr>
+          <p:nvPr>
+            <p:ph type="sldNum" sz="quarter" idx="5"/>
+          </p:nvPr>
+        </p:nvSpPr>
+        <p:spPr/>
+        <p:txBody>
+          <a:bodyPr/>
+          <a:lstStyle/>
+          <a:p>
+            <a:fld id="{DAC823D7-07D0-4420-8141-637EB619D991}" type="slidenum">
+              <a:rPr lang="zh-TW" altLang="en-US" smtClean="0"/>
+              <a:t>6</a:t>
+            </a:fld>
+            <a:endParaRPr lang="zh-TW" altLang="en-US"/>
+          </a:p>
+        </p:txBody>
+      </p:sp>
+    </p:spTree>
+    <p:extLst>
+      <p:ext uri="{BB962C8B-B14F-4D97-AF65-F5344CB8AC3E}">
+        <p14:creationId xmlns:p14="http://schemas.microsoft.com/office/powerpoint/2010/main" val="3484144147"/>
+      </p:ext>
+    </p:extLst>
+  </p:cSld>
+  <p:clrMapOvr>
+    <a:masterClrMapping/>
+  </p:clrMapOvr>
+</p:notes>
+</file>
+
+<file path=ppt/notesSlides/notesSlide6.xml><?xml version="1.0" encoding="utf-8"?>
+<p:notes xmlns:a="http://schemas.openxmlformats.org/drawingml/2006/main" xmlns:r="http://schemas.openxmlformats.org/officeDocument/2006/relationships" xmlns:p="http://schemas.openxmlformats.org/presentationml/2006/main">
+  <p:cSld>
+    <p:spTree>
+      <p:nvGrpSpPr>
+        <p:cNvPr id="1" name=""/>
+        <p:cNvGrpSpPr/>
+        <p:nvPr/>
+      </p:nvGrpSpPr>
+      <p:grpSpPr>
+        <a:xfrm>
+          <a:off x="0" y="0"/>
+          <a:ext cx="0" cy="0"/>
+          <a:chOff x="0" y="0"/>
+          <a:chExt cx="0" cy="0"/>
+        </a:xfrm>
+      </p:grpSpPr>
+      <p:sp>
+        <p:nvSpPr>
+          <p:cNvPr id="2" name="投影片影像版面配置區 1"/>
+          <p:cNvSpPr>
+            <a:spLocks noGrp="1" noRot="1" noChangeAspect="1"/>
+          </p:cNvSpPr>
+          <p:nvPr>
+            <p:ph type="sldImg"/>
+          </p:nvPr>
+        </p:nvSpPr>
+        <p:spPr/>
+      </p:sp>
+      <p:sp>
+        <p:nvSpPr>
+          <p:cNvPr id="3" name="備忘稿版面配置區 2"/>
+          <p:cNvSpPr>
+            <a:spLocks noGrp="1"/>
+          </p:cNvSpPr>
+          <p:nvPr>
+            <p:ph type="body" idx="1"/>
+          </p:nvPr>
+        </p:nvSpPr>
+        <p:spPr/>
+        <p:txBody>
+          <a:bodyPr/>
+          <a:lstStyle/>
+          <a:p>
+            <a:r>
+              <a:rPr lang="zh-TW" altLang="en-US" dirty="0"/>
+              <a:t>面對這樣的情況，我陷入道德抉擇，最終決定匿名揭露公司的行為，同時開始尋找更尊重隱私和倫理的工作機會。</a:t>
+            </a:r>
+          </a:p>
+          <a:p>
+            <a:endParaRPr lang="zh-TW" altLang="en-US" dirty="0"/>
+          </a:p>
+        </p:txBody>
+      </p:sp>
+      <p:sp>
+        <p:nvSpPr>
+          <p:cNvPr id="4" name="投影片編號版面配置區 3"/>
+          <p:cNvSpPr>
+            <a:spLocks noGrp="1"/>
+          </p:cNvSpPr>
+          <p:nvPr>
+            <p:ph type="sldNum" sz="quarter" idx="5"/>
+          </p:nvPr>
+        </p:nvSpPr>
+        <p:spPr/>
+        <p:txBody>
+          <a:bodyPr/>
+          <a:lstStyle/>
+          <a:p>
+            <a:fld id="{DAC823D7-07D0-4420-8141-637EB619D991}" type="slidenum">
+              <a:rPr lang="zh-TW" altLang="en-US" smtClean="0"/>
+              <a:t>7</a:t>
+            </a:fld>
+            <a:endParaRPr lang="zh-TW" altLang="en-US"/>
+          </a:p>
+        </p:txBody>
+      </p:sp>
+    </p:spTree>
+    <p:extLst>
+      <p:ext uri="{BB962C8B-B14F-4D97-AF65-F5344CB8AC3E}">
+        <p14:creationId xmlns:p14="http://schemas.microsoft.com/office/powerpoint/2010/main" val="4110877870"/>
+      </p:ext>
+    </p:extLst>
+  </p:cSld>
+  <p:clrMapOvr>
+    <a:masterClrMapping/>
+  </p:clrMapOvr>
+</p:notes>
+</file>
+
+<file path=ppt/notesSlides/notesSlide7.xml><?xml version="1.0" encoding="utf-8"?>
+<p:notes xmlns:a="http://schemas.openxmlformats.org/drawingml/2006/main" xmlns:r="http://schemas.openxmlformats.org/officeDocument/2006/relationships" xmlns:p="http://schemas.openxmlformats.org/presentationml/2006/main">
+  <p:cSld>
+    <p:spTree>
+      <p:nvGrpSpPr>
+        <p:cNvPr id="1" name=""/>
+        <p:cNvGrpSpPr/>
+        <p:nvPr/>
+      </p:nvGrpSpPr>
+      <p:grpSpPr>
+        <a:xfrm>
+          <a:off x="0" y="0"/>
+          <a:ext cx="0" cy="0"/>
+          <a:chOff x="0" y="0"/>
+          <a:chExt cx="0" cy="0"/>
+        </a:xfrm>
+      </p:grpSpPr>
+      <p:sp>
+        <p:nvSpPr>
+          <p:cNvPr id="2" name="投影片影像版面配置區 1"/>
+          <p:cNvSpPr>
+            <a:spLocks noGrp="1" noRot="1" noChangeAspect="1"/>
+          </p:cNvSpPr>
+          <p:nvPr>
+            <p:ph type="sldImg"/>
+          </p:nvPr>
+        </p:nvSpPr>
+        <p:spPr/>
+      </p:sp>
+      <p:sp>
+        <p:nvSpPr>
+          <p:cNvPr id="3" name="備忘稿版面配置區 2"/>
+          <p:cNvSpPr>
+            <a:spLocks noGrp="1"/>
+          </p:cNvSpPr>
+          <p:nvPr>
+            <p:ph type="body" idx="1"/>
+          </p:nvPr>
+        </p:nvSpPr>
+        <p:spPr/>
+        <p:txBody>
+          <a:bodyPr/>
+          <a:lstStyle/>
+          <a:p>
+            <a:r>
+              <a:rPr lang="zh-TW" altLang="en-US" dirty="0"/>
+              <a:t>在曝光後，公司受到外界審查，而我成功跳槽到一家更重視隱私保護的自駕車企業，繼續致力於以科技提升安全的目標，職涯也踏上了更符合我價值觀的新起點。</a:t>
+            </a:r>
+          </a:p>
+        </p:txBody>
+      </p:sp>
+      <p:sp>
+        <p:nvSpPr>
+          <p:cNvPr id="4" name="投影片編號版面配置區 3"/>
+          <p:cNvSpPr>
+            <a:spLocks noGrp="1"/>
+          </p:cNvSpPr>
+          <p:nvPr>
+            <p:ph type="sldNum" sz="quarter" idx="5"/>
+          </p:nvPr>
+        </p:nvSpPr>
+        <p:spPr/>
+        <p:txBody>
+          <a:bodyPr/>
+          <a:lstStyle/>
+          <a:p>
+            <a:fld id="{DAC823D7-07D0-4420-8141-637EB619D991}" type="slidenum">
+              <a:rPr lang="zh-TW" altLang="en-US" smtClean="0"/>
+              <a:t>8</a:t>
+            </a:fld>
+            <a:endParaRPr lang="zh-TW" altLang="en-US"/>
+          </a:p>
+        </p:txBody>
+      </p:sp>
+    </p:spTree>
+    <p:extLst>
+      <p:ext uri="{BB962C8B-B14F-4D97-AF65-F5344CB8AC3E}">
+        <p14:creationId xmlns:p14="http://schemas.microsoft.com/office/powerpoint/2010/main" val="3404315606"/>
+      </p:ext>
+    </p:extLst>
+  </p:cSld>
+  <p:clrMapOvr>
+    <a:masterClrMapping/>
+  </p:clrMapOvr>
+</p:notes>
+</file>
+
+<file path=ppt/slideLayouts/slideLayout1.xml><?xml version="1.0" encoding="utf-8"?>
+<p:sldLayout xmlns:a="http://schemas.openxmlformats.org/drawingml/2006/main" xmlns:r="http://schemas.openxmlformats.org/officeDocument/2006/relationships" xmlns:p="http://schemas.openxmlformats.org/presentationml/2006/main" type="title" preserve="1">
+  <p:cSld name="標題投影片">
+    <p:spTree>
+      <p:nvGrpSpPr>
+        <p:cNvPr id="1" name=""/>
+        <p:cNvGrpSpPr/>
+        <p:nvPr/>
+      </p:nvGrpSpPr>
+      <p:grpSpPr>
+        <a:xfrm>
+          <a:off x="0" y="0"/>
+          <a:ext cx="0" cy="0"/>
+          <a:chOff x="0" y="0"/>
+          <a:chExt cx="0" cy="0"/>
+        </a:xfrm>
+      </p:grpSpPr>
+      <p:sp>
+        <p:nvSpPr>
+          <p:cNvPr id="2" name="Title 1"/>
+          <p:cNvSpPr>
+            <a:spLocks noGrp="1"/>
+          </p:cNvSpPr>
+          <p:nvPr>
+            <p:ph type="ctrTitle"/>
+          </p:nvPr>
+        </p:nvSpPr>
+        <p:spPr>
+          <a:xfrm>
+            <a:off x="1524000" y="1122363"/>
+            <a:ext cx="9144000" cy="2387600"/>
           </a:xfrm>
         </p:spPr>
         <p:txBody>
-          <a:bodyPr anchor="b">
-            <a:normAutofit/>
-          </a:bodyPr>
+          <a:bodyPr anchor="b"/>
           <a:lstStyle>
-            <a:lvl1pPr algn="l">
-              <a:lnSpc>
-                <a:spcPct val="85000"/>
-              </a:lnSpc>
-              <a:defRPr sz="7200" baseline="0">
-                <a:solidFill>
-                  <a:schemeClr val="tx1"/>
-                </a:solidFill>
-              </a:defRPr>
+            <a:lvl1pPr algn="ctr">
+              <a:defRPr sz="6000"/>
             </a:lvl1pPr>
           </a:lstStyle>
           <a:p>
@@ -194,56 +1159,48 @@
         </p:nvSpPr>
         <p:spPr>
           <a:xfrm>
-            <a:off x="1261872" y="4800600"/>
-            <a:ext cx="9418320" cy="1691640"/>
+            <a:off x="1524000" y="3602038"/>
+            <a:ext cx="9144000" cy="1655762"/>
           </a:xfrm>
         </p:spPr>
         <p:txBody>
-          <a:bodyPr>
-            <a:normAutofit/>
-          </a:bodyPr>
+          <a:bodyPr/>
           <a:lstStyle>
-            <a:lvl1pPr marL="0" indent="0" algn="l">
-              <a:buNone/>
-              <a:defRPr sz="2200" baseline="0">
-                <a:solidFill>
-                  <a:schemeClr val="tx1">
-                    <a:lumMod val="75000"/>
-                  </a:schemeClr>
-                </a:solidFill>
-              </a:defRPr>
+            <a:lvl1pPr marL="0" indent="0" algn="ctr">
+              <a:buNone/>
+              <a:defRPr sz="2400"/>
             </a:lvl1pPr>
             <a:lvl2pPr marL="457200" indent="0" algn="ctr">
               <a:buNone/>
-              <a:defRPr sz="2200"/>
+              <a:defRPr sz="2000"/>
             </a:lvl2pPr>
             <a:lvl3pPr marL="914400" indent="0" algn="ctr">
               <a:buNone/>
-              <a:defRPr sz="2200"/>
+              <a:defRPr sz="1800"/>
             </a:lvl3pPr>
             <a:lvl4pPr marL="1371600" indent="0" algn="ctr">
               <a:buNone/>
-              <a:defRPr sz="2000"/>
+              <a:defRPr sz="1600"/>
             </a:lvl4pPr>
             <a:lvl5pPr marL="1828800" indent="0" algn="ctr">
               <a:buNone/>
-              <a:defRPr sz="2000"/>
+              <a:defRPr sz="1600"/>
             </a:lvl5pPr>
             <a:lvl6pPr marL="2286000" indent="0" algn="ctr">
               <a:buNone/>
-              <a:defRPr sz="2000"/>
+              <a:defRPr sz="1600"/>
             </a:lvl6pPr>
             <a:lvl7pPr marL="2743200" indent="0" algn="ctr">
               <a:buNone/>
-              <a:defRPr sz="2000"/>
+              <a:defRPr sz="1600"/>
             </a:lvl7pPr>
             <a:lvl8pPr marL="3200400" indent="0" algn="ctr">
               <a:buNone/>
-              <a:defRPr sz="2000"/>
+              <a:defRPr sz="1600"/>
             </a:lvl8pPr>
             <a:lvl9pPr marL="3657600" indent="0" algn="ctr">
               <a:buNone/>
-              <a:defRPr sz="2000"/>
+              <a:defRPr sz="1600"/>
             </a:lvl9pPr>
           </a:lstStyle>
           <a:p>
@@ -268,21 +1225,11 @@
         <p:spPr/>
         <p:txBody>
           <a:bodyPr/>
-          <a:lstStyle>
-            <a:lvl1pPr>
-              <a:defRPr>
-                <a:solidFill>
-                  <a:schemeClr val="tx1">
-                    <a:lumMod val="50000"/>
-                  </a:schemeClr>
-                </a:solidFill>
-              </a:defRPr>
-            </a:lvl1pPr>
-          </a:lstStyle>
+          <a:lstStyle/>
           <a:p>
             <a:fld id="{67563718-DE8E-4DF6-B26A-A3FA8351B16E}" type="datetimeFigureOut">
               <a:rPr lang="zh-TW" altLang="en-US" smtClean="0"/>
-              <a:t>2024/10/22</a:t>
+              <a:t>2024/11/5</a:t>
             </a:fld>
             <a:endParaRPr lang="zh-TW" altLang="en-US"/>
           </a:p>
@@ -301,17 +1248,7 @@
         <p:spPr/>
         <p:txBody>
           <a:bodyPr/>
-          <a:lstStyle>
-            <a:lvl1pPr>
-              <a:defRPr>
-                <a:solidFill>
-                  <a:schemeClr val="tx1">
-                    <a:lumMod val="65000"/>
-                  </a:schemeClr>
-                </a:solidFill>
-              </a:defRPr>
-            </a:lvl1pPr>
-          </a:lstStyle>
+          <a:lstStyle/>
           <a:p>
             <a:endParaRPr lang="zh-TW" altLang="en-US"/>
           </a:p>
@@ -330,17 +1267,7 @@
         <p:spPr/>
         <p:txBody>
           <a:bodyPr/>
-          <a:lstStyle>
-            <a:lvl1pPr>
-              <a:defRPr>
-                <a:solidFill>
-                  <a:schemeClr val="tx1">
-                    <a:lumMod val="65000"/>
-                  </a:schemeClr>
-                </a:solidFill>
-              </a:defRPr>
-            </a:lvl1pPr>
-          </a:lstStyle>
+          <a:lstStyle/>
           <a:p>
             <a:fld id="{23DD2934-AC02-40D6-BC3F-019EE4FF4762}" type="slidenum">
               <a:rPr lang="zh-TW" altLang="en-US" smtClean="0"/>
@@ -350,53 +1277,15 @@
           </a:p>
         </p:txBody>
       </p:sp>
-      <p:sp>
-        <p:nvSpPr>
-          <p:cNvPr id="7" name="Rectangle 6"/>
-          <p:cNvSpPr/>
-          <p:nvPr/>
-        </p:nvSpPr>
-        <p:spPr>
-          <a:xfrm>
-            <a:off x="0" y="0"/>
-            <a:ext cx="457200" cy="6858000"/>
-          </a:xfrm>
-          <a:prstGeom prst="rect">
-            <a:avLst/>
-          </a:prstGeom>
-          <a:solidFill>
-            <a:schemeClr val="accent1"/>
-          </a:solidFill>
-          <a:ln>
-            <a:noFill/>
-          </a:ln>
-        </p:spPr>
-        <p:style>
-          <a:lnRef idx="2">
-            <a:schemeClr val="accent1">
-              <a:shade val="50000"/>
-            </a:schemeClr>
-          </a:lnRef>
-          <a:fillRef idx="1">
-            <a:schemeClr val="accent1"/>
-          </a:fillRef>
-          <a:effectRef idx="0">
-            <a:schemeClr val="accent1"/>
-          </a:effectRef>
-          <a:fontRef idx="minor">
-            <a:schemeClr val="lt1"/>
-          </a:fontRef>
-        </p:style>
-      </p:sp>
     </p:spTree>
     <p:extLst>
       <p:ext uri="{BB962C8B-B14F-4D97-AF65-F5344CB8AC3E}">
-        <p14:creationId xmlns:p14="http://schemas.microsoft.com/office/powerpoint/2010/main" val="4227650382"/>
+        <p14:creationId xmlns:p14="http://schemas.microsoft.com/office/powerpoint/2010/main" val="2234984996"/>
       </p:ext>
     </p:extLst>
   </p:cSld>
   <p:clrMapOvr>
-    <a:overrideClrMapping bg1="dk1" tx1="lt1" bg2="dk2" tx2="lt2" accent1="accent1" accent2="accent2" accent3="accent3" accent4="accent4" accent5="accent5" accent6="accent6" hlink="hlink" folHlink="folHlink"/>
+    <a:masterClrMapping/>
   </p:clrMapOvr>
 </p:sldLayout>
 </file>
@@ -510,7 +1399,7 @@
           <a:p>
             <a:fld id="{67563718-DE8E-4DF6-B26A-A3FA8351B16E}" type="datetimeFigureOut">
               <a:rPr lang="zh-TW" altLang="en-US" smtClean="0"/>
-              <a:t>2024/10/22</a:t>
+              <a:t>2024/11/5</a:t>
             </a:fld>
             <a:endParaRPr lang="zh-TW" altLang="en-US"/>
           </a:p>
@@ -561,7 +1450,7 @@
     </p:spTree>
     <p:extLst>
       <p:ext uri="{BB962C8B-B14F-4D97-AF65-F5344CB8AC3E}">
-        <p14:creationId xmlns:p14="http://schemas.microsoft.com/office/powerpoint/2010/main" val="1666100277"/>
+        <p14:creationId xmlns:p14="http://schemas.microsoft.com/office/powerpoint/2010/main" val="3054133105"/>
       </p:ext>
     </p:extLst>
   </p:cSld>
@@ -600,8 +1489,8 @@
         </p:nvSpPr>
         <p:spPr>
           <a:xfrm>
-            <a:off x="8648700" y="381000"/>
-            <a:ext cx="2476500" cy="5897562"/>
+            <a:off x="8724900" y="365125"/>
+            <a:ext cx="2628900" cy="5811838"/>
           </a:xfrm>
         </p:spPr>
         <p:txBody>
@@ -628,8 +1517,8 @@
         </p:nvSpPr>
         <p:spPr>
           <a:xfrm>
-            <a:off x="762000" y="381000"/>
-            <a:ext cx="7734300" cy="5897562"/>
+            <a:off x="838200" y="365125"/>
+            <a:ext cx="7734300" cy="5811838"/>
           </a:xfrm>
         </p:spPr>
         <p:txBody>
@@ -690,7 +1579,7 @@
           <a:p>
             <a:fld id="{67563718-DE8E-4DF6-B26A-A3FA8351B16E}" type="datetimeFigureOut">
               <a:rPr lang="zh-TW" altLang="en-US" smtClean="0"/>
-              <a:t>2024/10/22</a:t>
+              <a:t>2024/11/5</a:t>
             </a:fld>
             <a:endParaRPr lang="zh-TW" altLang="en-US"/>
           </a:p>
@@ -741,7 +1630,7 @@
     </p:spTree>
     <p:extLst>
       <p:ext uri="{BB962C8B-B14F-4D97-AF65-F5344CB8AC3E}">
-        <p14:creationId xmlns:p14="http://schemas.microsoft.com/office/powerpoint/2010/main" val="2277847491"/>
+        <p14:creationId xmlns:p14="http://schemas.microsoft.com/office/powerpoint/2010/main" val="3795559811"/>
       </p:ext>
     </p:extLst>
   </p:cSld>
@@ -860,7 +1749,7 @@
           <a:p>
             <a:fld id="{67563718-DE8E-4DF6-B26A-A3FA8351B16E}" type="datetimeFigureOut">
               <a:rPr lang="zh-TW" altLang="en-US" smtClean="0"/>
-              <a:t>2024/10/22</a:t>
+              <a:t>2024/11/5</a:t>
             </a:fld>
             <a:endParaRPr lang="zh-TW" altLang="en-US"/>
           </a:p>
@@ -911,7 +1800,7 @@
     </p:spTree>
     <p:extLst>
       <p:ext uri="{BB962C8B-B14F-4D97-AF65-F5344CB8AC3E}">
-        <p14:creationId xmlns:p14="http://schemas.microsoft.com/office/powerpoint/2010/main" val="593735848"/>
+        <p14:creationId xmlns:p14="http://schemas.microsoft.com/office/powerpoint/2010/main" val="1705505474"/>
       </p:ext>
     </p:extLst>
   </p:cSld>
@@ -950,20 +1839,15 @@
         </p:nvSpPr>
         <p:spPr>
           <a:xfrm>
-            <a:off x="1261872" y="758952"/>
-            <a:ext cx="9418320" cy="4041648"/>
+            <a:off x="831850" y="1709738"/>
+            <a:ext cx="10515600" cy="2852737"/>
           </a:xfrm>
         </p:spPr>
         <p:txBody>
-          <a:bodyPr anchor="b">
-            <a:normAutofit/>
-          </a:bodyPr>
+          <a:bodyPr anchor="b"/>
           <a:lstStyle>
             <a:lvl1pPr>
-              <a:lnSpc>
-                <a:spcPct val="85000"/>
-              </a:lnSpc>
-              <a:defRPr sz="7200" b="0"/>
+              <a:defRPr sz="6000"/>
             </a:lvl1pPr>
           </a:lstStyle>
           <a:p>
@@ -987,29 +1871,26 @@
         </p:nvSpPr>
         <p:spPr>
           <a:xfrm>
-            <a:off x="1261872" y="4800600"/>
-            <a:ext cx="9418320" cy="1691640"/>
+            <a:off x="831850" y="4589463"/>
+            <a:ext cx="10515600" cy="1500187"/>
           </a:xfrm>
         </p:spPr>
         <p:txBody>
-          <a:bodyPr anchor="t">
-            <a:normAutofit/>
-          </a:bodyPr>
+          <a:bodyPr/>
           <a:lstStyle>
             <a:lvl1pPr marL="0" indent="0">
               <a:buNone/>
-              <a:defRPr sz="2200">
+              <a:defRPr sz="2400">
                 <a:solidFill>
                   <a:schemeClr val="tx1">
-                    <a:lumMod val="65000"/>
-                    <a:lumOff val="35000"/>
+                    <a:tint val="75000"/>
                   </a:schemeClr>
                 </a:solidFill>
               </a:defRPr>
             </a:lvl1pPr>
             <a:lvl2pPr marL="457200" indent="0">
               <a:buNone/>
-              <a:defRPr sz="1800">
+              <a:defRPr sz="2000">
                 <a:solidFill>
                   <a:schemeClr val="tx1">
                     <a:tint val="75000"/>
@@ -1019,7 +1900,7 @@
             </a:lvl2pPr>
             <a:lvl3pPr marL="914400" indent="0">
               <a:buNone/>
-              <a:defRPr sz="1600">
+              <a:defRPr sz="1800">
                 <a:solidFill>
                   <a:schemeClr val="tx1">
                     <a:tint val="75000"/>
@@ -1029,7 +1910,7 @@
             </a:lvl3pPr>
             <a:lvl4pPr marL="1371600" indent="0">
               <a:buNone/>
-              <a:defRPr sz="1400">
+              <a:defRPr sz="1600">
                 <a:solidFill>
                   <a:schemeClr val="tx1">
                     <a:tint val="75000"/>
@@ -1039,7 +1920,7 @@
             </a:lvl4pPr>
             <a:lvl5pPr marL="1828800" indent="0">
               <a:buNone/>
-              <a:defRPr sz="1400">
+              <a:defRPr sz="1600">
                 <a:solidFill>
                   <a:schemeClr val="tx1">
                     <a:tint val="75000"/>
@@ -1049,7 +1930,7 @@
             </a:lvl5pPr>
             <a:lvl6pPr marL="2286000" indent="0">
               <a:buNone/>
-              <a:defRPr sz="1400">
+              <a:defRPr sz="1600">
                 <a:solidFill>
                   <a:schemeClr val="tx1">
                     <a:tint val="75000"/>
@@ -1059,7 +1940,7 @@
             </a:lvl6pPr>
             <a:lvl7pPr marL="2743200" indent="0">
               <a:buNone/>
-              <a:defRPr sz="1400">
+              <a:defRPr sz="1600">
                 <a:solidFill>
                   <a:schemeClr val="tx1">
                     <a:tint val="75000"/>
@@ -1069,7 +1950,7 @@
             </a:lvl7pPr>
             <a:lvl8pPr marL="3200400" indent="0">
               <a:buNone/>
-              <a:defRPr sz="1400">
+              <a:defRPr sz="1600">
                 <a:solidFill>
                   <a:schemeClr val="tx1">
                     <a:tint val="75000"/>
@@ -1079,7 +1960,7 @@
             </a:lvl8pPr>
             <a:lvl9pPr marL="3657600" indent="0">
               <a:buNone/>
-              <a:defRPr sz="1400">
+              <a:defRPr sz="1600">
                 <a:solidFill>
                   <a:schemeClr val="tx1">
                     <a:tint val="75000"/>
@@ -1114,7 +1995,7 @@
           <a:p>
             <a:fld id="{67563718-DE8E-4DF6-B26A-A3FA8351B16E}" type="datetimeFigureOut">
               <a:rPr lang="zh-TW" altLang="en-US" smtClean="0"/>
-              <a:t>2024/10/22</a:t>
+              <a:t>2024/11/5</a:t>
             </a:fld>
             <a:endParaRPr lang="zh-TW" altLang="en-US"/>
           </a:p>
@@ -1162,48 +2043,10 @@
           </a:p>
         </p:txBody>
       </p:sp>
-      <p:sp>
-        <p:nvSpPr>
-          <p:cNvPr id="7" name="Rectangle 6"/>
-          <p:cNvSpPr/>
-          <p:nvPr/>
-        </p:nvSpPr>
-        <p:spPr>
-          <a:xfrm>
-            <a:off x="0" y="0"/>
-            <a:ext cx="457200" cy="6858000"/>
-          </a:xfrm>
-          <a:prstGeom prst="rect">
-            <a:avLst/>
-          </a:prstGeom>
-          <a:solidFill>
-            <a:schemeClr val="accent1"/>
-          </a:solidFill>
-          <a:ln>
-            <a:noFill/>
-          </a:ln>
-        </p:spPr>
-        <p:style>
-          <a:lnRef idx="2">
-            <a:schemeClr val="accent1">
-              <a:shade val="50000"/>
-            </a:schemeClr>
-          </a:lnRef>
-          <a:fillRef idx="1">
-            <a:schemeClr val="accent1"/>
-          </a:fillRef>
-          <a:effectRef idx="0">
-            <a:schemeClr val="accent1"/>
-          </a:effectRef>
-          <a:fontRef idx="minor">
-            <a:schemeClr val="lt1"/>
-          </a:fontRef>
-        </p:style>
-      </p:sp>
     </p:spTree>
     <p:extLst>
       <p:ext uri="{BB962C8B-B14F-4D97-AF65-F5344CB8AC3E}">
-        <p14:creationId xmlns:p14="http://schemas.microsoft.com/office/powerpoint/2010/main" val="3619775181"/>
+        <p14:creationId xmlns:p14="http://schemas.microsoft.com/office/powerpoint/2010/main" val="4078892774"/>
       </p:ext>
     </p:extLst>
   </p:cSld>
@@ -1265,41 +2108,13 @@
         </p:nvSpPr>
         <p:spPr>
           <a:xfrm>
-            <a:off x="1261872" y="1828800"/>
-            <a:ext cx="4480560" cy="4351337"/>
+            <a:off x="838200" y="1825625"/>
+            <a:ext cx="5181600" cy="4351338"/>
           </a:xfrm>
         </p:spPr>
         <p:txBody>
           <a:bodyPr/>
-          <a:lstStyle>
-            <a:lvl1pPr>
-              <a:defRPr sz="1800"/>
-            </a:lvl1pPr>
-            <a:lvl2pPr>
-              <a:defRPr sz="1600"/>
-            </a:lvl2pPr>
-            <a:lvl3pPr>
-              <a:defRPr sz="1400"/>
-            </a:lvl3pPr>
-            <a:lvl4pPr>
-              <a:defRPr sz="1400"/>
-            </a:lvl4pPr>
-            <a:lvl5pPr>
-              <a:defRPr sz="1400"/>
-            </a:lvl5pPr>
-            <a:lvl6pPr>
-              <a:defRPr sz="1400"/>
-            </a:lvl6pPr>
-            <a:lvl7pPr>
-              <a:defRPr sz="1400"/>
-            </a:lvl7pPr>
-            <a:lvl8pPr>
-              <a:defRPr sz="1400"/>
-            </a:lvl8pPr>
-            <a:lvl9pPr>
-              <a:defRPr sz="1400"/>
-            </a:lvl9pPr>
-          </a:lstStyle>
+          <a:lstStyle/>
           <a:p>
             <a:pPr lvl="0"/>
             <a:r>
@@ -1350,41 +2165,13 @@
         </p:nvSpPr>
         <p:spPr>
           <a:xfrm>
-            <a:off x="6126480" y="1828800"/>
-            <a:ext cx="4480560" cy="4351337"/>
+            <a:off x="6172200" y="1825625"/>
+            <a:ext cx="5181600" cy="4351338"/>
           </a:xfrm>
         </p:spPr>
         <p:txBody>
           <a:bodyPr/>
-          <a:lstStyle>
-            <a:lvl1pPr>
-              <a:defRPr sz="1800"/>
-            </a:lvl1pPr>
-            <a:lvl2pPr>
-              <a:defRPr sz="1600"/>
-            </a:lvl2pPr>
-            <a:lvl3pPr>
-              <a:defRPr sz="1400"/>
-            </a:lvl3pPr>
-            <a:lvl4pPr>
-              <a:defRPr sz="1400"/>
-            </a:lvl4pPr>
-            <a:lvl5pPr>
-              <a:defRPr sz="1400"/>
-            </a:lvl5pPr>
-            <a:lvl6pPr>
-              <a:defRPr sz="1400"/>
-            </a:lvl6pPr>
-            <a:lvl7pPr>
-              <a:defRPr sz="1400"/>
-            </a:lvl7pPr>
-            <a:lvl8pPr>
-              <a:defRPr sz="1400"/>
-            </a:lvl8pPr>
-            <a:lvl9pPr>
-              <a:defRPr sz="1400"/>
-            </a:lvl9pPr>
-          </a:lstStyle>
+          <a:lstStyle/>
           <a:p>
             <a:pPr lvl="0"/>
             <a:r>
@@ -1440,7 +2227,7 @@
           <a:p>
             <a:fld id="{67563718-DE8E-4DF6-B26A-A3FA8351B16E}" type="datetimeFigureOut">
               <a:rPr lang="zh-TW" altLang="en-US" smtClean="0"/>
-              <a:t>2024/10/22</a:t>
+              <a:t>2024/11/5</a:t>
             </a:fld>
             <a:endParaRPr lang="zh-TW" altLang="en-US"/>
           </a:p>
@@ -1491,7 +2278,7 @@
     </p:spTree>
     <p:extLst>
       <p:ext uri="{BB962C8B-B14F-4D97-AF65-F5344CB8AC3E}">
-        <p14:creationId xmlns:p14="http://schemas.microsoft.com/office/powerpoint/2010/main" val="281859903"/>
+        <p14:creationId xmlns:p14="http://schemas.microsoft.com/office/powerpoint/2010/main" val="1263814074"/>
       </p:ext>
     </p:extLst>
   </p:cSld>
@@ -1520,58 +2307,54 @@
       </p:grpSpPr>
       <p:sp>
         <p:nvSpPr>
-          <p:cNvPr id="10" name="Title 9"/>
+          <p:cNvPr id="2" name="Title 1"/>
           <p:cNvSpPr>
             <a:spLocks noGrp="1"/>
           </p:cNvSpPr>
           <p:nvPr>
             <p:ph type="title"/>
-          </p:nvPr>
-        </p:nvSpPr>
-        <p:spPr/>
-        <p:txBody>
-          <a:bodyPr/>
-          <a:lstStyle/>
-          <a:p>
-            <a:r>
-              <a:rPr lang="zh-TW" altLang="en-US"/>
-              <a:t>按一下以編輯母片標題樣式</a:t>
-            </a:r>
-            <a:endParaRPr lang="en-US" dirty="0"/>
-          </a:p>
-        </p:txBody>
-      </p:sp>
-      <p:sp>
-        <p:nvSpPr>
-          <p:cNvPr id="3" name="Text Placeholder 2"/>
-          <p:cNvSpPr>
-            <a:spLocks noGrp="1"/>
-          </p:cNvSpPr>
-          <p:nvPr>
-            <p:ph type="body" idx="1"/>
           </p:nvPr>
         </p:nvSpPr>
         <p:spPr>
           <a:xfrm>
-            <a:off x="1261872" y="1713655"/>
-            <a:ext cx="4480560" cy="731520"/>
+            <a:off x="839788" y="365125"/>
+            <a:ext cx="10515600" cy="1325563"/>
           </a:xfrm>
         </p:spPr>
         <p:txBody>
-          <a:bodyPr anchor="b">
-            <a:normAutofit/>
-          </a:bodyPr>
+          <a:bodyPr/>
+          <a:lstStyle/>
+          <a:p>
+            <a:r>
+              <a:rPr lang="zh-TW" altLang="en-US"/>
+              <a:t>按一下以編輯母片標題樣式</a:t>
+            </a:r>
+            <a:endParaRPr lang="en-US" dirty="0"/>
+          </a:p>
+        </p:txBody>
+      </p:sp>
+      <p:sp>
+        <p:nvSpPr>
+          <p:cNvPr id="3" name="Text Placeholder 2"/>
+          <p:cNvSpPr>
+            <a:spLocks noGrp="1"/>
+          </p:cNvSpPr>
+          <p:nvPr>
+            <p:ph type="body" idx="1"/>
+          </p:nvPr>
+        </p:nvSpPr>
+        <p:spPr>
+          <a:xfrm>
+            <a:off x="839788" y="1681163"/>
+            <a:ext cx="5157787" cy="823912"/>
+          </a:xfrm>
+        </p:spPr>
+        <p:txBody>
+          <a:bodyPr anchor="b"/>
           <a:lstStyle>
             <a:lvl1pPr marL="0" indent="0">
-              <a:spcBef>
-                <a:spcPts val="0"/>
-              </a:spcBef>
-              <a:buNone/>
-              <a:defRPr sz="2000" b="0">
-                <a:solidFill>
-                  <a:schemeClr val="tx2"/>
-                </a:solidFill>
-              </a:defRPr>
+              <a:buNone/>
+              <a:defRPr sz="2400" b="1"/>
             </a:lvl1pPr>
             <a:lvl2pPr marL="457200" indent="0">
               <a:buNone/>
@@ -1627,41 +2410,13 @@
         </p:nvSpPr>
         <p:spPr>
           <a:xfrm>
-            <a:off x="1261872" y="2507550"/>
-            <a:ext cx="4480560" cy="3664650"/>
+            <a:off x="839788" y="2505075"/>
+            <a:ext cx="5157787" cy="3684588"/>
           </a:xfrm>
         </p:spPr>
         <p:txBody>
           <a:bodyPr/>
-          <a:lstStyle>
-            <a:lvl1pPr>
-              <a:defRPr sz="1800"/>
-            </a:lvl1pPr>
-            <a:lvl2pPr>
-              <a:defRPr sz="1600"/>
-            </a:lvl2pPr>
-            <a:lvl3pPr>
-              <a:defRPr sz="1400"/>
-            </a:lvl3pPr>
-            <a:lvl4pPr>
-              <a:defRPr sz="1400"/>
-            </a:lvl4pPr>
-            <a:lvl5pPr>
-              <a:defRPr sz="1400"/>
-            </a:lvl5pPr>
-            <a:lvl6pPr>
-              <a:defRPr sz="1400"/>
-            </a:lvl6pPr>
-            <a:lvl7pPr>
-              <a:defRPr sz="1400"/>
-            </a:lvl7pPr>
-            <a:lvl8pPr>
-              <a:defRPr sz="1400"/>
-            </a:lvl8pPr>
-            <a:lvl9pPr>
-              <a:defRPr sz="1400"/>
-            </a:lvl9pPr>
-          </a:lstStyle>
+          <a:lstStyle/>
           <a:p>
             <a:pPr lvl="0"/>
             <a:r>
@@ -1712,31 +2467,16 @@
         </p:nvSpPr>
         <p:spPr>
           <a:xfrm>
-            <a:off x="6126480" y="1713655"/>
-            <a:ext cx="4480560" cy="731520"/>
+            <a:off x="6172200" y="1681163"/>
+            <a:ext cx="5183188" cy="823912"/>
           </a:xfrm>
         </p:spPr>
         <p:txBody>
-          <a:bodyPr anchor="b">
-            <a:normAutofit/>
-          </a:bodyPr>
+          <a:bodyPr anchor="b"/>
           <a:lstStyle>
             <a:lvl1pPr marL="0" indent="0">
-              <a:lnSpc>
-                <a:spcPct val="95000"/>
-              </a:lnSpc>
-              <a:spcBef>
-                <a:spcPts val="0"/>
-              </a:spcBef>
-              <a:buNone/>
-              <a:defRPr lang="en-US" sz="2000" b="0" kern="1200" dirty="0">
-                <a:solidFill>
-                  <a:schemeClr val="tx2"/>
-                </a:solidFill>
-                <a:latin typeface="+mn-lt"/>
-                <a:ea typeface="+mn-ea"/>
-                <a:cs typeface="+mn-cs"/>
-              </a:defRPr>
+              <a:buNone/>
+              <a:defRPr sz="2400" b="1"/>
             </a:lvl1pPr>
             <a:lvl2pPr marL="457200" indent="0">
               <a:buNone/>
@@ -1772,16 +2512,7 @@
             </a:lvl9pPr>
           </a:lstStyle>
           <a:p>
-            <a:pPr marL="0" lvl="0" indent="0" algn="l" defTabSz="914400" rtl="0" eaLnBrk="1" latinLnBrk="0" hangingPunct="1">
-              <a:lnSpc>
-                <a:spcPct val="90000"/>
-              </a:lnSpc>
-              <a:spcBef>
-                <a:spcPts val="2000"/>
-              </a:spcBef>
-              <a:buFontTx/>
-              <a:buNone/>
-            </a:pPr>
+            <a:pPr lvl="0"/>
             <a:r>
               <a:rPr lang="zh-TW" altLang="en-US"/>
               <a:t>編輯母片文字樣式</a:t>
@@ -1801,41 +2532,13 @@
         </p:nvSpPr>
         <p:spPr>
           <a:xfrm>
-            <a:off x="6126480" y="2507550"/>
-            <a:ext cx="4480560" cy="3664650"/>
+            <a:off x="6172200" y="2505075"/>
+            <a:ext cx="5183188" cy="3684588"/>
           </a:xfrm>
         </p:spPr>
         <p:txBody>
           <a:bodyPr/>
-          <a:lstStyle>
-            <a:lvl1pPr>
-              <a:defRPr sz="1800"/>
-            </a:lvl1pPr>
-            <a:lvl2pPr>
-              <a:defRPr sz="1600"/>
-            </a:lvl2pPr>
-            <a:lvl3pPr>
-              <a:defRPr sz="1400"/>
-            </a:lvl3pPr>
-            <a:lvl4pPr>
-              <a:defRPr sz="1400"/>
-            </a:lvl4pPr>
-            <a:lvl5pPr>
-              <a:defRPr sz="1400"/>
-            </a:lvl5pPr>
-            <a:lvl6pPr>
-              <a:defRPr sz="1400"/>
-            </a:lvl6pPr>
-            <a:lvl7pPr>
-              <a:defRPr sz="1400"/>
-            </a:lvl7pPr>
-            <a:lvl8pPr>
-              <a:defRPr sz="1400"/>
-            </a:lvl8pPr>
-            <a:lvl9pPr>
-              <a:defRPr sz="1400"/>
-            </a:lvl9pPr>
-          </a:lstStyle>
+          <a:lstStyle/>
           <a:p>
             <a:pPr lvl="0"/>
             <a:r>
@@ -1891,7 +2594,7 @@
           <a:p>
             <a:fld id="{67563718-DE8E-4DF6-B26A-A3FA8351B16E}" type="datetimeFigureOut">
               <a:rPr lang="zh-TW" altLang="en-US" smtClean="0"/>
-              <a:t>2024/10/22</a:t>
+              <a:t>2024/11/5</a:t>
             </a:fld>
             <a:endParaRPr lang="zh-TW" altLang="en-US"/>
           </a:p>
@@ -1942,7 +2645,7 @@
     </p:spTree>
     <p:extLst>
       <p:ext uri="{BB962C8B-B14F-4D97-AF65-F5344CB8AC3E}">
-        <p14:creationId xmlns:p14="http://schemas.microsoft.com/office/powerpoint/2010/main" val="1813275088"/>
+        <p14:creationId xmlns:p14="http://schemas.microsoft.com/office/powerpoint/2010/main" val="4226308958"/>
       </p:ext>
     </p:extLst>
   </p:cSld>
@@ -1971,7 +2674,7 @@
       </p:grpSpPr>
       <p:sp>
         <p:nvSpPr>
-          <p:cNvPr id="6" name="Title 5"/>
+          <p:cNvPr id="2" name="Title 1"/>
           <p:cNvSpPr>
             <a:spLocks noGrp="1"/>
           </p:cNvSpPr>
@@ -2009,7 +2712,7 @@
           <a:p>
             <a:fld id="{67563718-DE8E-4DF6-B26A-A3FA8351B16E}" type="datetimeFigureOut">
               <a:rPr lang="zh-TW" altLang="en-US" smtClean="0"/>
-              <a:t>2024/10/22</a:t>
+              <a:t>2024/11/5</a:t>
             </a:fld>
             <a:endParaRPr lang="zh-TW" altLang="en-US"/>
           </a:p>
@@ -2060,7 +2763,7 @@
     </p:spTree>
     <p:extLst>
       <p:ext uri="{BB962C8B-B14F-4D97-AF65-F5344CB8AC3E}">
-        <p14:creationId xmlns:p14="http://schemas.microsoft.com/office/powerpoint/2010/main" val="775536845"/>
+        <p14:creationId xmlns:p14="http://schemas.microsoft.com/office/powerpoint/2010/main" val="790158471"/>
       </p:ext>
     </p:extLst>
   </p:cSld>
@@ -2104,7 +2807,7 @@
           <a:p>
             <a:fld id="{67563718-DE8E-4DF6-B26A-A3FA8351B16E}" type="datetimeFigureOut">
               <a:rPr lang="zh-TW" altLang="en-US" smtClean="0"/>
-              <a:t>2024/10/22</a:t>
+              <a:t>2024/11/5</a:t>
             </a:fld>
             <a:endParaRPr lang="zh-TW" altLang="en-US"/>
           </a:p>
@@ -2155,7 +2858,7 @@
     </p:spTree>
     <p:extLst>
       <p:ext uri="{BB962C8B-B14F-4D97-AF65-F5344CB8AC3E}">
-        <p14:creationId xmlns:p14="http://schemas.microsoft.com/office/powerpoint/2010/main" val="1303274543"/>
+        <p14:creationId xmlns:p14="http://schemas.microsoft.com/office/powerpoint/2010/main" val="4165104276"/>
       </p:ext>
     </p:extLst>
   </p:cSld>
@@ -2194,17 +2897,15 @@
         </p:nvSpPr>
         <p:spPr>
           <a:xfrm>
-            <a:off x="841248" y="457200"/>
-            <a:ext cx="3200400" cy="1600197"/>
+            <a:off x="839788" y="457200"/>
+            <a:ext cx="3932237" cy="1600200"/>
           </a:xfrm>
         </p:spPr>
         <p:txBody>
-          <a:bodyPr anchor="b">
-            <a:normAutofit/>
-          </a:bodyPr>
+          <a:bodyPr anchor="b"/>
           <a:lstStyle>
             <a:lvl1pPr>
-              <a:defRPr sz="3200" b="0" baseline="0"/>
+              <a:defRPr sz="3200"/>
             </a:lvl1pPr>
           </a:lstStyle>
           <a:p>
@@ -2228,39 +2929,39 @@
         </p:nvSpPr>
         <p:spPr>
           <a:xfrm>
-            <a:off x="4504267" y="685800"/>
-            <a:ext cx="6079066" cy="5486400"/>
+            <a:off x="5183188" y="987425"/>
+            <a:ext cx="6172200" cy="4873625"/>
           </a:xfrm>
         </p:spPr>
         <p:txBody>
           <a:bodyPr/>
           <a:lstStyle>
             <a:lvl1pPr>
-              <a:defRPr sz="2000"/>
+              <a:defRPr sz="3200"/>
             </a:lvl1pPr>
             <a:lvl2pPr>
-              <a:defRPr sz="1800"/>
+              <a:defRPr sz="2800"/>
             </a:lvl2pPr>
             <a:lvl3pPr>
-              <a:defRPr sz="1600"/>
+              <a:defRPr sz="2400"/>
             </a:lvl3pPr>
             <a:lvl4pPr>
-              <a:defRPr sz="1400"/>
+              <a:defRPr sz="2000"/>
             </a:lvl4pPr>
             <a:lvl5pPr>
-              <a:defRPr sz="1400"/>
+              <a:defRPr sz="2000"/>
             </a:lvl5pPr>
             <a:lvl6pPr>
-              <a:defRPr sz="1400"/>
+              <a:defRPr sz="2000"/>
             </a:lvl6pPr>
             <a:lvl7pPr>
-              <a:defRPr sz="1400"/>
+              <a:defRPr sz="2000"/>
             </a:lvl7pPr>
             <a:lvl8pPr>
-              <a:defRPr sz="1400"/>
+              <a:defRPr sz="2000"/>
             </a:lvl8pPr>
             <a:lvl9pPr>
-              <a:defRPr sz="1400"/>
+              <a:defRPr sz="2000"/>
             </a:lvl9pPr>
           </a:lstStyle>
           <a:p>
@@ -2313,56 +3014,48 @@
         </p:nvSpPr>
         <p:spPr>
           <a:xfrm>
-            <a:off x="841248" y="2099734"/>
-            <a:ext cx="3200400" cy="3810001"/>
+            <a:off x="839788" y="2057400"/>
+            <a:ext cx="3932237" cy="3811588"/>
           </a:xfrm>
         </p:spPr>
         <p:txBody>
-          <a:bodyPr>
-            <a:normAutofit/>
-          </a:bodyPr>
+          <a:bodyPr/>
           <a:lstStyle>
             <a:lvl1pPr marL="0" indent="0">
-              <a:lnSpc>
-                <a:spcPct val="114000"/>
-              </a:lnSpc>
-              <a:spcBef>
-                <a:spcPts val="800"/>
-              </a:spcBef>
-              <a:buNone/>
-              <a:defRPr sz="1300"/>
+              <a:buNone/>
+              <a:defRPr sz="1600"/>
             </a:lvl1pPr>
             <a:lvl2pPr marL="457200" indent="0">
               <a:buNone/>
-              <a:defRPr sz="1200"/>
+              <a:defRPr sz="1400"/>
             </a:lvl2pPr>
             <a:lvl3pPr marL="914400" indent="0">
               <a:buNone/>
-              <a:defRPr sz="1000"/>
+              <a:defRPr sz="1200"/>
             </a:lvl3pPr>
             <a:lvl4pPr marL="1371600" indent="0">
               <a:buNone/>
-              <a:defRPr sz="900"/>
+              <a:defRPr sz="1000"/>
             </a:lvl4pPr>
             <a:lvl5pPr marL="1828800" indent="0">
               <a:buNone/>
-              <a:defRPr sz="900"/>
+              <a:defRPr sz="1000"/>
             </a:lvl5pPr>
             <a:lvl6pPr marL="2286000" indent="0">
               <a:buNone/>
-              <a:defRPr sz="900"/>
+              <a:defRPr sz="1000"/>
             </a:lvl6pPr>
             <a:lvl7pPr marL="2743200" indent="0">
               <a:buNone/>
-              <a:defRPr sz="900"/>
+              <a:defRPr sz="1000"/>
             </a:lvl7pPr>
             <a:lvl8pPr marL="3200400" indent="0">
               <a:buNone/>
-              <a:defRPr sz="900"/>
+              <a:defRPr sz="1000"/>
             </a:lvl8pPr>
             <a:lvl9pPr marL="3657600" indent="0">
               <a:buNone/>
-              <a:defRPr sz="900"/>
+              <a:defRPr sz="1000"/>
             </a:lvl9pPr>
           </a:lstStyle>
           <a:p>
@@ -2391,7 +3084,7 @@
           <a:p>
             <a:fld id="{67563718-DE8E-4DF6-B26A-A3FA8351B16E}" type="datetimeFigureOut">
               <a:rPr lang="zh-TW" altLang="en-US" smtClean="0"/>
-              <a:t>2024/10/22</a:t>
+              <a:t>2024/11/5</a:t>
             </a:fld>
             <a:endParaRPr lang="zh-TW" altLang="en-US"/>
           </a:p>
@@ -2442,7 +3135,7 @@
     </p:spTree>
     <p:extLst>
       <p:ext uri="{BB962C8B-B14F-4D97-AF65-F5344CB8AC3E}">
-        <p14:creationId xmlns:p14="http://schemas.microsoft.com/office/powerpoint/2010/main" val="2353285224"/>
+        <p14:creationId xmlns:p14="http://schemas.microsoft.com/office/powerpoint/2010/main" val="142557000"/>
       </p:ext>
     </p:extLst>
   </p:cSld>
@@ -2471,109 +3164,58 @@
       </p:grpSpPr>
       <p:sp>
         <p:nvSpPr>
-          <p:cNvPr id="8" name="Rectangle 7"/>
-          <p:cNvSpPr/>
-          <p:nvPr/>
+          <p:cNvPr id="2" name="Title 1"/>
+          <p:cNvSpPr>
+            <a:spLocks noGrp="1"/>
+          </p:cNvSpPr>
+          <p:nvPr>
+            <p:ph type="title"/>
+          </p:nvPr>
         </p:nvSpPr>
         <p:spPr>
           <a:xfrm>
-            <a:off x="0" y="5105400"/>
-            <a:ext cx="11292840" cy="1752600"/>
+            <a:off x="839788" y="457200"/>
+            <a:ext cx="3932237" cy="1600200"/>
           </a:xfrm>
-          <a:prstGeom prst="rect">
-            <a:avLst/>
-          </a:prstGeom>
-          <a:solidFill>
-            <a:srgbClr val="000000"/>
-          </a:solidFill>
-          <a:ln>
-            <a:noFill/>
-          </a:ln>
         </p:spPr>
-        <p:style>
-          <a:lnRef idx="2">
-            <a:schemeClr val="accent1">
-              <a:shade val="50000"/>
-            </a:schemeClr>
-          </a:lnRef>
-          <a:fillRef idx="1">
-            <a:schemeClr val="accent1"/>
-          </a:fillRef>
-          <a:effectRef idx="0">
-            <a:schemeClr val="accent1"/>
-          </a:effectRef>
-          <a:fontRef idx="minor">
-            <a:schemeClr val="lt1"/>
-          </a:fontRef>
-        </p:style>
-      </p:sp>
-      <p:sp>
-        <p:nvSpPr>
-          <p:cNvPr id="2" name="Title 1"/>
-          <p:cNvSpPr>
-            <a:spLocks noGrp="1"/>
-          </p:cNvSpPr>
-          <p:nvPr>
-            <p:ph type="title"/>
+        <p:txBody>
+          <a:bodyPr anchor="b"/>
+          <a:lstStyle>
+            <a:lvl1pPr>
+              <a:defRPr sz="3200"/>
+            </a:lvl1pPr>
+          </a:lstStyle>
+          <a:p>
+            <a:r>
+              <a:rPr lang="zh-TW" altLang="en-US"/>
+              <a:t>按一下以編輯母片標題樣式</a:t>
+            </a:r>
+            <a:endParaRPr lang="en-US" dirty="0"/>
+          </a:p>
+        </p:txBody>
+      </p:sp>
+      <p:sp>
+        <p:nvSpPr>
+          <p:cNvPr id="3" name="Picture Placeholder 2"/>
+          <p:cNvSpPr>
+            <a:spLocks noGrp="1" noChangeAspect="1"/>
+          </p:cNvSpPr>
+          <p:nvPr>
+            <p:ph type="pic" idx="1"/>
           </p:nvPr>
         </p:nvSpPr>
         <p:spPr>
           <a:xfrm>
-            <a:off x="914400" y="5257800"/>
-            <a:ext cx="9982200" cy="914400"/>
+            <a:off x="5183188" y="987425"/>
+            <a:ext cx="6172200" cy="4873625"/>
           </a:xfrm>
-        </p:spPr>
-        <p:txBody>
-          <a:bodyPr anchor="b">
-            <a:normAutofit/>
-          </a:bodyPr>
-          <a:lstStyle>
-            <a:lvl1pPr>
-              <a:defRPr sz="2800" b="0">
-                <a:solidFill>
-                  <a:schemeClr val="bg1"/>
-                </a:solidFill>
-              </a:defRPr>
-            </a:lvl1pPr>
-          </a:lstStyle>
-          <a:p>
-            <a:r>
-              <a:rPr lang="zh-TW" altLang="en-US"/>
-              <a:t>按一下以編輯母片標題樣式</a:t>
-            </a:r>
-            <a:endParaRPr lang="en-US" dirty="0"/>
-          </a:p>
-        </p:txBody>
-      </p:sp>
-      <p:sp>
-        <p:nvSpPr>
-          <p:cNvPr id="3" name="Picture Placeholder 2"/>
-          <p:cNvSpPr>
-            <a:spLocks noGrp="1" noChangeAspect="1"/>
-          </p:cNvSpPr>
-          <p:nvPr>
-            <p:ph type="pic" idx="1"/>
-          </p:nvPr>
-        </p:nvSpPr>
-        <p:spPr>
-          <a:xfrm>
-            <a:off x="0" y="0"/>
-            <a:ext cx="11292840" cy="5128923"/>
-          </a:xfrm>
-          <a:solidFill>
-            <a:schemeClr val="accent1"/>
-          </a:solidFill>
         </p:spPr>
         <p:txBody>
           <a:bodyPr anchor="t"/>
           <a:lstStyle>
             <a:lvl1pPr marL="0" indent="0">
               <a:buNone/>
-              <a:defRPr sz="3200">
-                <a:solidFill>
-                  <a:schemeClr val="bg1"/>
-                </a:solidFill>
-              </a:defRPr>
+              <a:defRPr sz="3200"/>
             </a:lvl1pPr>
             <a:lvl2pPr marL="457200" indent="0">
               <a:buNone/>
@@ -2629,62 +3271,48 @@
         </p:nvSpPr>
         <p:spPr>
           <a:xfrm>
-            <a:off x="914400" y="6108589"/>
-            <a:ext cx="9982200" cy="597011"/>
+            <a:off x="839788" y="2057400"/>
+            <a:ext cx="3932237" cy="3811588"/>
           </a:xfrm>
         </p:spPr>
         <p:txBody>
-          <a:bodyPr>
-            <a:normAutofit/>
-          </a:bodyPr>
+          <a:bodyPr/>
           <a:lstStyle>
             <a:lvl1pPr marL="0" indent="0">
-              <a:lnSpc>
-                <a:spcPct val="100000"/>
-              </a:lnSpc>
-              <a:spcBef>
-                <a:spcPts val="800"/>
-              </a:spcBef>
-              <a:buNone/>
-              <a:defRPr sz="1300">
-                <a:solidFill>
-                  <a:schemeClr val="bg1">
-                    <a:lumMod val="85000"/>
-                  </a:schemeClr>
-                </a:solidFill>
-              </a:defRPr>
+              <a:buNone/>
+              <a:defRPr sz="1600"/>
             </a:lvl1pPr>
             <a:lvl2pPr marL="457200" indent="0">
               <a:buNone/>
-              <a:defRPr sz="1200"/>
+              <a:defRPr sz="1400"/>
             </a:lvl2pPr>
             <a:lvl3pPr marL="914400" indent="0">
               <a:buNone/>
-              <a:defRPr sz="1000"/>
+              <a:defRPr sz="1200"/>
             </a:lvl3pPr>
             <a:lvl4pPr marL="1371600" indent="0">
               <a:buNone/>
-              <a:defRPr sz="900"/>
+              <a:defRPr sz="1000"/>
             </a:lvl4pPr>
             <a:lvl5pPr marL="1828800" indent="0">
               <a:buNone/>
-              <a:defRPr sz="900"/>
+              <a:defRPr sz="1000"/>
             </a:lvl5pPr>
             <a:lvl6pPr marL="2286000" indent="0">
               <a:buNone/>
-              <a:defRPr sz="900"/>
+              <a:defRPr sz="1000"/>
             </a:lvl6pPr>
             <a:lvl7pPr marL="2743200" indent="0">
               <a:buNone/>
-              <a:defRPr sz="900"/>
+              <a:defRPr sz="1000"/>
             </a:lvl7pPr>
             <a:lvl8pPr marL="3200400" indent="0">
               <a:buNone/>
-              <a:defRPr sz="900"/>
+              <a:defRPr sz="1000"/>
             </a:lvl8pPr>
             <a:lvl9pPr marL="3657600" indent="0">
               <a:buNone/>
-              <a:defRPr sz="900"/>
+              <a:defRPr sz="1000"/>
             </a:lvl9pPr>
           </a:lstStyle>
           <a:p>
@@ -2713,7 +3341,7 @@
           <a:p>
             <a:fld id="{67563718-DE8E-4DF6-B26A-A3FA8351B16E}" type="datetimeFigureOut">
               <a:rPr lang="zh-TW" altLang="en-US" smtClean="0"/>
-              <a:t>2024/10/22</a:t>
+              <a:t>2024/11/5</a:t>
             </a:fld>
             <a:endParaRPr lang="zh-TW" altLang="en-US"/>
           </a:p>
@@ -2764,7 +3392,7 @@
     </p:spTree>
     <p:extLst>
       <p:ext uri="{BB962C8B-B14F-4D97-AF65-F5344CB8AC3E}">
-        <p14:creationId xmlns:p14="http://schemas.microsoft.com/office/powerpoint/2010/main" val="4209194413"/>
+        <p14:creationId xmlns:p14="http://schemas.microsoft.com/office/powerpoint/2010/main" val="4180951930"/>
       </p:ext>
     </p:extLst>
   </p:cSld>
@@ -2798,65 +3426,25 @@
       </p:grpSpPr>
       <p:sp>
         <p:nvSpPr>
-          <p:cNvPr id="7" name="Rectangle 6"/>
-          <p:cNvSpPr/>
-          <p:nvPr/>
+          <p:cNvPr id="2" name="Title Placeholder 1"/>
+          <p:cNvSpPr>
+            <a:spLocks noGrp="1"/>
+          </p:cNvSpPr>
+          <p:nvPr>
+            <p:ph type="title"/>
+          </p:nvPr>
         </p:nvSpPr>
         <p:spPr>
           <a:xfrm>
-            <a:off x="11292840" y="0"/>
-            <a:ext cx="914400" cy="6858000"/>
-          </a:xfrm>
-          <a:prstGeom prst="rect">
-            <a:avLst/>
-          </a:prstGeom>
-          <a:solidFill>
-            <a:schemeClr val="tx2">
-              <a:lumMod val="75000"/>
-            </a:schemeClr>
-          </a:solidFill>
-          <a:ln>
-            <a:noFill/>
-          </a:ln>
-        </p:spPr>
-        <p:style>
-          <a:lnRef idx="2">
-            <a:schemeClr val="accent1">
-              <a:shade val="50000"/>
-            </a:schemeClr>
-          </a:lnRef>
-          <a:fillRef idx="1">
-            <a:schemeClr val="accent1"/>
-          </a:fillRef>
-          <a:effectRef idx="0">
-            <a:schemeClr val="accent1"/>
-          </a:effectRef>
-          <a:fontRef idx="minor">
-            <a:schemeClr val="lt1"/>
-          </a:fontRef>
-        </p:style>
-      </p:sp>
-      <p:sp>
-        <p:nvSpPr>
-          <p:cNvPr id="2" name="Title Placeholder 1"/>
-          <p:cNvSpPr>
-            <a:spLocks noGrp="1"/>
-          </p:cNvSpPr>
-          <p:nvPr>
-            <p:ph type="title"/>
-          </p:nvPr>
-        </p:nvSpPr>
-        <p:spPr>
-          <a:xfrm>
-            <a:off x="1261872" y="365760"/>
-            <a:ext cx="9692640" cy="1325562"/>
+            <a:off x="838200" y="365125"/>
+            <a:ext cx="10515600" cy="1325563"/>
           </a:xfrm>
           <a:prstGeom prst="rect">
             <a:avLst/>
           </a:prstGeom>
         </p:spPr>
         <p:txBody>
-          <a:bodyPr vert="horz" lIns="91440" tIns="45720" rIns="91440" bIns="45720" rtlCol="0" anchor="b">
+          <a:bodyPr vert="horz" lIns="91440" tIns="45720" rIns="91440" bIns="45720" rtlCol="0" anchor="ctr">
             <a:normAutofit/>
           </a:bodyPr>
           <a:lstStyle/>
@@ -2881,8 +3469,8 @@
         </p:nvSpPr>
         <p:spPr>
           <a:xfrm>
-            <a:off x="1261872" y="1828800"/>
-            <a:ext cx="8595360" cy="4351337"/>
+            <a:off x="838200" y="1825625"/>
+            <a:ext cx="10515600" cy="4351338"/>
           </a:xfrm>
           <a:prstGeom prst="rect">
             <a:avLst/>
@@ -2942,9 +3530,9 @@
           </p:nvPr>
         </p:nvSpPr>
         <p:spPr>
-          <a:xfrm rot="16200000">
-            <a:off x="10797542" y="998537"/>
-            <a:ext cx="1904999" cy="365125"/>
+          <a:xfrm>
+            <a:off x="838200" y="6356350"/>
+            <a:ext cx="2743200" cy="365125"/>
           </a:xfrm>
           <a:prstGeom prst="rect">
             <a:avLst/>
@@ -2953,12 +3541,11 @@
         <p:txBody>
           <a:bodyPr vert="horz" lIns="91440" tIns="45720" rIns="91440" bIns="45720" rtlCol="0" anchor="ctr"/>
           <a:lstStyle>
-            <a:lvl1pPr algn="r">
-              <a:defRPr sz="1050" b="0">
+            <a:lvl1pPr algn="l">
+              <a:defRPr sz="1200">
                 <a:solidFill>
-                  <a:schemeClr val="tx2">
-                    <a:lumMod val="20000"/>
-                    <a:lumOff val="80000"/>
+                  <a:schemeClr val="tx1">
+                    <a:tint val="75000"/>
                   </a:schemeClr>
                 </a:solidFill>
               </a:defRPr>
@@ -2967,7 +3554,7 @@
           <a:p>
             <a:fld id="{67563718-DE8E-4DF6-B26A-A3FA8351B16E}" type="datetimeFigureOut">
               <a:rPr lang="zh-TW" altLang="en-US" smtClean="0"/>
-              <a:t>2024/10/22</a:t>
+              <a:t>2024/11/5</a:t>
             </a:fld>
             <a:endParaRPr lang="zh-TW" altLang="en-US"/>
           </a:p>
@@ -2984,9 +3571,9 @@
           </p:nvPr>
         </p:nvSpPr>
         <p:spPr>
-          <a:xfrm rot="16200000">
-            <a:off x="9959341" y="4046537"/>
-            <a:ext cx="3581400" cy="365125"/>
+          <a:xfrm>
+            <a:off x="4038600" y="6356350"/>
+            <a:ext cx="4114800" cy="365125"/>
           </a:xfrm>
           <a:prstGeom prst="rect">
             <a:avLst/>
@@ -2995,12 +3582,11 @@
         <p:txBody>
           <a:bodyPr vert="horz" lIns="91440" tIns="45720" rIns="91440" bIns="45720" rtlCol="0" anchor="ctr"/>
           <a:lstStyle>
-            <a:lvl1pPr algn="l">
-              <a:defRPr sz="1050">
+            <a:lvl1pPr algn="ctr">
+              <a:defRPr sz="1200">
                 <a:solidFill>
-                  <a:schemeClr val="tx2">
-                    <a:lumMod val="20000"/>
-                    <a:lumOff val="80000"/>
+                  <a:schemeClr val="tx1">
+                    <a:tint val="75000"/>
                   </a:schemeClr>
                 </a:solidFill>
               </a:defRPr>
@@ -3023,24 +3609,21 @@
         </p:nvSpPr>
         <p:spPr>
           <a:xfrm>
-            <a:off x="11292840" y="6172200"/>
-            <a:ext cx="914400" cy="593725"/>
+            <a:off x="8610600" y="6356350"/>
+            <a:ext cx="2743200" cy="365125"/>
           </a:xfrm>
           <a:prstGeom prst="rect">
             <a:avLst/>
           </a:prstGeom>
         </p:spPr>
         <p:txBody>
-          <a:bodyPr vert="horz" lIns="45720" tIns="45720" rIns="45720" bIns="45720" rtlCol="0" anchor="ctr">
-            <a:normAutofit/>
-          </a:bodyPr>
+          <a:bodyPr vert="horz" lIns="91440" tIns="45720" rIns="91440" bIns="45720" rtlCol="0" anchor="ctr"/>
           <a:lstStyle>
-            <a:lvl1pPr algn="ctr">
-              <a:defRPr sz="3600">
+            <a:lvl1pPr algn="r">
+              <a:defRPr sz="1200">
                 <a:solidFill>
-                  <a:schemeClr val="tx2">
-                    <a:lumMod val="60000"/>
-                    <a:lumOff val="40000"/>
+                  <a:schemeClr val="tx1">
+                    <a:tint val="75000"/>
                   </a:schemeClr>
                 </a:solidFill>
               </a:defRPr>
@@ -3058,23 +3641,23 @@
     </p:spTree>
     <p:extLst>
       <p:ext uri="{BB962C8B-B14F-4D97-AF65-F5344CB8AC3E}">
-        <p14:creationId xmlns:p14="http://schemas.microsoft.com/office/powerpoint/2010/main" val="3026519490"/>
+        <p14:creationId xmlns:p14="http://schemas.microsoft.com/office/powerpoint/2010/main" val="2927766533"/>
       </p:ext>
     </p:extLst>
   </p:cSld>
   <p:clrMap bg1="lt1" tx1="dk1" bg2="lt2" tx2="dk2" accent1="accent1" accent2="accent2" accent3="accent3" accent4="accent4" accent5="accent5" accent6="accent6" hlink="hlink" folHlink="folHlink"/>
   <p:sldLayoutIdLst>
-    <p:sldLayoutId id="2147483661" r:id="rId1"/>
-    <p:sldLayoutId id="2147483662" r:id="rId2"/>
-    <p:sldLayoutId id="2147483663" r:id="rId3"/>
-    <p:sldLayoutId id="2147483664" r:id="rId4"/>
-    <p:sldLayoutId id="2147483665" r:id="rId5"/>
-    <p:sldLayoutId id="2147483666" r:id="rId6"/>
-    <p:sldLayoutId id="2147483667" r:id="rId7"/>
-    <p:sldLayoutId id="2147483668" r:id="rId8"/>
-    <p:sldLayoutId id="2147483669" r:id="rId9"/>
-    <p:sldLayoutId id="2147483670" r:id="rId10"/>
-    <p:sldLayoutId id="2147483671" r:id="rId11"/>
+    <p:sldLayoutId id="2147483733" r:id="rId1"/>
+    <p:sldLayoutId id="2147483734" r:id="rId2"/>
+    <p:sldLayoutId id="2147483735" r:id="rId3"/>
+    <p:sldLayoutId id="2147483736" r:id="rId4"/>
+    <p:sldLayoutId id="2147483737" r:id="rId5"/>
+    <p:sldLayoutId id="2147483738" r:id="rId6"/>
+    <p:sldLayoutId id="2147483739" r:id="rId7"/>
+    <p:sldLayoutId id="2147483740" r:id="rId8"/>
+    <p:sldLayoutId id="2147483741" r:id="rId9"/>
+    <p:sldLayoutId id="2147483742" r:id="rId10"/>
+    <p:sldLayoutId id="2147483743" r:id="rId11"/>
   </p:sldLayoutIdLst>
   <p:txStyles>
     <p:titleStyle>
@@ -3086,7 +3669,7 @@
           <a:spcPct val="0"/>
         </a:spcBef>
         <a:buNone/>
-        <a:defRPr sz="4400" kern="1200" spc="-50" baseline="0">
+        <a:defRPr sz="4400" kern="1200">
           <a:solidFill>
             <a:schemeClr val="tx1"/>
           </a:solidFill>
@@ -3097,23 +3680,16 @@
       </a:lvl1pPr>
     </p:titleStyle>
     <p:bodyStyle>
-      <a:lvl1pPr marL="182880" indent="-182880" algn="l" defTabSz="914400" rtl="0" eaLnBrk="1" latinLnBrk="0" hangingPunct="1">
+      <a:lvl1pPr marL="228600" indent="-228600" algn="l" defTabSz="914400" rtl="0" eaLnBrk="1" latinLnBrk="0" hangingPunct="1">
         <a:lnSpc>
-          <a:spcPct val="95000"/>
+          <a:spcPct val="90000"/>
         </a:lnSpc>
         <a:spcBef>
-          <a:spcPts val="1400"/>
+          <a:spcPts val="1000"/>
         </a:spcBef>
-        <a:spcAft>
-          <a:spcPts val="200"/>
-        </a:spcAft>
-        <a:buClr>
-          <a:schemeClr val="accent1"/>
-        </a:buClr>
-        <a:buSzPct val="80000"/>
-        <a:buFont typeface="Arial" pitchFamily="34" charset="0"/>
+        <a:buFont typeface="Arial" panose="020B0604020202020204" pitchFamily="34" charset="0"/>
         <a:buChar char="•"/>
-        <a:defRPr sz="1800" kern="1200" spc="10" baseline="0">
+        <a:defRPr sz="2800" kern="1200">
           <a:solidFill>
             <a:schemeClr val="tx1"/>
           </a:solidFill>
@@ -3122,216 +3698,144 @@
           <a:cs typeface="+mn-cs"/>
         </a:defRPr>
       </a:lvl1pPr>
-      <a:lvl2pPr marL="457200" indent="-182880" algn="l" defTabSz="914400" rtl="0" eaLnBrk="1" latinLnBrk="0" hangingPunct="1">
+      <a:lvl2pPr marL="685800" indent="-228600" algn="l" defTabSz="914400" rtl="0" eaLnBrk="1" latinLnBrk="0" hangingPunct="1">
         <a:lnSpc>
           <a:spcPct val="90000"/>
         </a:lnSpc>
         <a:spcBef>
-          <a:spcPts val="300"/>
+          <a:spcPts val="500"/>
         </a:spcBef>
-        <a:spcAft>
-          <a:spcPts val="300"/>
-        </a:spcAft>
-        <a:buClr>
-          <a:schemeClr val="accent1"/>
-        </a:buClr>
-        <a:buFont typeface="Wingdings 2" pitchFamily="18" charset="2"/>
-        <a:buChar char=""/>
-        <a:defRPr sz="1600" kern="1200">
+        <a:buFont typeface="Arial" panose="020B0604020202020204" pitchFamily="34" charset="0"/>
+        <a:buChar char="•"/>
+        <a:defRPr sz="2400" kern="1200">
           <a:solidFill>
-            <a:schemeClr val="tx1">
-              <a:lumMod val="85000"/>
-              <a:lumOff val="15000"/>
-            </a:schemeClr>
+            <a:schemeClr val="tx1"/>
           </a:solidFill>
           <a:latin typeface="+mn-lt"/>
           <a:ea typeface="+mn-ea"/>
           <a:cs typeface="+mn-cs"/>
         </a:defRPr>
       </a:lvl2pPr>
-      <a:lvl3pPr marL="731520" indent="-182880" algn="l" defTabSz="914400" rtl="0" eaLnBrk="1" latinLnBrk="0" hangingPunct="1">
+      <a:lvl3pPr marL="1143000" indent="-228600" algn="l" defTabSz="914400" rtl="0" eaLnBrk="1" latinLnBrk="0" hangingPunct="1">
         <a:lnSpc>
           <a:spcPct val="90000"/>
         </a:lnSpc>
         <a:spcBef>
-          <a:spcPts val="300"/>
+          <a:spcPts val="500"/>
         </a:spcBef>
-        <a:spcAft>
-          <a:spcPts val="300"/>
-        </a:spcAft>
-        <a:buClr>
-          <a:schemeClr val="accent1"/>
-        </a:buClr>
-        <a:buFont typeface="Wingdings 2" pitchFamily="18" charset="2"/>
-        <a:buChar char=""/>
-        <a:defRPr sz="1400" kern="1200">
+        <a:buFont typeface="Arial" panose="020B0604020202020204" pitchFamily="34" charset="0"/>
+        <a:buChar char="•"/>
+        <a:defRPr sz="2000" kern="1200">
           <a:solidFill>
-            <a:schemeClr val="tx1">
-              <a:lumMod val="85000"/>
-              <a:lumOff val="15000"/>
-            </a:schemeClr>
+            <a:schemeClr val="tx1"/>
           </a:solidFill>
           <a:latin typeface="+mn-lt"/>
           <a:ea typeface="+mn-ea"/>
           <a:cs typeface="+mn-cs"/>
         </a:defRPr>
       </a:lvl3pPr>
-      <a:lvl4pPr marL="1005840" indent="-182880" algn="l" defTabSz="914400" rtl="0" eaLnBrk="1" latinLnBrk="0" hangingPunct="1">
+      <a:lvl4pPr marL="1600200" indent="-228600" algn="l" defTabSz="914400" rtl="0" eaLnBrk="1" latinLnBrk="0" hangingPunct="1">
         <a:lnSpc>
           <a:spcPct val="90000"/>
         </a:lnSpc>
         <a:spcBef>
-          <a:spcPts val="300"/>
+          <a:spcPts val="500"/>
         </a:spcBef>
-        <a:spcAft>
-          <a:spcPts val="300"/>
-        </a:spcAft>
-        <a:buClr>
-          <a:schemeClr val="accent1"/>
-        </a:buClr>
-        <a:buFont typeface="Wingdings 2" pitchFamily="18" charset="2"/>
-        <a:buChar char=""/>
-        <a:defRPr sz="1400" kern="1200">
+        <a:buFont typeface="Arial" panose="020B0604020202020204" pitchFamily="34" charset="0"/>
+        <a:buChar char="•"/>
+        <a:defRPr sz="1800" kern="1200">
           <a:solidFill>
-            <a:schemeClr val="tx1">
-              <a:lumMod val="85000"/>
-              <a:lumOff val="15000"/>
-            </a:schemeClr>
+            <a:schemeClr val="tx1"/>
           </a:solidFill>
           <a:latin typeface="+mn-lt"/>
           <a:ea typeface="+mn-ea"/>
           <a:cs typeface="+mn-cs"/>
         </a:defRPr>
       </a:lvl4pPr>
-      <a:lvl5pPr marL="1280160" indent="-182880" algn="l" defTabSz="914400" rtl="0" eaLnBrk="1" latinLnBrk="0" hangingPunct="1">
+      <a:lvl5pPr marL="2057400" indent="-228600" algn="l" defTabSz="914400" rtl="0" eaLnBrk="1" latinLnBrk="0" hangingPunct="1">
         <a:lnSpc>
           <a:spcPct val="90000"/>
         </a:lnSpc>
         <a:spcBef>
-          <a:spcPts val="300"/>
+          <a:spcPts val="500"/>
         </a:spcBef>
-        <a:spcAft>
-          <a:spcPts val="300"/>
-        </a:spcAft>
-        <a:buClr>
-          <a:schemeClr val="accent1"/>
-        </a:buClr>
-        <a:buFont typeface="Wingdings 2" pitchFamily="18" charset="2"/>
-        <a:buChar char=""/>
-        <a:defRPr sz="1400" kern="1200">
+        <a:buFont typeface="Arial" panose="020B0604020202020204" pitchFamily="34" charset="0"/>
+        <a:buChar char="•"/>
+        <a:defRPr sz="1800" kern="1200">
           <a:solidFill>
-            <a:schemeClr val="tx1">
-              <a:lumMod val="85000"/>
-              <a:lumOff val="15000"/>
-            </a:schemeClr>
+            <a:schemeClr val="tx1"/>
           </a:solidFill>
           <a:latin typeface="+mn-lt"/>
           <a:ea typeface="+mn-ea"/>
           <a:cs typeface="+mn-cs"/>
         </a:defRPr>
       </a:lvl5pPr>
-      <a:lvl6pPr marL="1600000" indent="-228600" algn="l" defTabSz="914400" rtl="0" eaLnBrk="1" latinLnBrk="0" hangingPunct="1">
+      <a:lvl6pPr marL="2514600" indent="-228600" algn="l" defTabSz="914400" rtl="0" eaLnBrk="1" latinLnBrk="0" hangingPunct="1">
         <a:lnSpc>
           <a:spcPct val="90000"/>
         </a:lnSpc>
         <a:spcBef>
-          <a:spcPts val="300"/>
+          <a:spcPts val="500"/>
         </a:spcBef>
-        <a:spcAft>
-          <a:spcPts val="300"/>
-        </a:spcAft>
-        <a:buClr>
-          <a:schemeClr val="accent1"/>
-        </a:buClr>
-        <a:buFont typeface="Wingdings 2" pitchFamily="18" charset="2"/>
-        <a:buChar char=""/>
-        <a:defRPr sz="1400" kern="1200">
+        <a:buFont typeface="Arial" panose="020B0604020202020204" pitchFamily="34" charset="0"/>
+        <a:buChar char="•"/>
+        <a:defRPr sz="1800" kern="1200">
           <a:solidFill>
-            <a:schemeClr val="tx1">
-              <a:lumMod val="85000"/>
-              <a:lumOff val="15000"/>
-            </a:schemeClr>
+            <a:schemeClr val="tx1"/>
           </a:solidFill>
           <a:latin typeface="+mn-lt"/>
           <a:ea typeface="+mn-ea"/>
           <a:cs typeface="+mn-cs"/>
         </a:defRPr>
       </a:lvl6pPr>
-      <a:lvl7pPr marL="1900000" indent="-228600" algn="l" defTabSz="914400" rtl="0" eaLnBrk="1" latinLnBrk="0" hangingPunct="1">
+      <a:lvl7pPr marL="2971800" indent="-228600" algn="l" defTabSz="914400" rtl="0" eaLnBrk="1" latinLnBrk="0" hangingPunct="1">
         <a:lnSpc>
           <a:spcPct val="90000"/>
         </a:lnSpc>
         <a:spcBef>
-          <a:spcPts val="300"/>
+          <a:spcPts val="500"/>
         </a:spcBef>
-        <a:spcAft>
-          <a:spcPts val="300"/>
-        </a:spcAft>
-        <a:buClr>
-          <a:schemeClr val="accent1"/>
-        </a:buClr>
-        <a:buFont typeface="Wingdings 2" pitchFamily="18" charset="2"/>
-        <a:buChar char=""/>
-        <a:defRPr sz="1400" kern="1200">
+        <a:buFont typeface="Arial" panose="020B0604020202020204" pitchFamily="34" charset="0"/>
+        <a:buChar char="•"/>
+        <a:defRPr sz="1800" kern="1200">
           <a:solidFill>
-            <a:schemeClr val="tx1">
-              <a:lumMod val="85000"/>
-              <a:lumOff val="15000"/>
-            </a:schemeClr>
+            <a:schemeClr val="tx1"/>
           </a:solidFill>
           <a:latin typeface="+mn-lt"/>
           <a:ea typeface="+mn-ea"/>
           <a:cs typeface="+mn-cs"/>
         </a:defRPr>
       </a:lvl7pPr>
-      <a:lvl8pPr marL="2200000" indent="-228600" algn="l" defTabSz="914400" rtl="0" eaLnBrk="1" latinLnBrk="0" hangingPunct="1">
+      <a:lvl8pPr marL="3429000" indent="-228600" algn="l" defTabSz="914400" rtl="0" eaLnBrk="1" latinLnBrk="0" hangingPunct="1">
         <a:lnSpc>
           <a:spcPct val="90000"/>
         </a:lnSpc>
         <a:spcBef>
-          <a:spcPts val="300"/>
+          <a:spcPts val="500"/>
         </a:spcBef>
-        <a:spcAft>
-          <a:spcPts val="300"/>
-        </a:spcAft>
-        <a:buClr>
-          <a:schemeClr val="accent1"/>
-        </a:buClr>
-        <a:buFont typeface="Wingdings 2" pitchFamily="18" charset="2"/>
-        <a:buChar char=""/>
-        <a:defRPr sz="1400" kern="1200">
+        <a:buFont typeface="Arial" panose="020B0604020202020204" pitchFamily="34" charset="0"/>
+        <a:buChar char="•"/>
+        <a:defRPr sz="1800" kern="1200">
           <a:solidFill>
-            <a:schemeClr val="tx1">
-              <a:lumMod val="85000"/>
-              <a:lumOff val="15000"/>
-            </a:schemeClr>
+            <a:schemeClr val="tx1"/>
           </a:solidFill>
           <a:latin typeface="+mn-lt"/>
           <a:ea typeface="+mn-ea"/>
           <a:cs typeface="+mn-cs"/>
         </a:defRPr>
       </a:lvl8pPr>
-      <a:lvl9pPr marL="2500000" indent="-228600" algn="l" defTabSz="914400" rtl="0" eaLnBrk="1" latinLnBrk="0" hangingPunct="1">
+      <a:lvl9pPr marL="3886200" indent="-228600" algn="l" defTabSz="914400" rtl="0" eaLnBrk="1" latinLnBrk="0" hangingPunct="1">
         <a:lnSpc>
           <a:spcPct val="90000"/>
         </a:lnSpc>
         <a:spcBef>
-          <a:spcPts val="300"/>
+          <a:spcPts val="500"/>
         </a:spcBef>
-        <a:spcAft>
-          <a:spcPts val="300"/>
-        </a:spcAft>
-        <a:buClr>
-          <a:schemeClr val="accent1"/>
-        </a:buClr>
-        <a:buFont typeface="Wingdings 2" pitchFamily="18" charset="2"/>
-        <a:buChar char=""/>
-        <a:defRPr sz="1400" kern="1200">
+        <a:buFont typeface="Arial" panose="020B0604020202020204" pitchFamily="34" charset="0"/>
+        <a:buChar char="•"/>
+        <a:defRPr sz="1800" kern="1200">
           <a:solidFill>
-            <a:schemeClr val="tx1">
-              <a:lumMod val="85000"/>
-              <a:lumOff val="15000"/>
-            </a:schemeClr>
+            <a:schemeClr val="tx1"/>
           </a:solidFill>
           <a:latin typeface="+mn-lt"/>
           <a:ea typeface="+mn-ea"/>
@@ -3476,10 +3980,12 @@
           <a:bodyPr/>
           <a:lstStyle/>
           <a:p>
-            <a:r>
-              <a:rPr lang="zh-TW" altLang="en-US" dirty="0"/>
-              <a:t>自我介紹</a:t>
-            </a:r>
+            <a:pPr algn="l"/>
+            <a:r>
+              <a:rPr lang="zh-TW" altLang="en-US"/>
+              <a:t>職場故事</a:t>
+            </a:r>
+            <a:endParaRPr lang="zh-TW" altLang="en-US" dirty="0"/>
           </a:p>
         </p:txBody>
       </p:sp>
@@ -3504,17 +4010,18 @@
           <a:bodyPr/>
           <a:lstStyle/>
           <a:p>
+            <a:pPr algn="l"/>
             <a:r>
               <a:rPr lang="en-US" altLang="zh-TW" dirty="0"/>
               <a:t>(</a:t>
             </a:r>
             <a:r>
               <a:rPr lang="en-US" altLang="zh-TW" dirty="0" err="1"/>
-              <a:t>nizima</a:t>
+              <a:t>Animaze</a:t>
             </a:r>
             <a:r>
               <a:rPr lang="en-US" altLang="zh-TW" dirty="0"/>
-              <a:t> Live)</a:t>
+              <a:t>)</a:t>
             </a:r>
             <a:endParaRPr lang="zh-TW" altLang="en-US" dirty="0"/>
           </a:p>
@@ -3563,14 +4070,15 @@
             <a:spLocks noGrp="1"/>
           </p:cNvSpPr>
           <p:nvPr>
-            <p:ph type="title"/>
-          </p:nvPr>
-        </p:nvSpPr>
-        <p:spPr/>
-        <p:txBody>
-          <a:bodyPr/>
-          <a:lstStyle/>
-          <a:p>
+            <p:ph type="ctrTitle"/>
+          </p:nvPr>
+        </p:nvSpPr>
+        <p:spPr/>
+        <p:txBody>
+          <a:bodyPr/>
+          <a:lstStyle/>
+          <a:p>
+            <a:pPr algn="l"/>
             <a:r>
               <a:rPr lang="en-US" altLang="zh-TW" dirty="0"/>
               <a:t>1.</a:t>
@@ -3584,10 +4092,10 @@
       </p:sp>
       <p:sp>
         <p:nvSpPr>
-          <p:cNvPr id="5" name="內容版面配置區 4">
+          <p:cNvPr id="2" name="副標題 1">
             <a:extLst>
               <a:ext uri="{FF2B5EF4-FFF2-40B4-BE49-F238E27FC236}">
-                <a16:creationId xmlns:a16="http://schemas.microsoft.com/office/drawing/2014/main" id="{3080009B-776F-4046-A259-896E3315BA84}"/>
+                <a16:creationId xmlns:a16="http://schemas.microsoft.com/office/drawing/2014/main" id="{A78D4D2D-1F75-4DF1-8B75-791E852DF58D}"/>
               </a:ext>
             </a:extLst>
           </p:cNvPr>
@@ -3595,32 +4103,7 @@
             <a:spLocks noGrp="1"/>
           </p:cNvSpPr>
           <p:nvPr>
-            <p:ph sz="half" idx="1"/>
-          </p:nvPr>
-        </p:nvSpPr>
-        <p:spPr/>
-        <p:txBody>
-          <a:bodyPr/>
-          <a:lstStyle/>
-          <a:p>
-            <a:endParaRPr lang="zh-TW" altLang="en-US"/>
-          </a:p>
-        </p:txBody>
-      </p:sp>
-      <p:sp>
-        <p:nvSpPr>
-          <p:cNvPr id="6" name="內容版面配置區 5">
-            <a:extLst>
-              <a:ext uri="{FF2B5EF4-FFF2-40B4-BE49-F238E27FC236}">
-                <a16:creationId xmlns:a16="http://schemas.microsoft.com/office/drawing/2014/main" id="{C1256C42-21ED-4D34-85A3-4EB63E297FC0}"/>
-              </a:ext>
-            </a:extLst>
-          </p:cNvPr>
-          <p:cNvSpPr>
-            <a:spLocks noGrp="1"/>
-          </p:cNvSpPr>
-          <p:nvPr>
-            <p:ph sz="half" idx="2"/>
+            <p:ph type="subTitle" idx="1"/>
           </p:nvPr>
         </p:nvSpPr>
         <p:spPr/>
@@ -3675,14 +4158,15 @@
             <a:spLocks noGrp="1"/>
           </p:cNvSpPr>
           <p:nvPr>
-            <p:ph type="title"/>
-          </p:nvPr>
-        </p:nvSpPr>
-        <p:spPr/>
-        <p:txBody>
-          <a:bodyPr/>
-          <a:lstStyle/>
-          <a:p>
+            <p:ph type="ctrTitle"/>
+          </p:nvPr>
+        </p:nvSpPr>
+        <p:spPr/>
+        <p:txBody>
+          <a:bodyPr/>
+          <a:lstStyle/>
+          <a:p>
+            <a:pPr algn="l"/>
             <a:r>
               <a:rPr lang="en-US" altLang="zh-TW" dirty="0"/>
               <a:t>2.</a:t>
@@ -3696,10 +4180,10 @@
       </p:sp>
       <p:sp>
         <p:nvSpPr>
-          <p:cNvPr id="5" name="內容版面配置區 4">
+          <p:cNvPr id="2" name="副標題 1">
             <a:extLst>
               <a:ext uri="{FF2B5EF4-FFF2-40B4-BE49-F238E27FC236}">
-                <a16:creationId xmlns:a16="http://schemas.microsoft.com/office/drawing/2014/main" id="{3080009B-776F-4046-A259-896E3315BA84}"/>
+                <a16:creationId xmlns:a16="http://schemas.microsoft.com/office/drawing/2014/main" id="{9EB00D34-AE66-436C-AF68-C9FE785E84D4}"/>
               </a:ext>
             </a:extLst>
           </p:cNvPr>
@@ -3707,32 +4191,7 @@
             <a:spLocks noGrp="1"/>
           </p:cNvSpPr>
           <p:nvPr>
-            <p:ph sz="half" idx="1"/>
-          </p:nvPr>
-        </p:nvSpPr>
-        <p:spPr/>
-        <p:txBody>
-          <a:bodyPr/>
-          <a:lstStyle/>
-          <a:p>
-            <a:endParaRPr lang="zh-TW" altLang="en-US"/>
-          </a:p>
-        </p:txBody>
-      </p:sp>
-      <p:sp>
-        <p:nvSpPr>
-          <p:cNvPr id="6" name="內容版面配置區 5">
-            <a:extLst>
-              <a:ext uri="{FF2B5EF4-FFF2-40B4-BE49-F238E27FC236}">
-                <a16:creationId xmlns:a16="http://schemas.microsoft.com/office/drawing/2014/main" id="{C1256C42-21ED-4D34-85A3-4EB63E297FC0}"/>
-              </a:ext>
-            </a:extLst>
-          </p:cNvPr>
-          <p:cNvSpPr>
-            <a:spLocks noGrp="1"/>
-          </p:cNvSpPr>
-          <p:nvPr>
-            <p:ph sz="half" idx="2"/>
+            <p:ph type="subTitle" idx="1"/>
           </p:nvPr>
         </p:nvSpPr>
         <p:spPr/>
@@ -3787,14 +4246,15 @@
             <a:spLocks noGrp="1"/>
           </p:cNvSpPr>
           <p:nvPr>
-            <p:ph type="title"/>
-          </p:nvPr>
-        </p:nvSpPr>
-        <p:spPr/>
-        <p:txBody>
-          <a:bodyPr/>
-          <a:lstStyle/>
-          <a:p>
+            <p:ph type="ctrTitle"/>
+          </p:nvPr>
+        </p:nvSpPr>
+        <p:spPr/>
+        <p:txBody>
+          <a:bodyPr/>
+          <a:lstStyle/>
+          <a:p>
+            <a:pPr algn="l"/>
             <a:r>
               <a:rPr lang="en-US" altLang="zh-TW" dirty="0"/>
               <a:t>3.</a:t>
@@ -3808,10 +4268,10 @@
       </p:sp>
       <p:sp>
         <p:nvSpPr>
-          <p:cNvPr id="3" name="內容版面配置區 2">
+          <p:cNvPr id="5" name="副標題 4">
             <a:extLst>
               <a:ext uri="{FF2B5EF4-FFF2-40B4-BE49-F238E27FC236}">
-                <a16:creationId xmlns:a16="http://schemas.microsoft.com/office/drawing/2014/main" id="{93BC0B86-AEDE-4A4F-92F8-5ED8157BFFBA}"/>
+                <a16:creationId xmlns:a16="http://schemas.microsoft.com/office/drawing/2014/main" id="{AF68E1DF-9997-44EB-A608-0E84973BEC97}"/>
               </a:ext>
             </a:extLst>
           </p:cNvPr>
@@ -3819,32 +4279,7 @@
             <a:spLocks noGrp="1"/>
           </p:cNvSpPr>
           <p:nvPr>
-            <p:ph sz="half" idx="1"/>
-          </p:nvPr>
-        </p:nvSpPr>
-        <p:spPr/>
-        <p:txBody>
-          <a:bodyPr/>
-          <a:lstStyle/>
-          <a:p>
-            <a:endParaRPr lang="zh-TW" altLang="en-US"/>
-          </a:p>
-        </p:txBody>
-      </p:sp>
-      <p:sp>
-        <p:nvSpPr>
-          <p:cNvPr id="4" name="內容版面配置區 3">
-            <a:extLst>
-              <a:ext uri="{FF2B5EF4-FFF2-40B4-BE49-F238E27FC236}">
-                <a16:creationId xmlns:a16="http://schemas.microsoft.com/office/drawing/2014/main" id="{63BAB54A-A3D1-499C-8318-DC9720D2D7BB}"/>
-              </a:ext>
-            </a:extLst>
-          </p:cNvPr>
-          <p:cNvSpPr>
-            <a:spLocks noGrp="1"/>
-          </p:cNvSpPr>
-          <p:nvPr>
-            <p:ph sz="half" idx="2"/>
+            <p:ph type="subTitle" idx="1"/>
           </p:nvPr>
         </p:nvSpPr>
         <p:spPr/>
@@ -3899,14 +4334,15 @@
             <a:spLocks noGrp="1"/>
           </p:cNvSpPr>
           <p:nvPr>
-            <p:ph type="title"/>
-          </p:nvPr>
-        </p:nvSpPr>
-        <p:spPr/>
-        <p:txBody>
-          <a:bodyPr/>
-          <a:lstStyle/>
-          <a:p>
+            <p:ph type="ctrTitle"/>
+          </p:nvPr>
+        </p:nvSpPr>
+        <p:spPr/>
+        <p:txBody>
+          <a:bodyPr/>
+          <a:lstStyle/>
+          <a:p>
+            <a:pPr algn="l"/>
             <a:r>
               <a:rPr lang="en-US" altLang="zh-TW" dirty="0"/>
               <a:t>4.</a:t>
@@ -3920,10 +4356,10 @@
       </p:sp>
       <p:sp>
         <p:nvSpPr>
-          <p:cNvPr id="3" name="內容版面配置區 2">
+          <p:cNvPr id="5" name="副標題 4">
             <a:extLst>
               <a:ext uri="{FF2B5EF4-FFF2-40B4-BE49-F238E27FC236}">
-                <a16:creationId xmlns:a16="http://schemas.microsoft.com/office/drawing/2014/main" id="{86A0BBFA-2855-418C-AD37-17149B40BEF6}"/>
+                <a16:creationId xmlns:a16="http://schemas.microsoft.com/office/drawing/2014/main" id="{B4D718A4-0120-4FCC-A60C-A6C4AC091214}"/>
               </a:ext>
             </a:extLst>
           </p:cNvPr>
@@ -3931,32 +4367,7 @@
             <a:spLocks noGrp="1"/>
           </p:cNvSpPr>
           <p:nvPr>
-            <p:ph sz="half" idx="1"/>
-          </p:nvPr>
-        </p:nvSpPr>
-        <p:spPr/>
-        <p:txBody>
-          <a:bodyPr/>
-          <a:lstStyle/>
-          <a:p>
-            <a:endParaRPr lang="zh-TW" altLang="en-US"/>
-          </a:p>
-        </p:txBody>
-      </p:sp>
-      <p:sp>
-        <p:nvSpPr>
-          <p:cNvPr id="4" name="內容版面配置區 3">
-            <a:extLst>
-              <a:ext uri="{FF2B5EF4-FFF2-40B4-BE49-F238E27FC236}">
-                <a16:creationId xmlns:a16="http://schemas.microsoft.com/office/drawing/2014/main" id="{2FAB5BD0-8C31-4183-AA4A-30DF45D02E60}"/>
-              </a:ext>
-            </a:extLst>
-          </p:cNvPr>
-          <p:cNvSpPr>
-            <a:spLocks noGrp="1"/>
-          </p:cNvSpPr>
-          <p:nvPr>
-            <p:ph sz="half" idx="2"/>
+            <p:ph type="subTitle" idx="1"/>
           </p:nvPr>
         </p:nvSpPr>
         <p:spPr/>
@@ -4011,14 +4422,15 @@
             <a:spLocks noGrp="1"/>
           </p:cNvSpPr>
           <p:nvPr>
-            <p:ph type="title"/>
-          </p:nvPr>
-        </p:nvSpPr>
-        <p:spPr/>
-        <p:txBody>
-          <a:bodyPr/>
-          <a:lstStyle/>
-          <a:p>
+            <p:ph type="ctrTitle"/>
+          </p:nvPr>
+        </p:nvSpPr>
+        <p:spPr/>
+        <p:txBody>
+          <a:bodyPr/>
+          <a:lstStyle/>
+          <a:p>
+            <a:pPr algn="l"/>
             <a:r>
               <a:rPr lang="en-US" altLang="zh-TW" dirty="0"/>
               <a:t>5.</a:t>
@@ -4032,10 +4444,10 @@
       </p:sp>
       <p:sp>
         <p:nvSpPr>
-          <p:cNvPr id="3" name="內容版面配置區 2">
+          <p:cNvPr id="5" name="副標題 4">
             <a:extLst>
               <a:ext uri="{FF2B5EF4-FFF2-40B4-BE49-F238E27FC236}">
-                <a16:creationId xmlns:a16="http://schemas.microsoft.com/office/drawing/2014/main" id="{92DA4DDD-EBCC-4D25-875F-4D33EB46E00D}"/>
+                <a16:creationId xmlns:a16="http://schemas.microsoft.com/office/drawing/2014/main" id="{59D85F3C-8725-4B4E-AF5A-3D1513AF3175}"/>
               </a:ext>
             </a:extLst>
           </p:cNvPr>
@@ -4043,32 +4455,7 @@
             <a:spLocks noGrp="1"/>
           </p:cNvSpPr>
           <p:nvPr>
-            <p:ph sz="half" idx="1"/>
-          </p:nvPr>
-        </p:nvSpPr>
-        <p:spPr/>
-        <p:txBody>
-          <a:bodyPr/>
-          <a:lstStyle/>
-          <a:p>
-            <a:endParaRPr lang="zh-TW" altLang="en-US"/>
-          </a:p>
-        </p:txBody>
-      </p:sp>
-      <p:sp>
-        <p:nvSpPr>
-          <p:cNvPr id="4" name="內容版面配置區 3">
-            <a:extLst>
-              <a:ext uri="{FF2B5EF4-FFF2-40B4-BE49-F238E27FC236}">
-                <a16:creationId xmlns:a16="http://schemas.microsoft.com/office/drawing/2014/main" id="{8CDBE4B2-BDC8-413F-ABB1-91C0441333FD}"/>
-              </a:ext>
-            </a:extLst>
-          </p:cNvPr>
-          <p:cNvSpPr>
-            <a:spLocks noGrp="1"/>
-          </p:cNvSpPr>
-          <p:nvPr>
-            <p:ph sz="half" idx="2"/>
+            <p:ph type="subTitle" idx="1"/>
           </p:nvPr>
         </p:nvSpPr>
         <p:spPr/>
@@ -4123,14 +4510,15 @@
             <a:spLocks noGrp="1"/>
           </p:cNvSpPr>
           <p:nvPr>
-            <p:ph type="title"/>
-          </p:nvPr>
-        </p:nvSpPr>
-        <p:spPr/>
-        <p:txBody>
-          <a:bodyPr/>
-          <a:lstStyle/>
-          <a:p>
+            <p:ph type="ctrTitle"/>
+          </p:nvPr>
+        </p:nvSpPr>
+        <p:spPr/>
+        <p:txBody>
+          <a:bodyPr/>
+          <a:lstStyle/>
+          <a:p>
+            <a:pPr algn="l"/>
             <a:r>
               <a:rPr lang="en-US" altLang="zh-TW" dirty="0"/>
               <a:t>6.</a:t>
@@ -4144,10 +4532,10 @@
       </p:sp>
       <p:sp>
         <p:nvSpPr>
-          <p:cNvPr id="3" name="內容版面配置區 2">
+          <p:cNvPr id="5" name="副標題 4">
             <a:extLst>
               <a:ext uri="{FF2B5EF4-FFF2-40B4-BE49-F238E27FC236}">
-                <a16:creationId xmlns:a16="http://schemas.microsoft.com/office/drawing/2014/main" id="{5E7C5839-2156-4D11-BC09-0CF247157E61}"/>
+                <a16:creationId xmlns:a16="http://schemas.microsoft.com/office/drawing/2014/main" id="{D909FE59-C99E-4779-8ACB-4810F1CDED12}"/>
               </a:ext>
             </a:extLst>
           </p:cNvPr>
@@ -4155,32 +4543,7 @@
             <a:spLocks noGrp="1"/>
           </p:cNvSpPr>
           <p:nvPr>
-            <p:ph sz="half" idx="1"/>
-          </p:nvPr>
-        </p:nvSpPr>
-        <p:spPr/>
-        <p:txBody>
-          <a:bodyPr/>
-          <a:lstStyle/>
-          <a:p>
-            <a:endParaRPr lang="zh-TW" altLang="en-US"/>
-          </a:p>
-        </p:txBody>
-      </p:sp>
-      <p:sp>
-        <p:nvSpPr>
-          <p:cNvPr id="4" name="內容版面配置區 3">
-            <a:extLst>
-              <a:ext uri="{FF2B5EF4-FFF2-40B4-BE49-F238E27FC236}">
-                <a16:creationId xmlns:a16="http://schemas.microsoft.com/office/drawing/2014/main" id="{6382924A-84CF-463C-844A-CE671F735F12}"/>
-              </a:ext>
-            </a:extLst>
-          </p:cNvPr>
-          <p:cNvSpPr>
-            <a:spLocks noGrp="1"/>
-          </p:cNvSpPr>
-          <p:nvPr>
-            <p:ph sz="half" idx="2"/>
+            <p:ph type="subTitle" idx="1"/>
           </p:nvPr>
         </p:nvSpPr>
         <p:spPr/>
@@ -4235,14 +4598,15 @@
             <a:spLocks noGrp="1"/>
           </p:cNvSpPr>
           <p:nvPr>
-            <p:ph type="title"/>
-          </p:nvPr>
-        </p:nvSpPr>
-        <p:spPr/>
-        <p:txBody>
-          <a:bodyPr/>
-          <a:lstStyle/>
-          <a:p>
+            <p:ph type="ctrTitle"/>
+          </p:nvPr>
+        </p:nvSpPr>
+        <p:spPr/>
+        <p:txBody>
+          <a:bodyPr/>
+          <a:lstStyle/>
+          <a:p>
+            <a:pPr algn="l"/>
             <a:r>
               <a:rPr lang="en-US" altLang="zh-TW" dirty="0"/>
               <a:t>7.</a:t>
@@ -4256,10 +4620,10 @@
       </p:sp>
       <p:sp>
         <p:nvSpPr>
-          <p:cNvPr id="3" name="內容版面配置區 2">
+          <p:cNvPr id="5" name="副標題 4">
             <a:extLst>
               <a:ext uri="{FF2B5EF4-FFF2-40B4-BE49-F238E27FC236}">
-                <a16:creationId xmlns:a16="http://schemas.microsoft.com/office/drawing/2014/main" id="{F80E9C24-6F98-498C-8B44-B45E75EB3D35}"/>
+                <a16:creationId xmlns:a16="http://schemas.microsoft.com/office/drawing/2014/main" id="{B51C363F-9B1C-4576-BD95-23FC7165AF3A}"/>
               </a:ext>
             </a:extLst>
           </p:cNvPr>
@@ -4267,32 +4631,7 @@
             <a:spLocks noGrp="1"/>
           </p:cNvSpPr>
           <p:nvPr>
-            <p:ph sz="half" idx="1"/>
-          </p:nvPr>
-        </p:nvSpPr>
-        <p:spPr/>
-        <p:txBody>
-          <a:bodyPr/>
-          <a:lstStyle/>
-          <a:p>
-            <a:endParaRPr lang="zh-TW" altLang="en-US"/>
-          </a:p>
-        </p:txBody>
-      </p:sp>
-      <p:sp>
-        <p:nvSpPr>
-          <p:cNvPr id="4" name="內容版面配置區 3">
-            <a:extLst>
-              <a:ext uri="{FF2B5EF4-FFF2-40B4-BE49-F238E27FC236}">
-                <a16:creationId xmlns:a16="http://schemas.microsoft.com/office/drawing/2014/main" id="{68CF94E6-A937-4A29-8472-A429C74F8177}"/>
-              </a:ext>
-            </a:extLst>
-          </p:cNvPr>
-          <p:cNvSpPr>
-            <a:spLocks noGrp="1"/>
-          </p:cNvSpPr>
-          <p:nvPr>
-            <p:ph sz="half" idx="2"/>
+            <p:ph type="subTitle" idx="1"/>
           </p:nvPr>
         </p:nvSpPr>
         <p:spPr/>
@@ -4318,44 +4657,44 @@
 </file>
 
 <file path=ppt/theme/theme1.xml><?xml version="1.0" encoding="utf-8"?>
-<a:theme xmlns:a="http://schemas.openxmlformats.org/drawingml/2006/main" name="視圖">
+<a:theme xmlns:a="http://schemas.openxmlformats.org/drawingml/2006/main" name="Office Theme">
   <a:themeElements>
-    <a:clrScheme name="視圖">
+    <a:clrScheme name="Office 佈景主題">
       <a:dk1>
-        <a:srgbClr val="000000"/>
+        <a:sysClr val="windowText" lastClr="000000"/>
       </a:dk1>
       <a:lt1>
-        <a:srgbClr val="FFFFFF"/>
+        <a:sysClr val="window" lastClr="FFFFFF"/>
       </a:lt1>
       <a:dk2>
-        <a:srgbClr val="46464A"/>
+        <a:srgbClr val="44546A"/>
       </a:dk2>
       <a:lt2>
-        <a:srgbClr val="D6D3CC"/>
+        <a:srgbClr val="E7E6E6"/>
       </a:lt2>
       <a:accent1>
-        <a:srgbClr val="6F6F74"/>
+        <a:srgbClr val="4472C4"/>
       </a:accent1>
       <a:accent2>
-        <a:srgbClr val="92A9B9"/>
+        <a:srgbClr val="ED7D31"/>
       </a:accent2>
       <a:accent3>
-        <a:srgbClr val="A7B789"/>
+        <a:srgbClr val="A5A5A5"/>
       </a:accent3>
       <a:accent4>
-        <a:srgbClr val="B9A489"/>
+        <a:srgbClr val="FFC000"/>
       </a:accent4>
       <a:accent5>
-        <a:srgbClr val="8D6374"/>
+        <a:srgbClr val="5B9BD5"/>
       </a:accent5>
       <a:accent6>
-        <a:srgbClr val="9B7362"/>
+        <a:srgbClr val="70AD47"/>
       </a:accent6>
       <a:hlink>
-        <a:srgbClr val="67AABF"/>
+        <a:srgbClr val="0563C1"/>
       </a:hlink>
       <a:folHlink>
-        <a:srgbClr val="ABAFA5"/>
+        <a:srgbClr val="954F72"/>
       </a:folHlink>
     </a:clrScheme>
     <a:fontScheme name="自訂 1">
@@ -4370,46 +4709,85 @@
         <a:cs typeface=""/>
       </a:minorFont>
     </a:fontScheme>
-    <a:fmtScheme name="視圖">
+    <a:fmtScheme name="Office 佈景主題">
       <a:fillStyleLst>
         <a:solidFill>
           <a:schemeClr val="phClr"/>
         </a:solidFill>
-        <a:solidFill>
-          <a:schemeClr val="phClr">
-            <a:tint val="60000"/>
-            <a:satMod val="120000"/>
-          </a:schemeClr>
-        </a:solidFill>
-        <a:solidFill>
-          <a:schemeClr val="phClr">
-            <a:shade val="75000"/>
-            <a:satMod val="160000"/>
-          </a:schemeClr>
-        </a:solidFill>
+        <a:gradFill rotWithShape="1">
+          <a:gsLst>
+            <a:gs pos="0">
+              <a:schemeClr val="phClr">
+                <a:lumMod val="110000"/>
+                <a:satMod val="105000"/>
+                <a:tint val="67000"/>
+              </a:schemeClr>
+            </a:gs>
+            <a:gs pos="50000">
+              <a:schemeClr val="phClr">
+                <a:lumMod val="105000"/>
+                <a:satMod val="103000"/>
+                <a:tint val="73000"/>
+              </a:schemeClr>
+            </a:gs>
+            <a:gs pos="100000">
+              <a:schemeClr val="phClr">
+                <a:lumMod val="105000"/>
+                <a:satMod val="109000"/>
+                <a:tint val="81000"/>
+              </a:schemeClr>
+            </a:gs>
+          </a:gsLst>
+          <a:lin ang="5400000" scaled="0"/>
+        </a:gradFill>
+        <a:gradFill rotWithShape="1">
+          <a:gsLst>
+            <a:gs pos="0">
+              <a:schemeClr val="phClr">
+                <a:satMod val="103000"/>
+                <a:lumMod val="102000"/>
+                <a:tint val="94000"/>
+              </a:schemeClr>
+            </a:gs>
+            <a:gs pos="50000">
+              <a:schemeClr val="phClr">
+                <a:satMod val="110000"/>
+                <a:lumMod val="100000"/>
+                <a:shade val="100000"/>
+              </a:schemeClr>
+            </a:gs>
+            <a:gs pos="100000">
+              <a:schemeClr val="phClr">
+                <a:lumMod val="99000"/>
+                <a:satMod val="120000"/>
+                <a:shade val="78000"/>
+              </a:schemeClr>
+            </a:gs>
+          </a:gsLst>
+          <a:lin ang="5400000" scaled="0"/>
+        </a:gradFill>
       </a:fillStyleLst>
       <a:lnStyleLst>
-        <a:ln w="9525" cap="flat" cmpd="sng" algn="ctr">
+        <a:ln w="6350" cap="flat" cmpd="sng" algn="ctr">
           <a:solidFill>
             <a:schemeClr val="phClr"/>
           </a:solidFill>
           <a:prstDash val="solid"/>
+          <a:miter lim="800000"/>
         </a:ln>
-        <a:ln w="13970" cap="flat" cmpd="sng" algn="ctr">
+        <a:ln w="12700" cap="flat" cmpd="sng" algn="ctr">
           <a:solidFill>
             <a:schemeClr val="phClr"/>
           </a:solidFill>
           <a:prstDash val="solid"/>
+          <a:miter lim="800000"/>
         </a:ln>
-        <a:ln w="17145" cap="flat" cmpd="sng" algn="ctr">
+        <a:ln w="19050" cap="flat" cmpd="sng" algn="ctr">
           <a:solidFill>
-            <a:schemeClr val="phClr">
-              <a:shade val="95000"/>
-              <a:alpha val="95000"/>
-              <a:satMod val="150000"/>
-            </a:schemeClr>
+            <a:schemeClr val="phClr"/>
           </a:solidFill>
           <a:prstDash val="solid"/>
+          <a:miter lim="800000"/>
         </a:ln>
       </a:lnStyleLst>
       <a:effectStyleLst>
@@ -4417,52 +4795,16 @@
           <a:effectLst/>
         </a:effectStyle>
         <a:effectStyle>
+          <a:effectLst/>
+        </a:effectStyle>
+        <a:effectStyle>
           <a:effectLst>
-            <a:outerShdw blurRad="50800" dist="15240" dir="5400000" algn="tl" rotWithShape="0">
+            <a:outerShdw blurRad="57150" dist="19050" dir="5400000" algn="ctr" rotWithShape="0">
               <a:srgbClr val="000000">
-                <a:alpha val="75000"/>
+                <a:alpha val="63000"/>
               </a:srgbClr>
             </a:outerShdw>
           </a:effectLst>
-          <a:scene3d>
-            <a:camera prst="orthographicFront">
-              <a:rot lat="0" lon="0" rev="0"/>
-            </a:camera>
-            <a:lightRig rig="brightRoom" dir="tl"/>
-          </a:scene3d>
-          <a:sp3d contourW="9525" prstMaterial="flat">
-            <a:bevelT w="0" h="0" prst="coolSlant"/>
-            <a:contourClr>
-              <a:schemeClr val="phClr">
-                <a:shade val="35000"/>
-                <a:satMod val="130000"/>
-              </a:schemeClr>
-            </a:contourClr>
-          </a:sp3d>
-        </a:effectStyle>
-        <a:effectStyle>
-          <a:effectLst>
-            <a:outerShdw blurRad="76200" dist="25400" dir="5400000" algn="tl" rotWithShape="0">
-              <a:srgbClr val="000000">
-                <a:alpha val="55000"/>
-              </a:srgbClr>
-            </a:outerShdw>
-          </a:effectLst>
-          <a:scene3d>
-            <a:camera prst="orthographicFront">
-              <a:rot lat="0" lon="0" rev="0"/>
-            </a:camera>
-            <a:lightRig rig="brightRoom" dir="tl"/>
-          </a:scene3d>
-          <a:sp3d contourW="19050" prstMaterial="flat">
-            <a:bevelT w="0" h="0" prst="coolSlant"/>
-            <a:contourClr>
-              <a:schemeClr val="phClr">
-                <a:shade val="25000"/>
-                <a:satMod val="140000"/>
-              </a:schemeClr>
-            </a:contourClr>
-          </a:sp3d>
         </a:effectStyle>
       </a:effectStyleLst>
       <a:bgFillStyleLst>
@@ -4479,23 +4821,28 @@
           <a:gsLst>
             <a:gs pos="0">
               <a:schemeClr val="phClr">
-                <a:tint val="94000"/>
+                <a:tint val="93000"/>
+                <a:satMod val="150000"/>
                 <a:shade val="98000"/>
+                <a:lumMod val="102000"/>
+              </a:schemeClr>
+            </a:gs>
+            <a:gs pos="50000">
+              <a:schemeClr val="phClr">
+                <a:tint val="98000"/>
                 <a:satMod val="130000"/>
-                <a:lumMod val="102000"/>
+                <a:shade val="90000"/>
+                <a:lumMod val="103000"/>
               </a:schemeClr>
             </a:gs>
             <a:gs pos="100000">
               <a:schemeClr val="phClr">
-                <a:tint val="98000"/>
-                <a:shade val="78000"/>
-                <a:satMod val="140000"/>
+                <a:shade val="63000"/>
+                <a:satMod val="120000"/>
               </a:schemeClr>
             </a:gs>
           </a:gsLst>
-          <a:path path="circle">
-            <a:fillToRect l="100000" t="100000" r="100000" b="100000"/>
-          </a:path>
+          <a:lin ang="5400000" scaled="0"/>
         </a:gradFill>
       </a:bgFillStyleLst>
     </a:fmtScheme>
@@ -4504,7 +4851,302 @@
   <a:extraClrSchemeLst/>
   <a:extLst>
     <a:ext uri="{05A4C25C-085E-4340-85A3-A5531E510DB2}">
-      <thm15:themeFamily xmlns:thm15="http://schemas.microsoft.com/office/thememl/2012/main" name="View" id="{BA0EB5A6-F2D4-4F82-977B-64ADEE4A2A69}" vid="{3969A8A2-35DB-4E3B-8885-16FD20568674}"/>
+      <thm15:themeFamily xmlns:thm15="http://schemas.microsoft.com/office/thememl/2012/main" name="Office Theme" id="{62F939B6-93AF-4DB8-9C6B-D6C7DFDC589F}" vid="{4A3C46E8-61CC-4603-A589-7422A47A8E4A}"/>
+    </a:ext>
+  </a:extLst>
+</a:theme>
+</file>
+
+<file path=ppt/theme/theme2.xml><?xml version="1.0" encoding="utf-8"?>
+<a:theme xmlns:a="http://schemas.openxmlformats.org/drawingml/2006/main" name="Office 佈景主題">
+  <a:themeElements>
+    <a:clrScheme name="Office">
+      <a:dk1>
+        <a:sysClr val="windowText" lastClr="000000"/>
+      </a:dk1>
+      <a:lt1>
+        <a:sysClr val="window" lastClr="FFFFFF"/>
+      </a:lt1>
+      <a:dk2>
+        <a:srgbClr val="44546A"/>
+      </a:dk2>
+      <a:lt2>
+        <a:srgbClr val="E7E6E6"/>
+      </a:lt2>
+      <a:accent1>
+        <a:srgbClr val="4472C4"/>
+      </a:accent1>
+      <a:accent2>
+        <a:srgbClr val="ED7D31"/>
+      </a:accent2>
+      <a:accent3>
+        <a:srgbClr val="A5A5A5"/>
+      </a:accent3>
+      <a:accent4>
+        <a:srgbClr val="FFC000"/>
+      </a:accent4>
+      <a:accent5>
+        <a:srgbClr val="5B9BD5"/>
+      </a:accent5>
+      <a:accent6>
+        <a:srgbClr val="70AD47"/>
+      </a:accent6>
+      <a:hlink>
+        <a:srgbClr val="0563C1"/>
+      </a:hlink>
+      <a:folHlink>
+        <a:srgbClr val="954F72"/>
+      </a:folHlink>
+    </a:clrScheme>
+    <a:fontScheme name="Office">
+      <a:majorFont>
+        <a:latin typeface="Calibri Light" panose="020F0302020204030204"/>
+        <a:ea typeface=""/>
+        <a:cs typeface=""/>
+        <a:font script="Jpan" typeface="游ゴシック Light"/>
+        <a:font script="Hang" typeface="맑은 고딕"/>
+        <a:font script="Hans" typeface="等线 Light"/>
+        <a:font script="Hant" typeface="新細明體"/>
+        <a:font script="Arab" typeface="Times New Roman"/>
+        <a:font script="Hebr" typeface="Times New Roman"/>
+        <a:font script="Thai" typeface="Angsana New"/>
+        <a:font script="Ethi" typeface="Nyala"/>
+        <a:font script="Beng" typeface="Vrinda"/>
+        <a:font script="Gujr" typeface="Shruti"/>
+        <a:font script="Khmr" typeface="MoolBoran"/>
+        <a:font script="Knda" typeface="Tunga"/>
+        <a:font script="Guru" typeface="Raavi"/>
+        <a:font script="Cans" typeface="Euphemia"/>
+        <a:font script="Cher" typeface="Plantagenet Cherokee"/>
+        <a:font script="Yiii" typeface="Microsoft Yi Baiti"/>
+        <a:font script="Tibt" typeface="Microsoft Himalaya"/>
+        <a:font script="Thaa" typeface="MV Boli"/>
+        <a:font script="Deva" typeface="Mangal"/>
+        <a:font script="Telu" typeface="Gautami"/>
+        <a:font script="Taml" typeface="Latha"/>
+        <a:font script="Syrc" typeface="Estrangelo Edessa"/>
+        <a:font script="Orya" typeface="Kalinga"/>
+        <a:font script="Mlym" typeface="Kartika"/>
+        <a:font script="Laoo" typeface="DokChampa"/>
+        <a:font script="Sinh" typeface="Iskoola Pota"/>
+        <a:font script="Mong" typeface="Mongolian Baiti"/>
+        <a:font script="Viet" typeface="Times New Roman"/>
+        <a:font script="Uigh" typeface="Microsoft Uighur"/>
+        <a:font script="Geor" typeface="Sylfaen"/>
+        <a:font script="Armn" typeface="Arial"/>
+        <a:font script="Bugi" typeface="Leelawadee UI"/>
+        <a:font script="Bopo" typeface="Microsoft JhengHei"/>
+        <a:font script="Java" typeface="Javanese Text"/>
+        <a:font script="Lisu" typeface="Segoe UI"/>
+        <a:font script="Mymr" typeface="Myanmar Text"/>
+        <a:font script="Nkoo" typeface="Ebrima"/>
+        <a:font script="Olck" typeface="Nirmala UI"/>
+        <a:font script="Osma" typeface="Ebrima"/>
+        <a:font script="Phag" typeface="Phagspa"/>
+        <a:font script="Syrn" typeface="Estrangelo Edessa"/>
+        <a:font script="Syrj" typeface="Estrangelo Edessa"/>
+        <a:font script="Syre" typeface="Estrangelo Edessa"/>
+        <a:font script="Sora" typeface="Nirmala UI"/>
+        <a:font script="Tale" typeface="Microsoft Tai Le"/>
+        <a:font script="Talu" typeface="Microsoft New Tai Lue"/>
+        <a:font script="Tfng" typeface="Ebrima"/>
+      </a:majorFont>
+      <a:minorFont>
+        <a:latin typeface="Calibri" panose="020F0502020204030204"/>
+        <a:ea typeface=""/>
+        <a:cs typeface=""/>
+        <a:font script="Jpan" typeface="游ゴシック"/>
+        <a:font script="Hang" typeface="맑은 고딕"/>
+        <a:font script="Hans" typeface="等线"/>
+        <a:font script="Hant" typeface="新細明體"/>
+        <a:font script="Arab" typeface="Arial"/>
+        <a:font script="Hebr" typeface="Arial"/>
+        <a:font script="Thai" typeface="Cordia New"/>
+        <a:font script="Ethi" typeface="Nyala"/>
+        <a:font script="Beng" typeface="Vrinda"/>
+        <a:font script="Gujr" typeface="Shruti"/>
+        <a:font script="Khmr" typeface="DaunPenh"/>
+        <a:font script="Knda" typeface="Tunga"/>
+        <a:font script="Guru" typeface="Raavi"/>
+        <a:font script="Cans" typeface="Euphemia"/>
+        <a:font script="Cher" typeface="Plantagenet Cherokee"/>
+        <a:font script="Yiii" typeface="Microsoft Yi Baiti"/>
+        <a:font script="Tibt" typeface="Microsoft Himalaya"/>
+        <a:font script="Thaa" typeface="MV Boli"/>
+        <a:font script="Deva" typeface="Mangal"/>
+        <a:font script="Telu" typeface="Gautami"/>
+        <a:font script="Taml" typeface="Latha"/>
+        <a:font script="Syrc" typeface="Estrangelo Edessa"/>
+        <a:font script="Orya" typeface="Kalinga"/>
+        <a:font script="Mlym" typeface="Kartika"/>
+        <a:font script="Laoo" typeface="DokChampa"/>
+        <a:font script="Sinh" typeface="Iskoola Pota"/>
+        <a:font script="Mong" typeface="Mongolian Baiti"/>
+        <a:font script="Viet" typeface="Arial"/>
+        <a:font script="Uigh" typeface="Microsoft Uighur"/>
+        <a:font script="Geor" typeface="Sylfaen"/>
+        <a:font script="Armn" typeface="Arial"/>
+        <a:font script="Bugi" typeface="Leelawadee UI"/>
+        <a:font script="Bopo" typeface="Microsoft JhengHei"/>
+        <a:font script="Java" typeface="Javanese Text"/>
+        <a:font script="Lisu" typeface="Segoe UI"/>
+        <a:font script="Mymr" typeface="Myanmar Text"/>
+        <a:font script="Nkoo" typeface="Ebrima"/>
+        <a:font script="Olck" typeface="Nirmala UI"/>
+        <a:font script="Osma" typeface="Ebrima"/>
+        <a:font script="Phag" typeface="Phagspa"/>
+        <a:font script="Syrn" typeface="Estrangelo Edessa"/>
+        <a:font script="Syrj" typeface="Estrangelo Edessa"/>
+        <a:font script="Syre" typeface="Estrangelo Edessa"/>
+        <a:font script="Sora" typeface="Nirmala UI"/>
+        <a:font script="Tale" typeface="Microsoft Tai Le"/>
+        <a:font script="Talu" typeface="Microsoft New Tai Lue"/>
+        <a:font script="Tfng" typeface="Ebrima"/>
+      </a:minorFont>
+    </a:fontScheme>
+    <a:fmtScheme name="Office">
+      <a:fillStyleLst>
+        <a:solidFill>
+          <a:schemeClr val="phClr"/>
+        </a:solidFill>
+        <a:gradFill rotWithShape="1">
+          <a:gsLst>
+            <a:gs pos="0">
+              <a:schemeClr val="phClr">
+                <a:lumMod val="110000"/>
+                <a:satMod val="105000"/>
+                <a:tint val="67000"/>
+              </a:schemeClr>
+            </a:gs>
+            <a:gs pos="50000">
+              <a:schemeClr val="phClr">
+                <a:lumMod val="105000"/>
+                <a:satMod val="103000"/>
+                <a:tint val="73000"/>
+              </a:schemeClr>
+            </a:gs>
+            <a:gs pos="100000">
+              <a:schemeClr val="phClr">
+                <a:lumMod val="105000"/>
+                <a:satMod val="109000"/>
+                <a:tint val="81000"/>
+              </a:schemeClr>
+            </a:gs>
+          </a:gsLst>
+          <a:lin ang="5400000" scaled="0"/>
+        </a:gradFill>
+        <a:gradFill rotWithShape="1">
+          <a:gsLst>
+            <a:gs pos="0">
+              <a:schemeClr val="phClr">
+                <a:satMod val="103000"/>
+                <a:lumMod val="102000"/>
+                <a:tint val="94000"/>
+              </a:schemeClr>
+            </a:gs>
+            <a:gs pos="50000">
+              <a:schemeClr val="phClr">
+                <a:satMod val="110000"/>
+                <a:lumMod val="100000"/>
+                <a:shade val="100000"/>
+              </a:schemeClr>
+            </a:gs>
+            <a:gs pos="100000">
+              <a:schemeClr val="phClr">
+                <a:lumMod val="99000"/>
+                <a:satMod val="120000"/>
+                <a:shade val="78000"/>
+              </a:schemeClr>
+            </a:gs>
+          </a:gsLst>
+          <a:lin ang="5400000" scaled="0"/>
+        </a:gradFill>
+      </a:fillStyleLst>
+      <a:lnStyleLst>
+        <a:ln w="6350" cap="flat" cmpd="sng" algn="ctr">
+          <a:solidFill>
+            <a:schemeClr val="phClr"/>
+          </a:solidFill>
+          <a:prstDash val="solid"/>
+          <a:miter lim="800000"/>
+        </a:ln>
+        <a:ln w="12700" cap="flat" cmpd="sng" algn="ctr">
+          <a:solidFill>
+            <a:schemeClr val="phClr"/>
+          </a:solidFill>
+          <a:prstDash val="solid"/>
+          <a:miter lim="800000"/>
+        </a:ln>
+        <a:ln w="19050" cap="flat" cmpd="sng" algn="ctr">
+          <a:solidFill>
+            <a:schemeClr val="phClr"/>
+          </a:solidFill>
+          <a:prstDash val="solid"/>
+          <a:miter lim="800000"/>
+        </a:ln>
+      </a:lnStyleLst>
+      <a:effectStyleLst>
+        <a:effectStyle>
+          <a:effectLst/>
+        </a:effectStyle>
+        <a:effectStyle>
+          <a:effectLst/>
+        </a:effectStyle>
+        <a:effectStyle>
+          <a:effectLst>
+            <a:outerShdw blurRad="57150" dist="19050" dir="5400000" algn="ctr" rotWithShape="0">
+              <a:srgbClr val="000000">
+                <a:alpha val="63000"/>
+              </a:srgbClr>
+            </a:outerShdw>
+          </a:effectLst>
+        </a:effectStyle>
+      </a:effectStyleLst>
+      <a:bgFillStyleLst>
+        <a:solidFill>
+          <a:schemeClr val="phClr"/>
+        </a:solidFill>
+        <a:solidFill>
+          <a:schemeClr val="phClr">
+            <a:tint val="95000"/>
+            <a:satMod val="170000"/>
+          </a:schemeClr>
+        </a:solidFill>
+        <a:gradFill rotWithShape="1">
+          <a:gsLst>
+            <a:gs pos="0">
+              <a:schemeClr val="phClr">
+                <a:tint val="93000"/>
+                <a:satMod val="150000"/>
+                <a:shade val="98000"/>
+                <a:lumMod val="102000"/>
+              </a:schemeClr>
+            </a:gs>
+            <a:gs pos="50000">
+              <a:schemeClr val="phClr">
+                <a:tint val="98000"/>
+                <a:satMod val="130000"/>
+                <a:shade val="90000"/>
+                <a:lumMod val="103000"/>
+              </a:schemeClr>
+            </a:gs>
+            <a:gs pos="100000">
+              <a:schemeClr val="phClr">
+                <a:shade val="63000"/>
+                <a:satMod val="120000"/>
+              </a:schemeClr>
+            </a:gs>
+          </a:gsLst>
+          <a:lin ang="5400000" scaled="0"/>
+        </a:gradFill>
+      </a:bgFillStyleLst>
+    </a:fmtScheme>
+  </a:themeElements>
+  <a:objectDefaults/>
+  <a:extraClrSchemeLst/>
+  <a:extLst>
+    <a:ext uri="{05A4C25C-085E-4340-85A3-A5531E510DB2}">
+      <thm15:themeFamily xmlns:thm15="http://schemas.microsoft.com/office/thememl/2012/main" name="Office Theme" id="{62F939B6-93AF-4DB8-9C6B-D6C7DFDC589F}" vid="{4A3C46E8-61CC-4603-A589-7422A47A8E4A}"/>
     </a:ext>
   </a:extLst>
 </a:theme>

--- a/hw04.pptx
+++ b/hw04.pptx
@@ -5,17 +5,23 @@
     <p:sldMasterId id="2147483732" r:id="rId1"/>
   </p:sldMasterIdLst>
   <p:notesMasterIdLst>
-    <p:notesMasterId r:id="rId10"/>
+    <p:notesMasterId r:id="rId16"/>
   </p:notesMasterIdLst>
   <p:sldIdLst>
     <p:sldId id="256" r:id="rId2"/>
     <p:sldId id="257" r:id="rId3"/>
-    <p:sldId id="258" r:id="rId4"/>
-    <p:sldId id="259" r:id="rId5"/>
-    <p:sldId id="260" r:id="rId6"/>
-    <p:sldId id="261" r:id="rId7"/>
-    <p:sldId id="262" r:id="rId8"/>
-    <p:sldId id="263" r:id="rId9"/>
+    <p:sldId id="264" r:id="rId4"/>
+    <p:sldId id="258" r:id="rId5"/>
+    <p:sldId id="265" r:id="rId6"/>
+    <p:sldId id="259" r:id="rId7"/>
+    <p:sldId id="266" r:id="rId8"/>
+    <p:sldId id="260" r:id="rId9"/>
+    <p:sldId id="267" r:id="rId10"/>
+    <p:sldId id="261" r:id="rId11"/>
+    <p:sldId id="268" r:id="rId12"/>
+    <p:sldId id="262" r:id="rId13"/>
+    <p:sldId id="269" r:id="rId14"/>
+    <p:sldId id="263" r:id="rId15"/>
   </p:sldIdLst>
   <p:sldSz cx="12192000" cy="6858000"/>
   <p:notesSz cx="6858000" cy="9144000"/>
@@ -204,7 +210,7 @@
           <a:p>
             <a:fld id="{C67AF8E6-C0F5-4094-96F5-CEA12AE500DA}" type="datetimeFigureOut">
               <a:rPr lang="zh-TW" altLang="en-US" smtClean="0"/>
-              <a:t>2024/11/5</a:t>
+              <a:t>2024/11/6</a:t>
             </a:fld>
             <a:endParaRPr lang="zh-TW" altLang="en-US"/>
           </a:p>
@@ -517,11 +523,8 @@
           <a:p>
             <a:r>
               <a:rPr lang="zh-TW" altLang="en-US" dirty="0"/>
-              <a:t>離開邪惡實驗室後，我加入了一家自駕車公司，希望能將無人機研發的經驗應用於自駕技術，提升交通安全，同時在新領域實現自我成長。</a:t>
-            </a:r>
-          </a:p>
-          <a:p>
-            <a:endParaRPr lang="zh-TW" altLang="en-US" dirty="0"/>
+              <a:t>離開邪惡實驗室後，我加入了一家自駕車公司。</a:t>
+            </a:r>
           </a:p>
         </p:txBody>
       </p:sp>
@@ -552,6 +555,394 @@
     <p:extLst>
       <p:ext uri="{BB962C8B-B14F-4D97-AF65-F5344CB8AC3E}">
         <p14:creationId xmlns:p14="http://schemas.microsoft.com/office/powerpoint/2010/main" val="528882751"/>
+      </p:ext>
+    </p:extLst>
+  </p:cSld>
+  <p:clrMapOvr>
+    <a:masterClrMapping/>
+  </p:clrMapOvr>
+</p:notes>
+</file>
+
+<file path=ppt/notesSlides/notesSlide10.xml><?xml version="1.0" encoding="utf-8"?>
+<p:notes xmlns:a="http://schemas.openxmlformats.org/drawingml/2006/main" xmlns:r="http://schemas.openxmlformats.org/officeDocument/2006/relationships" xmlns:p="http://schemas.openxmlformats.org/presentationml/2006/main">
+  <p:cSld>
+    <p:spTree>
+      <p:nvGrpSpPr>
+        <p:cNvPr id="1" name=""/>
+        <p:cNvGrpSpPr/>
+        <p:nvPr/>
+      </p:nvGrpSpPr>
+      <p:grpSpPr>
+        <a:xfrm>
+          <a:off x="0" y="0"/>
+          <a:ext cx="0" cy="0"/>
+          <a:chOff x="0" y="0"/>
+          <a:chExt cx="0" cy="0"/>
+        </a:xfrm>
+      </p:grpSpPr>
+      <p:sp>
+        <p:nvSpPr>
+          <p:cNvPr id="2" name="投影片影像版面配置區 1"/>
+          <p:cNvSpPr>
+            <a:spLocks noGrp="1" noRot="1" noChangeAspect="1"/>
+          </p:cNvSpPr>
+          <p:nvPr>
+            <p:ph type="sldImg"/>
+          </p:nvPr>
+        </p:nvSpPr>
+        <p:spPr/>
+      </p:sp>
+      <p:sp>
+        <p:nvSpPr>
+          <p:cNvPr id="3" name="備忘稿版面配置區 2"/>
+          <p:cNvSpPr>
+            <a:spLocks noGrp="1"/>
+          </p:cNvSpPr>
+          <p:nvPr>
+            <p:ph type="body" idx="1"/>
+          </p:nvPr>
+        </p:nvSpPr>
+        <p:spPr/>
+        <p:txBody>
+          <a:bodyPr/>
+          <a:lstStyle/>
+          <a:p>
+            <a:pPr marL="0" marR="0" lvl="0" indent="0" algn="l" defTabSz="914400" rtl="0" eaLnBrk="1" fontAlgn="auto" latinLnBrk="0" hangingPunct="1">
+              <a:lnSpc>
+                <a:spcPct val="100000"/>
+              </a:lnSpc>
+              <a:spcBef>
+                <a:spcPts val="0"/>
+              </a:spcBef>
+              <a:spcAft>
+                <a:spcPts val="0"/>
+              </a:spcAft>
+              <a:buClrTx/>
+              <a:buSzTx/>
+              <a:buFontTx/>
+              <a:buNone/>
+              <a:tabLst/>
+              <a:defRPr/>
+            </a:pPr>
+            <a:r>
+              <a:rPr lang="zh-TW" altLang="en-US" dirty="0"/>
+              <a:t>這件事讓我對公司是否重視用戶隱私產生了質疑。</a:t>
+            </a:r>
+          </a:p>
+          <a:p>
+            <a:endParaRPr lang="zh-TW" altLang="en-US" dirty="0"/>
+          </a:p>
+        </p:txBody>
+      </p:sp>
+      <p:sp>
+        <p:nvSpPr>
+          <p:cNvPr id="4" name="投影片編號版面配置區 3"/>
+          <p:cNvSpPr>
+            <a:spLocks noGrp="1"/>
+          </p:cNvSpPr>
+          <p:nvPr>
+            <p:ph type="sldNum" sz="quarter" idx="5"/>
+          </p:nvPr>
+        </p:nvSpPr>
+        <p:spPr/>
+        <p:txBody>
+          <a:bodyPr/>
+          <a:lstStyle/>
+          <a:p>
+            <a:fld id="{DAC823D7-07D0-4420-8141-637EB619D991}" type="slidenum">
+              <a:rPr lang="zh-TW" altLang="en-US" smtClean="0"/>
+              <a:t>11</a:t>
+            </a:fld>
+            <a:endParaRPr lang="zh-TW" altLang="en-US"/>
+          </a:p>
+        </p:txBody>
+      </p:sp>
+    </p:spTree>
+    <p:extLst>
+      <p:ext uri="{BB962C8B-B14F-4D97-AF65-F5344CB8AC3E}">
+        <p14:creationId xmlns:p14="http://schemas.microsoft.com/office/powerpoint/2010/main" val="1952560538"/>
+      </p:ext>
+    </p:extLst>
+  </p:cSld>
+  <p:clrMapOvr>
+    <a:masterClrMapping/>
+  </p:clrMapOvr>
+</p:notes>
+</file>
+
+<file path=ppt/notesSlides/notesSlide11.xml><?xml version="1.0" encoding="utf-8"?>
+<p:notes xmlns:a="http://schemas.openxmlformats.org/drawingml/2006/main" xmlns:r="http://schemas.openxmlformats.org/officeDocument/2006/relationships" xmlns:p="http://schemas.openxmlformats.org/presentationml/2006/main">
+  <p:cSld>
+    <p:spTree>
+      <p:nvGrpSpPr>
+        <p:cNvPr id="1" name=""/>
+        <p:cNvGrpSpPr/>
+        <p:nvPr/>
+      </p:nvGrpSpPr>
+      <p:grpSpPr>
+        <a:xfrm>
+          <a:off x="0" y="0"/>
+          <a:ext cx="0" cy="0"/>
+          <a:chOff x="0" y="0"/>
+          <a:chExt cx="0" cy="0"/>
+        </a:xfrm>
+      </p:grpSpPr>
+      <p:sp>
+        <p:nvSpPr>
+          <p:cNvPr id="2" name="投影片影像版面配置區 1"/>
+          <p:cNvSpPr>
+            <a:spLocks noGrp="1" noRot="1" noChangeAspect="1"/>
+          </p:cNvSpPr>
+          <p:nvPr>
+            <p:ph type="sldImg"/>
+          </p:nvPr>
+        </p:nvSpPr>
+        <p:spPr/>
+      </p:sp>
+      <p:sp>
+        <p:nvSpPr>
+          <p:cNvPr id="3" name="備忘稿版面配置區 2"/>
+          <p:cNvSpPr>
+            <a:spLocks noGrp="1"/>
+          </p:cNvSpPr>
+          <p:nvPr>
+            <p:ph type="body" idx="1"/>
+          </p:nvPr>
+        </p:nvSpPr>
+        <p:spPr/>
+        <p:txBody>
+          <a:bodyPr/>
+          <a:lstStyle/>
+          <a:p>
+            <a:r>
+              <a:rPr lang="zh-TW" altLang="en-US" dirty="0"/>
+              <a:t>面對這樣的情況，我陷入道德抉擇。</a:t>
+            </a:r>
+          </a:p>
+        </p:txBody>
+      </p:sp>
+      <p:sp>
+        <p:nvSpPr>
+          <p:cNvPr id="4" name="投影片編號版面配置區 3"/>
+          <p:cNvSpPr>
+            <a:spLocks noGrp="1"/>
+          </p:cNvSpPr>
+          <p:nvPr>
+            <p:ph type="sldNum" sz="quarter" idx="5"/>
+          </p:nvPr>
+        </p:nvSpPr>
+        <p:spPr/>
+        <p:txBody>
+          <a:bodyPr/>
+          <a:lstStyle/>
+          <a:p>
+            <a:fld id="{DAC823D7-07D0-4420-8141-637EB619D991}" type="slidenum">
+              <a:rPr lang="zh-TW" altLang="en-US" smtClean="0"/>
+              <a:t>12</a:t>
+            </a:fld>
+            <a:endParaRPr lang="zh-TW" altLang="en-US"/>
+          </a:p>
+        </p:txBody>
+      </p:sp>
+    </p:spTree>
+    <p:extLst>
+      <p:ext uri="{BB962C8B-B14F-4D97-AF65-F5344CB8AC3E}">
+        <p14:creationId xmlns:p14="http://schemas.microsoft.com/office/powerpoint/2010/main" val="4110877870"/>
+      </p:ext>
+    </p:extLst>
+  </p:cSld>
+  <p:clrMapOvr>
+    <a:masterClrMapping/>
+  </p:clrMapOvr>
+</p:notes>
+</file>
+
+<file path=ppt/notesSlides/notesSlide12.xml><?xml version="1.0" encoding="utf-8"?>
+<p:notes xmlns:a="http://schemas.openxmlformats.org/drawingml/2006/main" xmlns:r="http://schemas.openxmlformats.org/officeDocument/2006/relationships" xmlns:p="http://schemas.openxmlformats.org/presentationml/2006/main">
+  <p:cSld>
+    <p:spTree>
+      <p:nvGrpSpPr>
+        <p:cNvPr id="1" name=""/>
+        <p:cNvGrpSpPr/>
+        <p:nvPr/>
+      </p:nvGrpSpPr>
+      <p:grpSpPr>
+        <a:xfrm>
+          <a:off x="0" y="0"/>
+          <a:ext cx="0" cy="0"/>
+          <a:chOff x="0" y="0"/>
+          <a:chExt cx="0" cy="0"/>
+        </a:xfrm>
+      </p:grpSpPr>
+      <p:sp>
+        <p:nvSpPr>
+          <p:cNvPr id="2" name="投影片影像版面配置區 1"/>
+          <p:cNvSpPr>
+            <a:spLocks noGrp="1" noRot="1" noChangeAspect="1"/>
+          </p:cNvSpPr>
+          <p:nvPr>
+            <p:ph type="sldImg"/>
+          </p:nvPr>
+        </p:nvSpPr>
+        <p:spPr/>
+      </p:sp>
+      <p:sp>
+        <p:nvSpPr>
+          <p:cNvPr id="3" name="備忘稿版面配置區 2"/>
+          <p:cNvSpPr>
+            <a:spLocks noGrp="1"/>
+          </p:cNvSpPr>
+          <p:nvPr>
+            <p:ph type="body" idx="1"/>
+          </p:nvPr>
+        </p:nvSpPr>
+        <p:spPr/>
+        <p:txBody>
+          <a:bodyPr/>
+          <a:lstStyle/>
+          <a:p>
+            <a:pPr marL="0" marR="0" lvl="0" indent="0" algn="l" defTabSz="914400" rtl="0" eaLnBrk="1" fontAlgn="auto" latinLnBrk="0" hangingPunct="1">
+              <a:lnSpc>
+                <a:spcPct val="100000"/>
+              </a:lnSpc>
+              <a:spcBef>
+                <a:spcPts val="0"/>
+              </a:spcBef>
+              <a:spcAft>
+                <a:spcPts val="0"/>
+              </a:spcAft>
+              <a:buClrTx/>
+              <a:buSzTx/>
+              <a:buFontTx/>
+              <a:buNone/>
+              <a:tabLst/>
+              <a:defRPr/>
+            </a:pPr>
+            <a:r>
+              <a:rPr lang="zh-TW" altLang="en-US" dirty="0"/>
+              <a:t>最終我決定匿名揭露公司的行為，同時開始尋找更尊重隱私和倫理的工作機會。</a:t>
+            </a:r>
+          </a:p>
+          <a:p>
+            <a:endParaRPr lang="zh-TW" altLang="en-US" dirty="0"/>
+          </a:p>
+        </p:txBody>
+      </p:sp>
+      <p:sp>
+        <p:nvSpPr>
+          <p:cNvPr id="4" name="投影片編號版面配置區 3"/>
+          <p:cNvSpPr>
+            <a:spLocks noGrp="1"/>
+          </p:cNvSpPr>
+          <p:nvPr>
+            <p:ph type="sldNum" sz="quarter" idx="5"/>
+          </p:nvPr>
+        </p:nvSpPr>
+        <p:spPr/>
+        <p:txBody>
+          <a:bodyPr/>
+          <a:lstStyle/>
+          <a:p>
+            <a:fld id="{DAC823D7-07D0-4420-8141-637EB619D991}" type="slidenum">
+              <a:rPr lang="zh-TW" altLang="en-US" smtClean="0"/>
+              <a:t>13</a:t>
+            </a:fld>
+            <a:endParaRPr lang="zh-TW" altLang="en-US"/>
+          </a:p>
+        </p:txBody>
+      </p:sp>
+    </p:spTree>
+    <p:extLst>
+      <p:ext uri="{BB962C8B-B14F-4D97-AF65-F5344CB8AC3E}">
+        <p14:creationId xmlns:p14="http://schemas.microsoft.com/office/powerpoint/2010/main" val="157800596"/>
+      </p:ext>
+    </p:extLst>
+  </p:cSld>
+  <p:clrMapOvr>
+    <a:masterClrMapping/>
+  </p:clrMapOvr>
+</p:notes>
+</file>
+
+<file path=ppt/notesSlides/notesSlide13.xml><?xml version="1.0" encoding="utf-8"?>
+<p:notes xmlns:a="http://schemas.openxmlformats.org/drawingml/2006/main" xmlns:r="http://schemas.openxmlformats.org/officeDocument/2006/relationships" xmlns:p="http://schemas.openxmlformats.org/presentationml/2006/main">
+  <p:cSld>
+    <p:spTree>
+      <p:nvGrpSpPr>
+        <p:cNvPr id="1" name=""/>
+        <p:cNvGrpSpPr/>
+        <p:nvPr/>
+      </p:nvGrpSpPr>
+      <p:grpSpPr>
+        <a:xfrm>
+          <a:off x="0" y="0"/>
+          <a:ext cx="0" cy="0"/>
+          <a:chOff x="0" y="0"/>
+          <a:chExt cx="0" cy="0"/>
+        </a:xfrm>
+      </p:grpSpPr>
+      <p:sp>
+        <p:nvSpPr>
+          <p:cNvPr id="2" name="投影片影像版面配置區 1"/>
+          <p:cNvSpPr>
+            <a:spLocks noGrp="1" noRot="1" noChangeAspect="1"/>
+          </p:cNvSpPr>
+          <p:nvPr>
+            <p:ph type="sldImg"/>
+          </p:nvPr>
+        </p:nvSpPr>
+        <p:spPr/>
+      </p:sp>
+      <p:sp>
+        <p:nvSpPr>
+          <p:cNvPr id="3" name="備忘稿版面配置區 2"/>
+          <p:cNvSpPr>
+            <a:spLocks noGrp="1"/>
+          </p:cNvSpPr>
+          <p:nvPr>
+            <p:ph type="body" idx="1"/>
+          </p:nvPr>
+        </p:nvSpPr>
+        <p:spPr/>
+        <p:txBody>
+          <a:bodyPr/>
+          <a:lstStyle/>
+          <a:p>
+            <a:r>
+              <a:rPr lang="zh-TW" altLang="en-US" dirty="0"/>
+              <a:t>在曝光後，公司受到外界審查，而我成功跳槽到一家更重視隱私保護的自駕車企業，繼續致力於以科技提升安全的目標，職涯也踏上了更符合我價值觀的新起點。</a:t>
+            </a:r>
+          </a:p>
+        </p:txBody>
+      </p:sp>
+      <p:sp>
+        <p:nvSpPr>
+          <p:cNvPr id="4" name="投影片編號版面配置區 3"/>
+          <p:cNvSpPr>
+            <a:spLocks noGrp="1"/>
+          </p:cNvSpPr>
+          <p:nvPr>
+            <p:ph type="sldNum" sz="quarter" idx="5"/>
+          </p:nvPr>
+        </p:nvSpPr>
+        <p:spPr/>
+        <p:txBody>
+          <a:bodyPr/>
+          <a:lstStyle/>
+          <a:p>
+            <a:fld id="{DAC823D7-07D0-4420-8141-637EB619D991}" type="slidenum">
+              <a:rPr lang="zh-TW" altLang="en-US" smtClean="0"/>
+              <a:t>14</a:t>
+            </a:fld>
+            <a:endParaRPr lang="zh-TW" altLang="en-US"/>
+          </a:p>
+        </p:txBody>
+      </p:sp>
+    </p:spTree>
+    <p:extLst>
+      <p:ext uri="{BB962C8B-B14F-4D97-AF65-F5344CB8AC3E}">
+        <p14:creationId xmlns:p14="http://schemas.microsoft.com/office/powerpoint/2010/main" val="3404315606"/>
       </p:ext>
     </p:extLst>
   </p:cSld>
@@ -605,9 +996,26 @@
           <a:bodyPr/>
           <a:lstStyle/>
           <a:p>
+            <a:pPr marL="0" marR="0" lvl="0" indent="0" algn="l" defTabSz="914400" rtl="0" eaLnBrk="1" fontAlgn="auto" latinLnBrk="0" hangingPunct="1">
+              <a:lnSpc>
+                <a:spcPct val="100000"/>
+              </a:lnSpc>
+              <a:spcBef>
+                <a:spcPts val="0"/>
+              </a:spcBef>
+              <a:spcAft>
+                <a:spcPts val="0"/>
+              </a:spcAft>
+              <a:buClrTx/>
+              <a:buSzTx/>
+              <a:buFontTx/>
+              <a:buNone/>
+              <a:tabLst/>
+              <a:defRPr/>
+            </a:pPr>
             <a:r>
               <a:rPr lang="zh-TW" altLang="en-US" dirty="0"/>
-              <a:t>由於我過去的經歷與無人機相關，團隊質疑我的能力，認為我的技術無法完全適應自駕車的需求。我在團隊中被冷落，提案也頻頻遭到駁回。</a:t>
+              <a:t>我的目標是希望能將無人機研發的經驗應用於自駕技術，提升交通安全，同時在新領域實現自我成長。</a:t>
             </a:r>
           </a:p>
           <a:p>
@@ -641,7 +1049,7 @@
     </p:spTree>
     <p:extLst>
       <p:ext uri="{BB962C8B-B14F-4D97-AF65-F5344CB8AC3E}">
-        <p14:creationId xmlns:p14="http://schemas.microsoft.com/office/powerpoint/2010/main" val="2448667284"/>
+        <p14:creationId xmlns:p14="http://schemas.microsoft.com/office/powerpoint/2010/main" val="2420490808"/>
       </p:ext>
     </p:extLst>
   </p:cSld>
@@ -697,11 +1105,8 @@
           <a:p>
             <a:r>
               <a:rPr lang="zh-TW" altLang="en-US" dirty="0"/>
-              <a:t>為了獲得認可，我努力學習自駕車技術，並將無人機的精準反應和避障技術融入自駕車系統。我加班加點開發出一個自駕車緊急避障系統的原型，展示了該技術在防碰撞方面的潛力。</a:t>
-            </a:r>
-          </a:p>
-          <a:p>
-            <a:endParaRPr lang="zh-TW" altLang="en-US" dirty="0"/>
+              <a:t>由於我過去的經歷與無人機相關，團隊質疑我的能力，認為我的技術無法完全適應自駕車的需求。</a:t>
+            </a:r>
           </a:p>
         </p:txBody>
       </p:sp>
@@ -731,7 +1136,7 @@
     </p:spTree>
     <p:extLst>
       <p:ext uri="{BB962C8B-B14F-4D97-AF65-F5344CB8AC3E}">
-        <p14:creationId xmlns:p14="http://schemas.microsoft.com/office/powerpoint/2010/main" val="1526566398"/>
+        <p14:creationId xmlns:p14="http://schemas.microsoft.com/office/powerpoint/2010/main" val="2448667284"/>
       </p:ext>
     </p:extLst>
   </p:cSld>
@@ -785,9 +1190,26 @@
           <a:bodyPr/>
           <a:lstStyle/>
           <a:p>
+            <a:pPr marL="0" marR="0" lvl="0" indent="0" algn="l" defTabSz="914400" rtl="0" eaLnBrk="1" fontAlgn="auto" latinLnBrk="0" hangingPunct="1">
+              <a:lnSpc>
+                <a:spcPct val="100000"/>
+              </a:lnSpc>
+              <a:spcBef>
+                <a:spcPts val="0"/>
+              </a:spcBef>
+              <a:spcAft>
+                <a:spcPts val="0"/>
+              </a:spcAft>
+              <a:buClrTx/>
+              <a:buSzTx/>
+              <a:buFontTx/>
+              <a:buNone/>
+              <a:tabLst/>
+              <a:defRPr/>
+            </a:pPr>
             <a:r>
               <a:rPr lang="zh-TW" altLang="en-US" dirty="0"/>
-              <a:t>我的原型在測試中表現出色，成功降低了緊急情況下的碰撞風險，公司開始認可我的技術，並將我納入核心的自駕技術團隊。</a:t>
+              <a:t>我在團隊中被冷落，提案也頻頻遭到駁回。</a:t>
             </a:r>
           </a:p>
           <a:p>
@@ -821,7 +1243,7 @@
     </p:spTree>
     <p:extLst>
       <p:ext uri="{BB962C8B-B14F-4D97-AF65-F5344CB8AC3E}">
-        <p14:creationId xmlns:p14="http://schemas.microsoft.com/office/powerpoint/2010/main" val="1533142378"/>
+        <p14:creationId xmlns:p14="http://schemas.microsoft.com/office/powerpoint/2010/main" val="2653555477"/>
       </p:ext>
     </p:extLst>
   </p:cSld>
@@ -877,11 +1299,8 @@
           <a:p>
             <a:r>
               <a:rPr lang="zh-TW" altLang="en-US" dirty="0"/>
-              <a:t>在深入開發過程中，我發現公司利用自駕車數據來追蹤用戶行為，並將數據售予廣告商，這讓我對公司是否重視用戶隱私產生了質疑。</a:t>
-            </a:r>
-          </a:p>
-          <a:p>
-            <a:endParaRPr lang="zh-TW" altLang="en-US" dirty="0"/>
+              <a:t>為了獲得認可，我努力學習自駕車技術，並將無人機的精準反應和避障技術融入自駕車系統。</a:t>
+            </a:r>
           </a:p>
         </p:txBody>
       </p:sp>
@@ -911,7 +1330,7 @@
     </p:spTree>
     <p:extLst>
       <p:ext uri="{BB962C8B-B14F-4D97-AF65-F5344CB8AC3E}">
-        <p14:creationId xmlns:p14="http://schemas.microsoft.com/office/powerpoint/2010/main" val="3484144147"/>
+        <p14:creationId xmlns:p14="http://schemas.microsoft.com/office/powerpoint/2010/main" val="1526566398"/>
       </p:ext>
     </p:extLst>
   </p:cSld>
@@ -965,9 +1384,26 @@
           <a:bodyPr/>
           <a:lstStyle/>
           <a:p>
+            <a:pPr marL="0" marR="0" lvl="0" indent="0" algn="l" defTabSz="914400" rtl="0" eaLnBrk="1" fontAlgn="auto" latinLnBrk="0" hangingPunct="1">
+              <a:lnSpc>
+                <a:spcPct val="100000"/>
+              </a:lnSpc>
+              <a:spcBef>
+                <a:spcPts val="0"/>
+              </a:spcBef>
+              <a:spcAft>
+                <a:spcPts val="0"/>
+              </a:spcAft>
+              <a:buClrTx/>
+              <a:buSzTx/>
+              <a:buFontTx/>
+              <a:buNone/>
+              <a:tabLst/>
+              <a:defRPr/>
+            </a:pPr>
             <a:r>
               <a:rPr lang="zh-TW" altLang="en-US" dirty="0"/>
-              <a:t>面對這樣的情況，我陷入道德抉擇，最終決定匿名揭露公司的行為，同時開始尋找更尊重隱私和倫理的工作機會。</a:t>
+              <a:t>我加班加點開發出一個自駕車緊急避障系統的原型，展示了該技術在防碰撞方面的潛力。</a:t>
             </a:r>
           </a:p>
           <a:p>
@@ -1001,7 +1437,7 @@
     </p:spTree>
     <p:extLst>
       <p:ext uri="{BB962C8B-B14F-4D97-AF65-F5344CB8AC3E}">
-        <p14:creationId xmlns:p14="http://schemas.microsoft.com/office/powerpoint/2010/main" val="4110877870"/>
+        <p14:creationId xmlns:p14="http://schemas.microsoft.com/office/powerpoint/2010/main" val="1240872637"/>
       </p:ext>
     </p:extLst>
   </p:cSld>
@@ -1057,8 +1493,11 @@
           <a:p>
             <a:r>
               <a:rPr lang="zh-TW" altLang="en-US" dirty="0"/>
-              <a:t>在曝光後，公司受到外界審查，而我成功跳槽到一家更重視隱私保護的自駕車企業，繼續致力於以科技提升安全的目標，職涯也踏上了更符合我價值觀的新起點。</a:t>
-            </a:r>
+              <a:t>我的原型在測試中表現出色，成功降低了緊急情況下的碰撞風險。</a:t>
+            </a:r>
+          </a:p>
+          <a:p>
+            <a:endParaRPr lang="zh-TW" altLang="en-US" dirty="0"/>
           </a:p>
         </p:txBody>
       </p:sp>
@@ -1088,7 +1527,181 @@
     </p:spTree>
     <p:extLst>
       <p:ext uri="{BB962C8B-B14F-4D97-AF65-F5344CB8AC3E}">
-        <p14:creationId xmlns:p14="http://schemas.microsoft.com/office/powerpoint/2010/main" val="3404315606"/>
+        <p14:creationId xmlns:p14="http://schemas.microsoft.com/office/powerpoint/2010/main" val="1533142378"/>
+      </p:ext>
+    </p:extLst>
+  </p:cSld>
+  <p:clrMapOvr>
+    <a:masterClrMapping/>
+  </p:clrMapOvr>
+</p:notes>
+</file>
+
+<file path=ppt/notesSlides/notesSlide8.xml><?xml version="1.0" encoding="utf-8"?>
+<p:notes xmlns:a="http://schemas.openxmlformats.org/drawingml/2006/main" xmlns:r="http://schemas.openxmlformats.org/officeDocument/2006/relationships" xmlns:p="http://schemas.openxmlformats.org/presentationml/2006/main">
+  <p:cSld>
+    <p:spTree>
+      <p:nvGrpSpPr>
+        <p:cNvPr id="1" name=""/>
+        <p:cNvGrpSpPr/>
+        <p:nvPr/>
+      </p:nvGrpSpPr>
+      <p:grpSpPr>
+        <a:xfrm>
+          <a:off x="0" y="0"/>
+          <a:ext cx="0" cy="0"/>
+          <a:chOff x="0" y="0"/>
+          <a:chExt cx="0" cy="0"/>
+        </a:xfrm>
+      </p:grpSpPr>
+      <p:sp>
+        <p:nvSpPr>
+          <p:cNvPr id="2" name="投影片影像版面配置區 1"/>
+          <p:cNvSpPr>
+            <a:spLocks noGrp="1" noRot="1" noChangeAspect="1"/>
+          </p:cNvSpPr>
+          <p:nvPr>
+            <p:ph type="sldImg"/>
+          </p:nvPr>
+        </p:nvSpPr>
+        <p:spPr/>
+      </p:sp>
+      <p:sp>
+        <p:nvSpPr>
+          <p:cNvPr id="3" name="備忘稿版面配置區 2"/>
+          <p:cNvSpPr>
+            <a:spLocks noGrp="1"/>
+          </p:cNvSpPr>
+          <p:nvPr>
+            <p:ph type="body" idx="1"/>
+          </p:nvPr>
+        </p:nvSpPr>
+        <p:spPr/>
+        <p:txBody>
+          <a:bodyPr/>
+          <a:lstStyle/>
+          <a:p>
+            <a:r>
+              <a:rPr lang="zh-TW" altLang="en-US" dirty="0"/>
+              <a:t>公司開始認可我的技術，並將我納入核心的自駕技術團隊。</a:t>
+            </a:r>
+          </a:p>
+        </p:txBody>
+      </p:sp>
+      <p:sp>
+        <p:nvSpPr>
+          <p:cNvPr id="4" name="投影片編號版面配置區 3"/>
+          <p:cNvSpPr>
+            <a:spLocks noGrp="1"/>
+          </p:cNvSpPr>
+          <p:nvPr>
+            <p:ph type="sldNum" sz="quarter" idx="5"/>
+          </p:nvPr>
+        </p:nvSpPr>
+        <p:spPr/>
+        <p:txBody>
+          <a:bodyPr/>
+          <a:lstStyle/>
+          <a:p>
+            <a:fld id="{DAC823D7-07D0-4420-8141-637EB619D991}" type="slidenum">
+              <a:rPr lang="zh-TW" altLang="en-US" smtClean="0"/>
+              <a:t>9</a:t>
+            </a:fld>
+            <a:endParaRPr lang="zh-TW" altLang="en-US"/>
+          </a:p>
+        </p:txBody>
+      </p:sp>
+    </p:spTree>
+    <p:extLst>
+      <p:ext uri="{BB962C8B-B14F-4D97-AF65-F5344CB8AC3E}">
+        <p14:creationId xmlns:p14="http://schemas.microsoft.com/office/powerpoint/2010/main" val="919685218"/>
+      </p:ext>
+    </p:extLst>
+  </p:cSld>
+  <p:clrMapOvr>
+    <a:masterClrMapping/>
+  </p:clrMapOvr>
+</p:notes>
+</file>
+
+<file path=ppt/notesSlides/notesSlide9.xml><?xml version="1.0" encoding="utf-8"?>
+<p:notes xmlns:a="http://schemas.openxmlformats.org/drawingml/2006/main" xmlns:r="http://schemas.openxmlformats.org/officeDocument/2006/relationships" xmlns:p="http://schemas.openxmlformats.org/presentationml/2006/main">
+  <p:cSld>
+    <p:spTree>
+      <p:nvGrpSpPr>
+        <p:cNvPr id="1" name=""/>
+        <p:cNvGrpSpPr/>
+        <p:nvPr/>
+      </p:nvGrpSpPr>
+      <p:grpSpPr>
+        <a:xfrm>
+          <a:off x="0" y="0"/>
+          <a:ext cx="0" cy="0"/>
+          <a:chOff x="0" y="0"/>
+          <a:chExt cx="0" cy="0"/>
+        </a:xfrm>
+      </p:grpSpPr>
+      <p:sp>
+        <p:nvSpPr>
+          <p:cNvPr id="2" name="投影片影像版面配置區 1"/>
+          <p:cNvSpPr>
+            <a:spLocks noGrp="1" noRot="1" noChangeAspect="1"/>
+          </p:cNvSpPr>
+          <p:nvPr>
+            <p:ph type="sldImg"/>
+          </p:nvPr>
+        </p:nvSpPr>
+        <p:spPr/>
+      </p:sp>
+      <p:sp>
+        <p:nvSpPr>
+          <p:cNvPr id="3" name="備忘稿版面配置區 2"/>
+          <p:cNvSpPr>
+            <a:spLocks noGrp="1"/>
+          </p:cNvSpPr>
+          <p:nvPr>
+            <p:ph type="body" idx="1"/>
+          </p:nvPr>
+        </p:nvSpPr>
+        <p:spPr/>
+        <p:txBody>
+          <a:bodyPr/>
+          <a:lstStyle/>
+          <a:p>
+            <a:r>
+              <a:rPr lang="zh-TW" altLang="en-US" dirty="0"/>
+              <a:t>在深入開發過程中，我發現公司利用自駕車數據來追蹤用戶行為，並將數據售予廣告商。</a:t>
+            </a:r>
+          </a:p>
+        </p:txBody>
+      </p:sp>
+      <p:sp>
+        <p:nvSpPr>
+          <p:cNvPr id="4" name="投影片編號版面配置區 3"/>
+          <p:cNvSpPr>
+            <a:spLocks noGrp="1"/>
+          </p:cNvSpPr>
+          <p:nvPr>
+            <p:ph type="sldNum" sz="quarter" idx="5"/>
+          </p:nvPr>
+        </p:nvSpPr>
+        <p:spPr/>
+        <p:txBody>
+          <a:bodyPr/>
+          <a:lstStyle/>
+          <a:p>
+            <a:fld id="{DAC823D7-07D0-4420-8141-637EB619D991}" type="slidenum">
+              <a:rPr lang="zh-TW" altLang="en-US" smtClean="0"/>
+              <a:t>10</a:t>
+            </a:fld>
+            <a:endParaRPr lang="zh-TW" altLang="en-US"/>
+          </a:p>
+        </p:txBody>
+      </p:sp>
+    </p:spTree>
+    <p:extLst>
+      <p:ext uri="{BB962C8B-B14F-4D97-AF65-F5344CB8AC3E}">
+        <p14:creationId xmlns:p14="http://schemas.microsoft.com/office/powerpoint/2010/main" val="3484144147"/>
       </p:ext>
     </p:extLst>
   </p:cSld>
@@ -1229,7 +1842,7 @@
           <a:p>
             <a:fld id="{67563718-DE8E-4DF6-B26A-A3FA8351B16E}" type="datetimeFigureOut">
               <a:rPr lang="zh-TW" altLang="en-US" smtClean="0"/>
-              <a:t>2024/11/5</a:t>
+              <a:t>2024/11/6</a:t>
             </a:fld>
             <a:endParaRPr lang="zh-TW" altLang="en-US"/>
           </a:p>
@@ -1399,7 +2012,7 @@
           <a:p>
             <a:fld id="{67563718-DE8E-4DF6-B26A-A3FA8351B16E}" type="datetimeFigureOut">
               <a:rPr lang="zh-TW" altLang="en-US" smtClean="0"/>
-              <a:t>2024/11/5</a:t>
+              <a:t>2024/11/6</a:t>
             </a:fld>
             <a:endParaRPr lang="zh-TW" altLang="en-US"/>
           </a:p>
@@ -1579,7 +2192,7 @@
           <a:p>
             <a:fld id="{67563718-DE8E-4DF6-B26A-A3FA8351B16E}" type="datetimeFigureOut">
               <a:rPr lang="zh-TW" altLang="en-US" smtClean="0"/>
-              <a:t>2024/11/5</a:t>
+              <a:t>2024/11/6</a:t>
             </a:fld>
             <a:endParaRPr lang="zh-TW" altLang="en-US"/>
           </a:p>
@@ -1749,7 +2362,7 @@
           <a:p>
             <a:fld id="{67563718-DE8E-4DF6-B26A-A3FA8351B16E}" type="datetimeFigureOut">
               <a:rPr lang="zh-TW" altLang="en-US" smtClean="0"/>
-              <a:t>2024/11/5</a:t>
+              <a:t>2024/11/6</a:t>
             </a:fld>
             <a:endParaRPr lang="zh-TW" altLang="en-US"/>
           </a:p>
@@ -1995,7 +2608,7 @@
           <a:p>
             <a:fld id="{67563718-DE8E-4DF6-B26A-A3FA8351B16E}" type="datetimeFigureOut">
               <a:rPr lang="zh-TW" altLang="en-US" smtClean="0"/>
-              <a:t>2024/11/5</a:t>
+              <a:t>2024/11/6</a:t>
             </a:fld>
             <a:endParaRPr lang="zh-TW" altLang="en-US"/>
           </a:p>
@@ -2227,7 +2840,7 @@
           <a:p>
             <a:fld id="{67563718-DE8E-4DF6-B26A-A3FA8351B16E}" type="datetimeFigureOut">
               <a:rPr lang="zh-TW" altLang="en-US" smtClean="0"/>
-              <a:t>2024/11/5</a:t>
+              <a:t>2024/11/6</a:t>
             </a:fld>
             <a:endParaRPr lang="zh-TW" altLang="en-US"/>
           </a:p>
@@ -2594,7 +3207,7 @@
           <a:p>
             <a:fld id="{67563718-DE8E-4DF6-B26A-A3FA8351B16E}" type="datetimeFigureOut">
               <a:rPr lang="zh-TW" altLang="en-US" smtClean="0"/>
-              <a:t>2024/11/5</a:t>
+              <a:t>2024/11/6</a:t>
             </a:fld>
             <a:endParaRPr lang="zh-TW" altLang="en-US"/>
           </a:p>
@@ -2712,7 +3325,7 @@
           <a:p>
             <a:fld id="{67563718-DE8E-4DF6-B26A-A3FA8351B16E}" type="datetimeFigureOut">
               <a:rPr lang="zh-TW" altLang="en-US" smtClean="0"/>
-              <a:t>2024/11/5</a:t>
+              <a:t>2024/11/6</a:t>
             </a:fld>
             <a:endParaRPr lang="zh-TW" altLang="en-US"/>
           </a:p>
@@ -2807,7 +3420,7 @@
           <a:p>
             <a:fld id="{67563718-DE8E-4DF6-B26A-A3FA8351B16E}" type="datetimeFigureOut">
               <a:rPr lang="zh-TW" altLang="en-US" smtClean="0"/>
-              <a:t>2024/11/5</a:t>
+              <a:t>2024/11/6</a:t>
             </a:fld>
             <a:endParaRPr lang="zh-TW" altLang="en-US"/>
           </a:p>
@@ -3084,7 +3697,7 @@
           <a:p>
             <a:fld id="{67563718-DE8E-4DF6-B26A-A3FA8351B16E}" type="datetimeFigureOut">
               <a:rPr lang="zh-TW" altLang="en-US" smtClean="0"/>
-              <a:t>2024/11/5</a:t>
+              <a:t>2024/11/6</a:t>
             </a:fld>
             <a:endParaRPr lang="zh-TW" altLang="en-US"/>
           </a:p>
@@ -3341,7 +3954,7 @@
           <a:p>
             <a:fld id="{67563718-DE8E-4DF6-B26A-A3FA8351B16E}" type="datetimeFigureOut">
               <a:rPr lang="zh-TW" altLang="en-US" smtClean="0"/>
-              <a:t>2024/11/5</a:t>
+              <a:t>2024/11/6</a:t>
             </a:fld>
             <a:endParaRPr lang="zh-TW" altLang="en-US"/>
           </a:p>
@@ -3554,7 +4167,7 @@
           <a:p>
             <a:fld id="{67563718-DE8E-4DF6-B26A-A3FA8351B16E}" type="datetimeFigureOut">
               <a:rPr lang="zh-TW" altLang="en-US" smtClean="0"/>
-              <a:t>2024/11/5</a:t>
+              <a:t>2024/11/6</a:t>
             </a:fld>
             <a:endParaRPr lang="zh-TW" altLang="en-US"/>
           </a:p>
@@ -4040,6 +4653,330 @@
 </p:sld>
 </file>
 
+<file path=ppt/slides/slide10.xml><?xml version="1.0" encoding="utf-8"?>
+<p:sld xmlns:a="http://schemas.openxmlformats.org/drawingml/2006/main" xmlns:r="http://schemas.openxmlformats.org/officeDocument/2006/relationships" xmlns:p="http://schemas.openxmlformats.org/presentationml/2006/main">
+  <p:cSld>
+    <p:spTree>
+      <p:nvGrpSpPr>
+        <p:cNvPr id="1" name=""/>
+        <p:cNvGrpSpPr/>
+        <p:nvPr/>
+      </p:nvGrpSpPr>
+      <p:grpSpPr>
+        <a:xfrm>
+          <a:off x="0" y="0"/>
+          <a:ext cx="0" cy="0"/>
+          <a:chOff x="0" y="0"/>
+          <a:chExt cx="0" cy="0"/>
+        </a:xfrm>
+      </p:grpSpPr>
+      <p:sp>
+        <p:nvSpPr>
+          <p:cNvPr id="2" name="標題 1">
+            <a:extLst>
+              <a:ext uri="{FF2B5EF4-FFF2-40B4-BE49-F238E27FC236}">
+                <a16:creationId xmlns:a16="http://schemas.microsoft.com/office/drawing/2014/main" id="{DF2D481B-274C-4ED4-8CC7-372EFB7410A5}"/>
+              </a:ext>
+            </a:extLst>
+          </p:cNvPr>
+          <p:cNvSpPr>
+            <a:spLocks noGrp="1"/>
+          </p:cNvSpPr>
+          <p:nvPr>
+            <p:ph type="ctrTitle"/>
+          </p:nvPr>
+        </p:nvSpPr>
+        <p:spPr/>
+        <p:txBody>
+          <a:bodyPr/>
+          <a:lstStyle/>
+          <a:p>
+            <a:pPr algn="l"/>
+            <a:r>
+              <a:rPr lang="en-US" altLang="zh-TW" dirty="0"/>
+              <a:t>5.</a:t>
+            </a:r>
+            <a:r>
+              <a:rPr lang="zh-TW" altLang="en-US" dirty="0"/>
+              <a:t>意外</a:t>
+            </a:r>
+          </a:p>
+        </p:txBody>
+      </p:sp>
+      <p:sp>
+        <p:nvSpPr>
+          <p:cNvPr id="5" name="副標題 4">
+            <a:extLst>
+              <a:ext uri="{FF2B5EF4-FFF2-40B4-BE49-F238E27FC236}">
+                <a16:creationId xmlns:a16="http://schemas.microsoft.com/office/drawing/2014/main" id="{59D85F3C-8725-4B4E-AF5A-3D1513AF3175}"/>
+              </a:ext>
+            </a:extLst>
+          </p:cNvPr>
+          <p:cNvSpPr>
+            <a:spLocks noGrp="1"/>
+          </p:cNvSpPr>
+          <p:nvPr>
+            <p:ph type="subTitle" idx="1"/>
+          </p:nvPr>
+        </p:nvSpPr>
+        <p:spPr/>
+        <p:txBody>
+          <a:bodyPr/>
+          <a:lstStyle/>
+          <a:p>
+            <a:endParaRPr lang="zh-TW" altLang="en-US"/>
+          </a:p>
+        </p:txBody>
+      </p:sp>
+    </p:spTree>
+    <p:extLst>
+      <p:ext uri="{BB962C8B-B14F-4D97-AF65-F5344CB8AC3E}">
+        <p14:creationId xmlns:p14="http://schemas.microsoft.com/office/powerpoint/2010/main" val="1547738830"/>
+      </p:ext>
+    </p:extLst>
+  </p:cSld>
+  <p:clrMapOvr>
+    <a:masterClrMapping/>
+  </p:clrMapOvr>
+</p:sld>
+</file>
+
+<file path=ppt/slides/slide11.xml><?xml version="1.0" encoding="utf-8"?>
+<p:sld xmlns:a="http://schemas.openxmlformats.org/drawingml/2006/main" xmlns:r="http://schemas.openxmlformats.org/officeDocument/2006/relationships" xmlns:p="http://schemas.openxmlformats.org/presentationml/2006/main">
+  <p:cSld>
+    <p:spTree>
+      <p:nvGrpSpPr>
+        <p:cNvPr id="1" name=""/>
+        <p:cNvGrpSpPr/>
+        <p:nvPr/>
+      </p:nvGrpSpPr>
+      <p:grpSpPr>
+        <a:xfrm>
+          <a:off x="0" y="0"/>
+          <a:ext cx="0" cy="0"/>
+          <a:chOff x="0" y="0"/>
+          <a:chExt cx="0" cy="0"/>
+        </a:xfrm>
+      </p:grpSpPr>
+    </p:spTree>
+    <p:extLst>
+      <p:ext uri="{BB962C8B-B14F-4D97-AF65-F5344CB8AC3E}">
+        <p14:creationId xmlns:p14="http://schemas.microsoft.com/office/powerpoint/2010/main" val="4146729012"/>
+      </p:ext>
+    </p:extLst>
+  </p:cSld>
+  <p:clrMapOvr>
+    <a:masterClrMapping/>
+  </p:clrMapOvr>
+</p:sld>
+</file>
+
+<file path=ppt/slides/slide12.xml><?xml version="1.0" encoding="utf-8"?>
+<p:sld xmlns:a="http://schemas.openxmlformats.org/drawingml/2006/main" xmlns:r="http://schemas.openxmlformats.org/officeDocument/2006/relationships" xmlns:p="http://schemas.openxmlformats.org/presentationml/2006/main">
+  <p:cSld>
+    <p:spTree>
+      <p:nvGrpSpPr>
+        <p:cNvPr id="1" name=""/>
+        <p:cNvGrpSpPr/>
+        <p:nvPr/>
+      </p:nvGrpSpPr>
+      <p:grpSpPr>
+        <a:xfrm>
+          <a:off x="0" y="0"/>
+          <a:ext cx="0" cy="0"/>
+          <a:chOff x="0" y="0"/>
+          <a:chExt cx="0" cy="0"/>
+        </a:xfrm>
+      </p:grpSpPr>
+      <p:sp>
+        <p:nvSpPr>
+          <p:cNvPr id="2" name="標題 1">
+            <a:extLst>
+              <a:ext uri="{FF2B5EF4-FFF2-40B4-BE49-F238E27FC236}">
+                <a16:creationId xmlns:a16="http://schemas.microsoft.com/office/drawing/2014/main" id="{529B54EF-5F9D-4658-86A6-3E527AC88960}"/>
+              </a:ext>
+            </a:extLst>
+          </p:cNvPr>
+          <p:cNvSpPr>
+            <a:spLocks noGrp="1"/>
+          </p:cNvSpPr>
+          <p:nvPr>
+            <p:ph type="ctrTitle"/>
+          </p:nvPr>
+        </p:nvSpPr>
+        <p:spPr/>
+        <p:txBody>
+          <a:bodyPr/>
+          <a:lstStyle/>
+          <a:p>
+            <a:pPr algn="l"/>
+            <a:r>
+              <a:rPr lang="en-US" altLang="zh-TW" dirty="0"/>
+              <a:t>6.</a:t>
+            </a:r>
+            <a:r>
+              <a:rPr lang="zh-TW" altLang="en-US" dirty="0"/>
+              <a:t>轉彎</a:t>
+            </a:r>
+          </a:p>
+        </p:txBody>
+      </p:sp>
+      <p:sp>
+        <p:nvSpPr>
+          <p:cNvPr id="5" name="副標題 4">
+            <a:extLst>
+              <a:ext uri="{FF2B5EF4-FFF2-40B4-BE49-F238E27FC236}">
+                <a16:creationId xmlns:a16="http://schemas.microsoft.com/office/drawing/2014/main" id="{D909FE59-C99E-4779-8ACB-4810F1CDED12}"/>
+              </a:ext>
+            </a:extLst>
+          </p:cNvPr>
+          <p:cNvSpPr>
+            <a:spLocks noGrp="1"/>
+          </p:cNvSpPr>
+          <p:nvPr>
+            <p:ph type="subTitle" idx="1"/>
+          </p:nvPr>
+        </p:nvSpPr>
+        <p:spPr/>
+        <p:txBody>
+          <a:bodyPr/>
+          <a:lstStyle/>
+          <a:p>
+            <a:endParaRPr lang="zh-TW" altLang="en-US"/>
+          </a:p>
+        </p:txBody>
+      </p:sp>
+    </p:spTree>
+    <p:extLst>
+      <p:ext uri="{BB962C8B-B14F-4D97-AF65-F5344CB8AC3E}">
+        <p14:creationId xmlns:p14="http://schemas.microsoft.com/office/powerpoint/2010/main" val="2396901138"/>
+      </p:ext>
+    </p:extLst>
+  </p:cSld>
+  <p:clrMapOvr>
+    <a:masterClrMapping/>
+  </p:clrMapOvr>
+</p:sld>
+</file>
+
+<file path=ppt/slides/slide13.xml><?xml version="1.0" encoding="utf-8"?>
+<p:sld xmlns:a="http://schemas.openxmlformats.org/drawingml/2006/main" xmlns:r="http://schemas.openxmlformats.org/officeDocument/2006/relationships" xmlns:p="http://schemas.openxmlformats.org/presentationml/2006/main">
+  <p:cSld>
+    <p:spTree>
+      <p:nvGrpSpPr>
+        <p:cNvPr id="1" name=""/>
+        <p:cNvGrpSpPr/>
+        <p:nvPr/>
+      </p:nvGrpSpPr>
+      <p:grpSpPr>
+        <a:xfrm>
+          <a:off x="0" y="0"/>
+          <a:ext cx="0" cy="0"/>
+          <a:chOff x="0" y="0"/>
+          <a:chExt cx="0" cy="0"/>
+        </a:xfrm>
+      </p:grpSpPr>
+    </p:spTree>
+    <p:extLst>
+      <p:ext uri="{BB962C8B-B14F-4D97-AF65-F5344CB8AC3E}">
+        <p14:creationId xmlns:p14="http://schemas.microsoft.com/office/powerpoint/2010/main" val="1547391113"/>
+      </p:ext>
+    </p:extLst>
+  </p:cSld>
+  <p:clrMapOvr>
+    <a:masterClrMapping/>
+  </p:clrMapOvr>
+</p:sld>
+</file>
+
+<file path=ppt/slides/slide14.xml><?xml version="1.0" encoding="utf-8"?>
+<p:sld xmlns:a="http://schemas.openxmlformats.org/drawingml/2006/main" xmlns:r="http://schemas.openxmlformats.org/officeDocument/2006/relationships" xmlns:p="http://schemas.openxmlformats.org/presentationml/2006/main">
+  <p:cSld>
+    <p:spTree>
+      <p:nvGrpSpPr>
+        <p:cNvPr id="1" name=""/>
+        <p:cNvGrpSpPr/>
+        <p:nvPr/>
+      </p:nvGrpSpPr>
+      <p:grpSpPr>
+        <a:xfrm>
+          <a:off x="0" y="0"/>
+          <a:ext cx="0" cy="0"/>
+          <a:chOff x="0" y="0"/>
+          <a:chExt cx="0" cy="0"/>
+        </a:xfrm>
+      </p:grpSpPr>
+      <p:sp>
+        <p:nvSpPr>
+          <p:cNvPr id="2" name="標題 1">
+            <a:extLst>
+              <a:ext uri="{FF2B5EF4-FFF2-40B4-BE49-F238E27FC236}">
+                <a16:creationId xmlns:a16="http://schemas.microsoft.com/office/drawing/2014/main" id="{FA05AD1F-117C-4941-847B-7894DCF9A2CE}"/>
+              </a:ext>
+            </a:extLst>
+          </p:cNvPr>
+          <p:cNvSpPr>
+            <a:spLocks noGrp="1"/>
+          </p:cNvSpPr>
+          <p:nvPr>
+            <p:ph type="ctrTitle"/>
+          </p:nvPr>
+        </p:nvSpPr>
+        <p:spPr/>
+        <p:txBody>
+          <a:bodyPr/>
+          <a:lstStyle/>
+          <a:p>
+            <a:pPr algn="l"/>
+            <a:r>
+              <a:rPr lang="en-US" altLang="zh-TW" dirty="0"/>
+              <a:t>7.</a:t>
+            </a:r>
+            <a:r>
+              <a:rPr lang="zh-TW" altLang="en-US" dirty="0"/>
+              <a:t>結局</a:t>
+            </a:r>
+          </a:p>
+        </p:txBody>
+      </p:sp>
+      <p:sp>
+        <p:nvSpPr>
+          <p:cNvPr id="5" name="副標題 4">
+            <a:extLst>
+              <a:ext uri="{FF2B5EF4-FFF2-40B4-BE49-F238E27FC236}">
+                <a16:creationId xmlns:a16="http://schemas.microsoft.com/office/drawing/2014/main" id="{B51C363F-9B1C-4576-BD95-23FC7165AF3A}"/>
+              </a:ext>
+            </a:extLst>
+          </p:cNvPr>
+          <p:cNvSpPr>
+            <a:spLocks noGrp="1"/>
+          </p:cNvSpPr>
+          <p:nvPr>
+            <p:ph type="subTitle" idx="1"/>
+          </p:nvPr>
+        </p:nvSpPr>
+        <p:spPr/>
+        <p:txBody>
+          <a:bodyPr/>
+          <a:lstStyle/>
+          <a:p>
+            <a:endParaRPr lang="zh-TW" altLang="en-US"/>
+          </a:p>
+        </p:txBody>
+      </p:sp>
+    </p:spTree>
+    <p:extLst>
+      <p:ext uri="{BB962C8B-B14F-4D97-AF65-F5344CB8AC3E}">
+        <p14:creationId xmlns:p14="http://schemas.microsoft.com/office/powerpoint/2010/main" val="961534657"/>
+      </p:ext>
+    </p:extLst>
+  </p:cSld>
+  <p:clrMapOvr>
+    <a:masterClrMapping/>
+  </p:clrMapOvr>
+</p:sld>
+</file>
+
 <file path=ppt/slides/slide2.xml><?xml version="1.0" encoding="utf-8"?>
 <p:sld xmlns:a="http://schemas.openxmlformats.org/drawingml/2006/main" xmlns:r="http://schemas.openxmlformats.org/officeDocument/2006/relationships" xmlns:p="http://schemas.openxmlformats.org/presentationml/2006/main">
   <p:cSld>
@@ -4145,68 +5082,10 @@
           <a:chExt cx="0" cy="0"/>
         </a:xfrm>
       </p:grpSpPr>
-      <p:sp>
-        <p:nvSpPr>
-          <p:cNvPr id="4" name="標題 3">
-            <a:extLst>
-              <a:ext uri="{FF2B5EF4-FFF2-40B4-BE49-F238E27FC236}">
-                <a16:creationId xmlns:a16="http://schemas.microsoft.com/office/drawing/2014/main" id="{E035F08A-88D4-4B8A-88A2-1982D2685F90}"/>
-              </a:ext>
-            </a:extLst>
-          </p:cNvPr>
-          <p:cNvSpPr>
-            <a:spLocks noGrp="1"/>
-          </p:cNvSpPr>
-          <p:nvPr>
-            <p:ph type="ctrTitle"/>
-          </p:nvPr>
-        </p:nvSpPr>
-        <p:spPr/>
-        <p:txBody>
-          <a:bodyPr/>
-          <a:lstStyle/>
-          <a:p>
-            <a:pPr algn="l"/>
-            <a:r>
-              <a:rPr lang="en-US" altLang="zh-TW" dirty="0"/>
-              <a:t>2.</a:t>
-            </a:r>
-            <a:r>
-              <a:rPr lang="zh-TW" altLang="en-US" dirty="0"/>
-              <a:t>阻礙</a:t>
-            </a:r>
-          </a:p>
-        </p:txBody>
-      </p:sp>
-      <p:sp>
-        <p:nvSpPr>
-          <p:cNvPr id="2" name="副標題 1">
-            <a:extLst>
-              <a:ext uri="{FF2B5EF4-FFF2-40B4-BE49-F238E27FC236}">
-                <a16:creationId xmlns:a16="http://schemas.microsoft.com/office/drawing/2014/main" id="{9EB00D34-AE66-436C-AF68-C9FE785E84D4}"/>
-              </a:ext>
-            </a:extLst>
-          </p:cNvPr>
-          <p:cNvSpPr>
-            <a:spLocks noGrp="1"/>
-          </p:cNvSpPr>
-          <p:nvPr>
-            <p:ph type="subTitle" idx="1"/>
-          </p:nvPr>
-        </p:nvSpPr>
-        <p:spPr/>
-        <p:txBody>
-          <a:bodyPr/>
-          <a:lstStyle/>
-          <a:p>
-            <a:endParaRPr lang="zh-TW" altLang="en-US"/>
-          </a:p>
-        </p:txBody>
-      </p:sp>
     </p:spTree>
     <p:extLst>
       <p:ext uri="{BB962C8B-B14F-4D97-AF65-F5344CB8AC3E}">
-        <p14:creationId xmlns:p14="http://schemas.microsoft.com/office/powerpoint/2010/main" val="461874055"/>
+        <p14:creationId xmlns:p14="http://schemas.microsoft.com/office/powerpoint/2010/main" val="2041013750"/>
       </p:ext>
     </p:extLst>
   </p:cSld>
@@ -4235,10 +5114,10 @@
       </p:grpSpPr>
       <p:sp>
         <p:nvSpPr>
-          <p:cNvPr id="2" name="標題 1">
+          <p:cNvPr id="4" name="標題 3">
             <a:extLst>
               <a:ext uri="{FF2B5EF4-FFF2-40B4-BE49-F238E27FC236}">
-                <a16:creationId xmlns:a16="http://schemas.microsoft.com/office/drawing/2014/main" id="{298FBC92-9A19-49B9-B312-845E92897BE8}"/>
+                <a16:creationId xmlns:a16="http://schemas.microsoft.com/office/drawing/2014/main" id="{E035F08A-88D4-4B8A-88A2-1982D2685F90}"/>
               </a:ext>
             </a:extLst>
           </p:cNvPr>
@@ -4257,21 +5136,21 @@
             <a:pPr algn="l"/>
             <a:r>
               <a:rPr lang="en-US" altLang="zh-TW" dirty="0"/>
-              <a:t>3.</a:t>
+              <a:t>2.</a:t>
             </a:r>
             <a:r>
               <a:rPr lang="zh-TW" altLang="en-US" dirty="0"/>
-              <a:t>努力</a:t>
-            </a:r>
-          </a:p>
-        </p:txBody>
-      </p:sp>
-      <p:sp>
-        <p:nvSpPr>
-          <p:cNvPr id="5" name="副標題 4">
+              <a:t>阻礙</a:t>
+            </a:r>
+          </a:p>
+        </p:txBody>
+      </p:sp>
+      <p:sp>
+        <p:nvSpPr>
+          <p:cNvPr id="2" name="副標題 1">
             <a:extLst>
               <a:ext uri="{FF2B5EF4-FFF2-40B4-BE49-F238E27FC236}">
-                <a16:creationId xmlns:a16="http://schemas.microsoft.com/office/drawing/2014/main" id="{AF68E1DF-9997-44EB-A608-0E84973BEC97}"/>
+                <a16:creationId xmlns:a16="http://schemas.microsoft.com/office/drawing/2014/main" id="{9EB00D34-AE66-436C-AF68-C9FE785E84D4}"/>
               </a:ext>
             </a:extLst>
           </p:cNvPr>
@@ -4294,7 +5173,7 @@
     </p:spTree>
     <p:extLst>
       <p:ext uri="{BB962C8B-B14F-4D97-AF65-F5344CB8AC3E}">
-        <p14:creationId xmlns:p14="http://schemas.microsoft.com/office/powerpoint/2010/main" val="1587856551"/>
+        <p14:creationId xmlns:p14="http://schemas.microsoft.com/office/powerpoint/2010/main" val="461874055"/>
       </p:ext>
     </p:extLst>
   </p:cSld>
@@ -4321,68 +5200,10 @@
           <a:chExt cx="0" cy="0"/>
         </a:xfrm>
       </p:grpSpPr>
-      <p:sp>
-        <p:nvSpPr>
-          <p:cNvPr id="2" name="標題 1">
-            <a:extLst>
-              <a:ext uri="{FF2B5EF4-FFF2-40B4-BE49-F238E27FC236}">
-                <a16:creationId xmlns:a16="http://schemas.microsoft.com/office/drawing/2014/main" id="{DDD335E7-5633-4771-A8CF-1F79AB559D3E}"/>
-              </a:ext>
-            </a:extLst>
-          </p:cNvPr>
-          <p:cNvSpPr>
-            <a:spLocks noGrp="1"/>
-          </p:cNvSpPr>
-          <p:nvPr>
-            <p:ph type="ctrTitle"/>
-          </p:nvPr>
-        </p:nvSpPr>
-        <p:spPr/>
-        <p:txBody>
-          <a:bodyPr/>
-          <a:lstStyle/>
-          <a:p>
-            <a:pPr algn="l"/>
-            <a:r>
-              <a:rPr lang="en-US" altLang="zh-TW" dirty="0"/>
-              <a:t>4.</a:t>
-            </a:r>
-            <a:r>
-              <a:rPr lang="zh-TW" altLang="en-US" dirty="0"/>
-              <a:t>結果</a:t>
-            </a:r>
-          </a:p>
-        </p:txBody>
-      </p:sp>
-      <p:sp>
-        <p:nvSpPr>
-          <p:cNvPr id="5" name="副標題 4">
-            <a:extLst>
-              <a:ext uri="{FF2B5EF4-FFF2-40B4-BE49-F238E27FC236}">
-                <a16:creationId xmlns:a16="http://schemas.microsoft.com/office/drawing/2014/main" id="{B4D718A4-0120-4FCC-A60C-A6C4AC091214}"/>
-              </a:ext>
-            </a:extLst>
-          </p:cNvPr>
-          <p:cNvSpPr>
-            <a:spLocks noGrp="1"/>
-          </p:cNvSpPr>
-          <p:nvPr>
-            <p:ph type="subTitle" idx="1"/>
-          </p:nvPr>
-        </p:nvSpPr>
-        <p:spPr/>
-        <p:txBody>
-          <a:bodyPr/>
-          <a:lstStyle/>
-          <a:p>
-            <a:endParaRPr lang="zh-TW" altLang="en-US"/>
-          </a:p>
-        </p:txBody>
-      </p:sp>
     </p:spTree>
     <p:extLst>
       <p:ext uri="{BB962C8B-B14F-4D97-AF65-F5344CB8AC3E}">
-        <p14:creationId xmlns:p14="http://schemas.microsoft.com/office/powerpoint/2010/main" val="1426252759"/>
+        <p14:creationId xmlns:p14="http://schemas.microsoft.com/office/powerpoint/2010/main" val="4093903802"/>
       </p:ext>
     </p:extLst>
   </p:cSld>
@@ -4414,7 +5235,7 @@
           <p:cNvPr id="2" name="標題 1">
             <a:extLst>
               <a:ext uri="{FF2B5EF4-FFF2-40B4-BE49-F238E27FC236}">
-                <a16:creationId xmlns:a16="http://schemas.microsoft.com/office/drawing/2014/main" id="{DF2D481B-274C-4ED4-8CC7-372EFB7410A5}"/>
+                <a16:creationId xmlns:a16="http://schemas.microsoft.com/office/drawing/2014/main" id="{298FBC92-9A19-49B9-B312-845E92897BE8}"/>
               </a:ext>
             </a:extLst>
           </p:cNvPr>
@@ -4433,11 +5254,11 @@
             <a:pPr algn="l"/>
             <a:r>
               <a:rPr lang="en-US" altLang="zh-TW" dirty="0"/>
-              <a:t>5.</a:t>
+              <a:t>3.</a:t>
             </a:r>
             <a:r>
               <a:rPr lang="zh-TW" altLang="en-US" dirty="0"/>
-              <a:t>意外</a:t>
+              <a:t>努力</a:t>
             </a:r>
           </a:p>
         </p:txBody>
@@ -4447,7 +5268,7 @@
           <p:cNvPr id="5" name="副標題 4">
             <a:extLst>
               <a:ext uri="{FF2B5EF4-FFF2-40B4-BE49-F238E27FC236}">
-                <a16:creationId xmlns:a16="http://schemas.microsoft.com/office/drawing/2014/main" id="{59D85F3C-8725-4B4E-AF5A-3D1513AF3175}"/>
+                <a16:creationId xmlns:a16="http://schemas.microsoft.com/office/drawing/2014/main" id="{AF68E1DF-9997-44EB-A608-0E84973BEC97}"/>
               </a:ext>
             </a:extLst>
           </p:cNvPr>
@@ -4470,7 +5291,7 @@
     </p:spTree>
     <p:extLst>
       <p:ext uri="{BB962C8B-B14F-4D97-AF65-F5344CB8AC3E}">
-        <p14:creationId xmlns:p14="http://schemas.microsoft.com/office/powerpoint/2010/main" val="1547738830"/>
+        <p14:creationId xmlns:p14="http://schemas.microsoft.com/office/powerpoint/2010/main" val="1587856551"/>
       </p:ext>
     </p:extLst>
   </p:cSld>
@@ -4497,68 +5318,10 @@
           <a:chExt cx="0" cy="0"/>
         </a:xfrm>
       </p:grpSpPr>
-      <p:sp>
-        <p:nvSpPr>
-          <p:cNvPr id="2" name="標題 1">
-            <a:extLst>
-              <a:ext uri="{FF2B5EF4-FFF2-40B4-BE49-F238E27FC236}">
-                <a16:creationId xmlns:a16="http://schemas.microsoft.com/office/drawing/2014/main" id="{529B54EF-5F9D-4658-86A6-3E527AC88960}"/>
-              </a:ext>
-            </a:extLst>
-          </p:cNvPr>
-          <p:cNvSpPr>
-            <a:spLocks noGrp="1"/>
-          </p:cNvSpPr>
-          <p:nvPr>
-            <p:ph type="ctrTitle"/>
-          </p:nvPr>
-        </p:nvSpPr>
-        <p:spPr/>
-        <p:txBody>
-          <a:bodyPr/>
-          <a:lstStyle/>
-          <a:p>
-            <a:pPr algn="l"/>
-            <a:r>
-              <a:rPr lang="en-US" altLang="zh-TW" dirty="0"/>
-              <a:t>6.</a:t>
-            </a:r>
-            <a:r>
-              <a:rPr lang="zh-TW" altLang="en-US" dirty="0"/>
-              <a:t>轉彎</a:t>
-            </a:r>
-          </a:p>
-        </p:txBody>
-      </p:sp>
-      <p:sp>
-        <p:nvSpPr>
-          <p:cNvPr id="5" name="副標題 4">
-            <a:extLst>
-              <a:ext uri="{FF2B5EF4-FFF2-40B4-BE49-F238E27FC236}">
-                <a16:creationId xmlns:a16="http://schemas.microsoft.com/office/drawing/2014/main" id="{D909FE59-C99E-4779-8ACB-4810F1CDED12}"/>
-              </a:ext>
-            </a:extLst>
-          </p:cNvPr>
-          <p:cNvSpPr>
-            <a:spLocks noGrp="1"/>
-          </p:cNvSpPr>
-          <p:nvPr>
-            <p:ph type="subTitle" idx="1"/>
-          </p:nvPr>
-        </p:nvSpPr>
-        <p:spPr/>
-        <p:txBody>
-          <a:bodyPr/>
-          <a:lstStyle/>
-          <a:p>
-            <a:endParaRPr lang="zh-TW" altLang="en-US"/>
-          </a:p>
-        </p:txBody>
-      </p:sp>
     </p:spTree>
     <p:extLst>
       <p:ext uri="{BB962C8B-B14F-4D97-AF65-F5344CB8AC3E}">
-        <p14:creationId xmlns:p14="http://schemas.microsoft.com/office/powerpoint/2010/main" val="2396901138"/>
+        <p14:creationId xmlns:p14="http://schemas.microsoft.com/office/powerpoint/2010/main" val="951865873"/>
       </p:ext>
     </p:extLst>
   </p:cSld>
@@ -4590,7 +5353,7 @@
           <p:cNvPr id="2" name="標題 1">
             <a:extLst>
               <a:ext uri="{FF2B5EF4-FFF2-40B4-BE49-F238E27FC236}">
-                <a16:creationId xmlns:a16="http://schemas.microsoft.com/office/drawing/2014/main" id="{FA05AD1F-117C-4941-847B-7894DCF9A2CE}"/>
+                <a16:creationId xmlns:a16="http://schemas.microsoft.com/office/drawing/2014/main" id="{DDD335E7-5633-4771-A8CF-1F79AB559D3E}"/>
               </a:ext>
             </a:extLst>
           </p:cNvPr>
@@ -4609,11 +5372,11 @@
             <a:pPr algn="l"/>
             <a:r>
               <a:rPr lang="en-US" altLang="zh-TW" dirty="0"/>
-              <a:t>7.</a:t>
+              <a:t>4.</a:t>
             </a:r>
             <a:r>
               <a:rPr lang="zh-TW" altLang="en-US" dirty="0"/>
-              <a:t>結局</a:t>
+              <a:t>結果</a:t>
             </a:r>
           </a:p>
         </p:txBody>
@@ -4623,7 +5386,7 @@
           <p:cNvPr id="5" name="副標題 4">
             <a:extLst>
               <a:ext uri="{FF2B5EF4-FFF2-40B4-BE49-F238E27FC236}">
-                <a16:creationId xmlns:a16="http://schemas.microsoft.com/office/drawing/2014/main" id="{B51C363F-9B1C-4576-BD95-23FC7165AF3A}"/>
+                <a16:creationId xmlns:a16="http://schemas.microsoft.com/office/drawing/2014/main" id="{B4D718A4-0120-4FCC-A60C-A6C4AC091214}"/>
               </a:ext>
             </a:extLst>
           </p:cNvPr>
@@ -4646,7 +5409,37 @@
     </p:spTree>
     <p:extLst>
       <p:ext uri="{BB962C8B-B14F-4D97-AF65-F5344CB8AC3E}">
-        <p14:creationId xmlns:p14="http://schemas.microsoft.com/office/powerpoint/2010/main" val="961534657"/>
+        <p14:creationId xmlns:p14="http://schemas.microsoft.com/office/powerpoint/2010/main" val="1426252759"/>
+      </p:ext>
+    </p:extLst>
+  </p:cSld>
+  <p:clrMapOvr>
+    <a:masterClrMapping/>
+  </p:clrMapOvr>
+</p:sld>
+</file>
+
+<file path=ppt/slides/slide9.xml><?xml version="1.0" encoding="utf-8"?>
+<p:sld xmlns:a="http://schemas.openxmlformats.org/drawingml/2006/main" xmlns:r="http://schemas.openxmlformats.org/officeDocument/2006/relationships" xmlns:p="http://schemas.openxmlformats.org/presentationml/2006/main">
+  <p:cSld>
+    <p:spTree>
+      <p:nvGrpSpPr>
+        <p:cNvPr id="1" name=""/>
+        <p:cNvGrpSpPr/>
+        <p:nvPr/>
+      </p:nvGrpSpPr>
+      <p:grpSpPr>
+        <a:xfrm>
+          <a:off x="0" y="0"/>
+          <a:ext cx="0" cy="0"/>
+          <a:chOff x="0" y="0"/>
+          <a:chExt cx="0" cy="0"/>
+        </a:xfrm>
+      </p:grpSpPr>
+    </p:spTree>
+    <p:extLst>
+      <p:ext uri="{BB962C8B-B14F-4D97-AF65-F5344CB8AC3E}">
+        <p14:creationId xmlns:p14="http://schemas.microsoft.com/office/powerpoint/2010/main" val="1947080420"/>
       </p:ext>
     </p:extLst>
   </p:cSld>
